--- a/Disused code/Misc/DLM_DFO/Lectures/4 Making recommendations/L4c Custom input control MPs.pptx
+++ b/Disused code/Misc/DLM_DFO/Lectures/4 Making recommendations/L4c Custom input control MPs.pptx
@@ -5,7 +5,7 @@
     <p:sldMasterId id="2147483660" r:id="rId1"/>
   </p:sldMasterIdLst>
   <p:notesMasterIdLst>
-    <p:notesMasterId r:id="rId16"/>
+    <p:notesMasterId r:id="rId20"/>
   </p:notesMasterIdLst>
   <p:sldIdLst>
     <p:sldId id="341" r:id="rId2"/>
@@ -20,8 +20,12 @@
     <p:sldId id="336" r:id="rId11"/>
     <p:sldId id="337" r:id="rId12"/>
     <p:sldId id="338" r:id="rId13"/>
-    <p:sldId id="339" r:id="rId14"/>
-    <p:sldId id="340" r:id="rId15"/>
+    <p:sldId id="349" r:id="rId14"/>
+    <p:sldId id="350" r:id="rId15"/>
+    <p:sldId id="351" r:id="rId16"/>
+    <p:sldId id="339" r:id="rId17"/>
+    <p:sldId id="348" r:id="rId18"/>
+    <p:sldId id="340" r:id="rId19"/>
   </p:sldIdLst>
   <p:sldSz cx="9144000" cy="6858000" type="screen4x3"/>
   <p:notesSz cx="6858000" cy="9144000"/>
@@ -169,6 +173,10 @@
 </p:presentation>
 </file>
 
+<file path=ppt/revisionInfo.xml><?xml version="1.0" encoding="utf-8"?>
+<p1510:revInfo xmlns:a="http://schemas.openxmlformats.org/drawingml/2006/main" xmlns:r="http://schemas.openxmlformats.org/officeDocument/2006/relationships" xmlns:p1510="http://schemas.microsoft.com/office/powerpoint/2015/10/main"/>
+</file>
+
 <file path=ppt/notesMasters/notesMaster1.xml><?xml version="1.0" encoding="utf-8"?>
 <p:notesMaster xmlns:a="http://schemas.openxmlformats.org/drawingml/2006/main" xmlns:r="http://schemas.openxmlformats.org/officeDocument/2006/relationships" xmlns:p="http://schemas.openxmlformats.org/presentationml/2006/main">
   <p:cSld>
@@ -267,7 +275,7 @@
               <a:pPr>
                 <a:defRPr/>
               </a:pPr>
-              <a:t>2017-10-20</a:t>
+              <a:t>2017-10-23</a:t>
             </a:fld>
             <a:endParaRPr lang="en-CA"/>
           </a:p>
@@ -332,35 +340,35 @@
           <a:p>
             <a:pPr lvl="0"/>
             <a:r>
-              <a:rPr lang="en-US" noProof="0" smtClean="0"/>
+              <a:rPr lang="en-US" noProof="0"/>
               <a:t>Click to edit Master text styles</a:t>
             </a:r>
           </a:p>
           <a:p>
             <a:pPr lvl="1"/>
             <a:r>
-              <a:rPr lang="en-US" noProof="0" smtClean="0"/>
+              <a:rPr lang="en-US" noProof="0"/>
               <a:t>Second level</a:t>
             </a:r>
           </a:p>
           <a:p>
             <a:pPr lvl="2"/>
             <a:r>
-              <a:rPr lang="en-US" noProof="0" smtClean="0"/>
+              <a:rPr lang="en-US" noProof="0"/>
               <a:t>Third level</a:t>
             </a:r>
           </a:p>
           <a:p>
             <a:pPr lvl="3"/>
             <a:r>
-              <a:rPr lang="en-US" noProof="0" smtClean="0"/>
+              <a:rPr lang="en-US" noProof="0"/>
               <a:t>Fourth level</a:t>
             </a:r>
           </a:p>
           <a:p>
             <a:pPr lvl="4"/>
             <a:r>
-              <a:rPr lang="en-US" noProof="0" smtClean="0"/>
+              <a:rPr lang="en-US" noProof="0"/>
               <a:t>Fifth level</a:t>
             </a:r>
             <a:endParaRPr lang="en-CA" noProof="0"/>
@@ -652,7 +660,7 @@
           </a:lstStyle>
           <a:p>
             <a:r>
-              <a:rPr lang="en-US" smtClean="0"/>
+              <a:rPr lang="en-US"/>
               <a:t>Click to edit Master title style</a:t>
             </a:r>
             <a:endParaRPr lang="en-US" dirty="0"/>
@@ -748,7 +756,7 @@
           </a:lstStyle>
           <a:p>
             <a:r>
-              <a:rPr lang="en-US" smtClean="0"/>
+              <a:rPr lang="en-US"/>
               <a:t>Click to edit Master subtitle style</a:t>
             </a:r>
             <a:endParaRPr lang="en-US" dirty="0"/>
@@ -782,7 +790,7 @@
               <a:pPr>
                 <a:defRPr/>
               </a:pPr>
-              <a:t>10/20/2017</a:t>
+              <a:t>10/23/2017</a:t>
             </a:fld>
             <a:endParaRPr lang="en-US" dirty="0"/>
           </a:p>
@@ -961,7 +969,7 @@
           </a:lstStyle>
           <a:p>
             <a:r>
-              <a:rPr lang="en-US" smtClean="0"/>
+              <a:rPr lang="en-US"/>
               <a:t>Click to edit Master title style</a:t>
             </a:r>
             <a:endParaRPr lang="en-US" dirty="0"/>
@@ -1029,7 +1037,7 @@
           <a:p>
             <a:pPr lvl="0"/>
             <a:r>
-              <a:rPr lang="en-US" noProof="0" smtClean="0"/>
+              <a:rPr lang="en-US" noProof="0"/>
               <a:t>Click icon to add picture</a:t>
             </a:r>
             <a:endParaRPr lang="en-US" noProof="0" dirty="0"/>
@@ -1119,7 +1127,7 @@
           <a:p>
             <a:pPr lvl="0"/>
             <a:r>
-              <a:rPr lang="en-US" smtClean="0"/>
+              <a:rPr lang="en-US"/>
               <a:t>Click to edit Master text styles</a:t>
             </a:r>
           </a:p>
@@ -1152,7 +1160,7 @@
               <a:pPr>
                 <a:defRPr/>
               </a:pPr>
-              <a:t>10/20/2017</a:t>
+              <a:t>10/23/2017</a:t>
             </a:fld>
             <a:endParaRPr lang="en-US" dirty="0"/>
           </a:p>
@@ -1331,7 +1339,7 @@
           </a:lstStyle>
           <a:p>
             <a:r>
-              <a:rPr lang="en-US" smtClean="0"/>
+              <a:rPr lang="en-US"/>
               <a:t>Click to edit Master title style</a:t>
             </a:r>
             <a:endParaRPr lang="en-US" dirty="0"/>
@@ -1397,7 +1405,7 @@
           <a:p>
             <a:pPr lvl="0"/>
             <a:r>
-              <a:rPr lang="en-US" smtClean="0"/>
+              <a:rPr lang="en-US"/>
               <a:t>Click to edit Master text styles</a:t>
             </a:r>
           </a:p>
@@ -1430,7 +1438,7 @@
               <a:pPr>
                 <a:defRPr/>
               </a:pPr>
-              <a:t>10/20/2017</a:t>
+              <a:t>10/23/2017</a:t>
             </a:fld>
             <a:endParaRPr lang="en-US" dirty="0"/>
           </a:p>
@@ -1851,7 +1859,7 @@
           </a:lstStyle>
           <a:p>
             <a:r>
-              <a:rPr lang="en-US" smtClean="0"/>
+              <a:rPr lang="en-US"/>
               <a:t>Click to edit Master title style</a:t>
             </a:r>
             <a:endParaRPr lang="en-US" dirty="0"/>
@@ -1919,7 +1927,7 @@
           <a:p>
             <a:pPr lvl="0"/>
             <a:r>
-              <a:rPr lang="en-US" smtClean="0"/>
+              <a:rPr lang="en-US"/>
               <a:t>Click to edit Master text styles</a:t>
             </a:r>
           </a:p>
@@ -1986,7 +1994,7 @@
           <a:p>
             <a:pPr lvl="0"/>
             <a:r>
-              <a:rPr lang="en-US" smtClean="0"/>
+              <a:rPr lang="en-US"/>
               <a:t>Click to edit Master text styles</a:t>
             </a:r>
           </a:p>
@@ -2019,7 +2027,7 @@
               <a:pPr>
                 <a:defRPr/>
               </a:pPr>
-              <a:t>10/20/2017</a:t>
+              <a:t>10/23/2017</a:t>
             </a:fld>
             <a:endParaRPr lang="en-US" dirty="0"/>
           </a:p>
@@ -2200,7 +2208,7 @@
           </a:lstStyle>
           <a:p>
             <a:r>
-              <a:rPr lang="en-US" smtClean="0"/>
+              <a:rPr lang="en-US"/>
               <a:t>Click to edit Master title style</a:t>
             </a:r>
             <a:endParaRPr lang="en-US" dirty="0"/>
@@ -2266,7 +2274,7 @@
           <a:p>
             <a:pPr lvl="0"/>
             <a:r>
-              <a:rPr lang="en-US" smtClean="0"/>
+              <a:rPr lang="en-US"/>
               <a:t>Click to edit Master text styles</a:t>
             </a:r>
           </a:p>
@@ -2299,7 +2307,7 @@
               <a:pPr>
                 <a:defRPr/>
               </a:pPr>
-              <a:t>10/20/2017</a:t>
+              <a:t>10/23/2017</a:t>
             </a:fld>
             <a:endParaRPr lang="en-US" dirty="0"/>
           </a:p>
@@ -2474,7 +2482,7 @@
           <a:lstStyle/>
           <a:p>
             <a:r>
-              <a:rPr lang="en-US" smtClean="0"/>
+              <a:rPr lang="en-US"/>
               <a:t>Click to edit Master title style</a:t>
             </a:r>
             <a:endParaRPr lang="en-US" dirty="0"/>
@@ -2569,7 +2577,7 @@
           <a:p>
             <a:pPr lvl="0"/>
             <a:r>
-              <a:rPr lang="en-US" smtClean="0"/>
+              <a:rPr lang="en-US"/>
               <a:t>Click to edit Master text styles</a:t>
             </a:r>
           </a:p>
@@ -2636,7 +2644,7 @@
           <a:p>
             <a:pPr lvl="0"/>
             <a:r>
-              <a:rPr lang="en-US" smtClean="0"/>
+              <a:rPr lang="en-US"/>
               <a:t>Click to edit Master text styles</a:t>
             </a:r>
           </a:p>
@@ -2698,7 +2706,7 @@
           <a:p>
             <a:pPr lvl="0"/>
             <a:r>
-              <a:rPr lang="en-US" smtClean="0"/>
+              <a:rPr lang="en-US"/>
               <a:t>Click to edit Master text styles</a:t>
             </a:r>
           </a:p>
@@ -2765,7 +2773,7 @@
           <a:p>
             <a:pPr lvl="0"/>
             <a:r>
-              <a:rPr lang="en-US" smtClean="0"/>
+              <a:rPr lang="en-US"/>
               <a:t>Click to edit Master text styles</a:t>
             </a:r>
           </a:p>
@@ -2827,7 +2835,7 @@
           <a:p>
             <a:pPr lvl="0"/>
             <a:r>
-              <a:rPr lang="en-US" smtClean="0"/>
+              <a:rPr lang="en-US"/>
               <a:t>Click to edit Master text styles</a:t>
             </a:r>
           </a:p>
@@ -2894,7 +2902,7 @@
           <a:p>
             <a:pPr lvl="0"/>
             <a:r>
-              <a:rPr lang="en-US" smtClean="0"/>
+              <a:rPr lang="en-US"/>
               <a:t>Click to edit Master text styles</a:t>
             </a:r>
           </a:p>
@@ -2927,7 +2935,7 @@
               <a:pPr>
                 <a:defRPr/>
               </a:pPr>
-              <a:t>10/20/2017</a:t>
+              <a:t>10/23/2017</a:t>
             </a:fld>
             <a:endParaRPr lang="en-US" dirty="0"/>
           </a:p>
@@ -3102,7 +3110,7 @@
           <a:lstStyle/>
           <a:p>
             <a:r>
-              <a:rPr lang="en-US" smtClean="0"/>
+              <a:rPr lang="en-US"/>
               <a:t>Click to edit Master title style</a:t>
             </a:r>
             <a:endParaRPr lang="en-US" dirty="0"/>
@@ -3193,7 +3201,7 @@
           <a:p>
             <a:pPr lvl="0"/>
             <a:r>
-              <a:rPr lang="en-US" smtClean="0"/>
+              <a:rPr lang="en-US"/>
               <a:t>Click to edit Master text styles</a:t>
             </a:r>
           </a:p>
@@ -3272,7 +3280,7 @@
           <a:p>
             <a:pPr lvl="0"/>
             <a:r>
-              <a:rPr lang="en-US" noProof="0" smtClean="0"/>
+              <a:rPr lang="en-US" noProof="0"/>
               <a:t>Click icon to add picture</a:t>
             </a:r>
             <a:endParaRPr lang="en-US" noProof="0" dirty="0"/>
@@ -3340,7 +3348,7 @@
           <a:p>
             <a:pPr lvl="0"/>
             <a:r>
-              <a:rPr lang="en-US" smtClean="0"/>
+              <a:rPr lang="en-US"/>
               <a:t>Click to edit Master text styles</a:t>
             </a:r>
           </a:p>
@@ -3430,7 +3438,7 @@
           <a:p>
             <a:pPr lvl="0"/>
             <a:r>
-              <a:rPr lang="en-US" smtClean="0"/>
+              <a:rPr lang="en-US"/>
               <a:t>Click to edit Master text styles</a:t>
             </a:r>
           </a:p>
@@ -3509,7 +3517,7 @@
           <a:p>
             <a:pPr lvl="0"/>
             <a:r>
-              <a:rPr lang="en-US" noProof="0" smtClean="0"/>
+              <a:rPr lang="en-US" noProof="0"/>
               <a:t>Click icon to add picture</a:t>
             </a:r>
             <a:endParaRPr lang="en-US" noProof="0" dirty="0"/>
@@ -3577,7 +3585,7 @@
           <a:p>
             <a:pPr lvl="0"/>
             <a:r>
-              <a:rPr lang="en-US" smtClean="0"/>
+              <a:rPr lang="en-US"/>
               <a:t>Click to edit Master text styles</a:t>
             </a:r>
           </a:p>
@@ -3667,7 +3675,7 @@
           <a:p>
             <a:pPr lvl="0"/>
             <a:r>
-              <a:rPr lang="en-US" smtClean="0"/>
+              <a:rPr lang="en-US"/>
               <a:t>Click to edit Master text styles</a:t>
             </a:r>
           </a:p>
@@ -3746,7 +3754,7 @@
           <a:p>
             <a:pPr lvl="0"/>
             <a:r>
-              <a:rPr lang="en-US" noProof="0" smtClean="0"/>
+              <a:rPr lang="en-US" noProof="0"/>
               <a:t>Click icon to add picture</a:t>
             </a:r>
             <a:endParaRPr lang="en-US" noProof="0" dirty="0"/>
@@ -3814,7 +3822,7 @@
           <a:p>
             <a:pPr lvl="0"/>
             <a:r>
-              <a:rPr lang="en-US" smtClean="0"/>
+              <a:rPr lang="en-US"/>
               <a:t>Click to edit Master text styles</a:t>
             </a:r>
           </a:p>
@@ -3847,7 +3855,7 @@
               <a:pPr>
                 <a:defRPr/>
               </a:pPr>
-              <a:t>10/20/2017</a:t>
+              <a:t>10/23/2017</a:t>
             </a:fld>
             <a:endParaRPr lang="en-US" dirty="0"/>
           </a:p>
@@ -4017,7 +4025,7 @@
           <a:lstStyle/>
           <a:p>
             <a:r>
-              <a:rPr lang="en-US" smtClean="0"/>
+              <a:rPr lang="en-US"/>
               <a:t>Click to edit Master title style</a:t>
             </a:r>
             <a:endParaRPr lang="en-US" dirty="0"/>
@@ -4041,35 +4049,35 @@
           <a:p>
             <a:pPr lvl="0"/>
             <a:r>
-              <a:rPr lang="en-US" smtClean="0"/>
+              <a:rPr lang="en-US"/>
               <a:t>Click to edit Master text styles</a:t>
             </a:r>
           </a:p>
           <a:p>
             <a:pPr lvl="1"/>
             <a:r>
-              <a:rPr lang="en-US" smtClean="0"/>
+              <a:rPr lang="en-US"/>
               <a:t>Second level</a:t>
             </a:r>
           </a:p>
           <a:p>
             <a:pPr lvl="2"/>
             <a:r>
-              <a:rPr lang="en-US" smtClean="0"/>
+              <a:rPr lang="en-US"/>
               <a:t>Third level</a:t>
             </a:r>
           </a:p>
           <a:p>
             <a:pPr lvl="3"/>
             <a:r>
-              <a:rPr lang="en-US" smtClean="0"/>
+              <a:rPr lang="en-US"/>
               <a:t>Fourth level</a:t>
             </a:r>
           </a:p>
           <a:p>
             <a:pPr lvl="4"/>
             <a:r>
-              <a:rPr lang="en-US" smtClean="0"/>
+              <a:rPr lang="en-US"/>
               <a:t>Fifth level</a:t>
             </a:r>
             <a:endParaRPr lang="en-US" dirty="0"/>
@@ -4103,7 +4111,7 @@
               <a:pPr>
                 <a:defRPr/>
               </a:pPr>
-              <a:t>10/20/2017</a:t>
+              <a:t>10/23/2017</a:t>
             </a:fld>
             <a:endParaRPr lang="en-US" dirty="0"/>
           </a:p>
@@ -4278,7 +4286,7 @@
           <a:lstStyle/>
           <a:p>
             <a:r>
-              <a:rPr lang="en-US" smtClean="0"/>
+              <a:rPr lang="en-US"/>
               <a:t>Click to edit Master title style</a:t>
             </a:r>
             <a:endParaRPr lang="en-US" dirty="0"/>
@@ -4307,35 +4315,35 @@
           <a:p>
             <a:pPr lvl="0"/>
             <a:r>
-              <a:rPr lang="en-US" smtClean="0"/>
+              <a:rPr lang="en-US"/>
               <a:t>Click to edit Master text styles</a:t>
             </a:r>
           </a:p>
           <a:p>
             <a:pPr lvl="1"/>
             <a:r>
-              <a:rPr lang="en-US" smtClean="0"/>
+              <a:rPr lang="en-US"/>
               <a:t>Second level</a:t>
             </a:r>
           </a:p>
           <a:p>
             <a:pPr lvl="2"/>
             <a:r>
-              <a:rPr lang="en-US" smtClean="0"/>
+              <a:rPr lang="en-US"/>
               <a:t>Third level</a:t>
             </a:r>
           </a:p>
           <a:p>
             <a:pPr lvl="3"/>
             <a:r>
-              <a:rPr lang="en-US" smtClean="0"/>
+              <a:rPr lang="en-US"/>
               <a:t>Fourth level</a:t>
             </a:r>
           </a:p>
           <a:p>
             <a:pPr lvl="4"/>
             <a:r>
-              <a:rPr lang="en-US" smtClean="0"/>
+              <a:rPr lang="en-US"/>
               <a:t>Fifth level</a:t>
             </a:r>
             <a:endParaRPr lang="en-US" dirty="0"/>
@@ -4369,7 +4377,7 @@
               <a:pPr>
                 <a:defRPr/>
               </a:pPr>
-              <a:t>10/20/2017</a:t>
+              <a:t>10/23/2017</a:t>
             </a:fld>
             <a:endParaRPr lang="en-US" dirty="0"/>
           </a:p>
@@ -4539,10 +4547,9 @@
           </a:lstStyle>
           <a:p>
             <a:r>
-              <a:rPr lang="en-US" dirty="0" smtClean="0"/>
+              <a:rPr lang="en-US" dirty="0"/>
               <a:t>Click to edit Master title style</a:t>
             </a:r>
-            <a:endParaRPr lang="en-US" dirty="0"/>
           </a:p>
         </p:txBody>
       </p:sp>
@@ -4570,38 +4577,37 @@
           <a:p>
             <a:pPr lvl="0"/>
             <a:r>
-              <a:rPr lang="en-US" dirty="0" smtClean="0"/>
+              <a:rPr lang="en-US" dirty="0"/>
               <a:t>Click to edit Master text styles</a:t>
             </a:r>
           </a:p>
           <a:p>
             <a:pPr lvl="1"/>
             <a:r>
-              <a:rPr lang="en-US" dirty="0" smtClean="0"/>
+              <a:rPr lang="en-US" dirty="0"/>
               <a:t>Second level</a:t>
             </a:r>
           </a:p>
           <a:p>
             <a:pPr lvl="2"/>
             <a:r>
-              <a:rPr lang="en-US" dirty="0" smtClean="0"/>
+              <a:rPr lang="en-US" dirty="0"/>
               <a:t>Third level</a:t>
             </a:r>
           </a:p>
           <a:p>
             <a:pPr lvl="3"/>
             <a:r>
-              <a:rPr lang="en-US" dirty="0" smtClean="0"/>
+              <a:rPr lang="en-US" dirty="0"/>
               <a:t>Fourth level</a:t>
             </a:r>
           </a:p>
           <a:p>
             <a:pPr lvl="4"/>
             <a:r>
-              <a:rPr lang="en-US" dirty="0" smtClean="0"/>
+              <a:rPr lang="en-US" dirty="0"/>
               <a:t>Fifth level</a:t>
             </a:r>
-            <a:endParaRPr lang="en-US" dirty="0"/>
           </a:p>
         </p:txBody>
       </p:sp>
@@ -4632,7 +4638,7 @@
               <a:pPr>
                 <a:defRPr/>
               </a:pPr>
-              <a:t>10/20/2017</a:t>
+              <a:t>10/23/2017</a:t>
             </a:fld>
             <a:endParaRPr lang="en-US" dirty="0"/>
           </a:p>
@@ -4781,7 +4787,7 @@
           </a:lstStyle>
           <a:p>
             <a:r>
-              <a:rPr lang="en-US" smtClean="0"/>
+              <a:rPr lang="en-US"/>
               <a:t>Click to edit Master title style</a:t>
             </a:r>
             <a:endParaRPr lang="en-US" dirty="0"/>
@@ -4877,7 +4883,7 @@
           </a:lstStyle>
           <a:p>
             <a:r>
-              <a:rPr lang="en-US" smtClean="0"/>
+              <a:rPr lang="en-US"/>
               <a:t>Click to edit Master subtitle style</a:t>
             </a:r>
             <a:endParaRPr lang="en-US" dirty="0"/>
@@ -4911,7 +4917,7 @@
               <a:pPr>
                 <a:defRPr/>
               </a:pPr>
-              <a:t>10/20/2017</a:t>
+              <a:t>10/23/2017</a:t>
             </a:fld>
             <a:endParaRPr lang="en-US" dirty="0"/>
           </a:p>
@@ -5017,7 +5023,7 @@
           <a:lstStyle/>
           <a:p>
             <a:r>
-              <a:rPr lang="en-US" smtClean="0"/>
+              <a:rPr lang="en-US"/>
               <a:t>Click to edit Master title style</a:t>
             </a:r>
             <a:endParaRPr lang="en-US" dirty="0"/>
@@ -5046,35 +5052,35 @@
           <a:p>
             <a:pPr lvl="0"/>
             <a:r>
-              <a:rPr lang="en-US" smtClean="0"/>
+              <a:rPr lang="en-US"/>
               <a:t>Click to edit Master text styles</a:t>
             </a:r>
           </a:p>
           <a:p>
             <a:pPr lvl="1"/>
             <a:r>
-              <a:rPr lang="en-US" smtClean="0"/>
+              <a:rPr lang="en-US"/>
               <a:t>Second level</a:t>
             </a:r>
           </a:p>
           <a:p>
             <a:pPr lvl="2"/>
             <a:r>
-              <a:rPr lang="en-US" smtClean="0"/>
+              <a:rPr lang="en-US"/>
               <a:t>Third level</a:t>
             </a:r>
           </a:p>
           <a:p>
             <a:pPr lvl="3"/>
             <a:r>
-              <a:rPr lang="en-US" smtClean="0"/>
+              <a:rPr lang="en-US"/>
               <a:t>Fourth level</a:t>
             </a:r>
           </a:p>
           <a:p>
             <a:pPr lvl="4"/>
             <a:r>
-              <a:rPr lang="en-US" smtClean="0"/>
+              <a:rPr lang="en-US"/>
               <a:t>Fifth level</a:t>
             </a:r>
             <a:endParaRPr lang="en-US" dirty="0"/>
@@ -5103,35 +5109,35 @@
           <a:p>
             <a:pPr lvl="0"/>
             <a:r>
-              <a:rPr lang="en-US" smtClean="0"/>
+              <a:rPr lang="en-US"/>
               <a:t>Click to edit Master text styles</a:t>
             </a:r>
           </a:p>
           <a:p>
             <a:pPr lvl="1"/>
             <a:r>
-              <a:rPr lang="en-US" smtClean="0"/>
+              <a:rPr lang="en-US"/>
               <a:t>Second level</a:t>
             </a:r>
           </a:p>
           <a:p>
             <a:pPr lvl="2"/>
             <a:r>
-              <a:rPr lang="en-US" smtClean="0"/>
+              <a:rPr lang="en-US"/>
               <a:t>Third level</a:t>
             </a:r>
           </a:p>
           <a:p>
             <a:pPr lvl="3"/>
             <a:r>
-              <a:rPr lang="en-US" smtClean="0"/>
+              <a:rPr lang="en-US"/>
               <a:t>Fourth level</a:t>
             </a:r>
           </a:p>
           <a:p>
             <a:pPr lvl="4"/>
             <a:r>
-              <a:rPr lang="en-US" smtClean="0"/>
+              <a:rPr lang="en-US"/>
               <a:t>Fifth level</a:t>
             </a:r>
             <a:endParaRPr lang="en-US" dirty="0"/>
@@ -5165,7 +5171,7 @@
               <a:pPr>
                 <a:defRPr/>
               </a:pPr>
-              <a:t>10/20/2017</a:t>
+              <a:t>10/23/2017</a:t>
             </a:fld>
             <a:endParaRPr lang="en-US" dirty="0"/>
           </a:p>
@@ -5276,7 +5282,7 @@
           <a:lstStyle/>
           <a:p>
             <a:r>
-              <a:rPr lang="en-US" smtClean="0"/>
+              <a:rPr lang="en-US"/>
               <a:t>Click to edit Master title style</a:t>
             </a:r>
             <a:endParaRPr lang="en-US" dirty="0"/>
@@ -5371,7 +5377,7 @@
           <a:p>
             <a:pPr lvl="0"/>
             <a:r>
-              <a:rPr lang="en-US" smtClean="0"/>
+              <a:rPr lang="en-US"/>
               <a:t>Click to edit Master text styles</a:t>
             </a:r>
           </a:p>
@@ -5399,35 +5405,35 @@
           <a:p>
             <a:pPr lvl="0"/>
             <a:r>
-              <a:rPr lang="en-US" smtClean="0"/>
+              <a:rPr lang="en-US"/>
               <a:t>Click to edit Master text styles</a:t>
             </a:r>
           </a:p>
           <a:p>
             <a:pPr lvl="1"/>
             <a:r>
-              <a:rPr lang="en-US" smtClean="0"/>
+              <a:rPr lang="en-US"/>
               <a:t>Second level</a:t>
             </a:r>
           </a:p>
           <a:p>
             <a:pPr lvl="2"/>
             <a:r>
-              <a:rPr lang="en-US" smtClean="0"/>
+              <a:rPr lang="en-US"/>
               <a:t>Third level</a:t>
             </a:r>
           </a:p>
           <a:p>
             <a:pPr lvl="3"/>
             <a:r>
-              <a:rPr lang="en-US" smtClean="0"/>
+              <a:rPr lang="en-US"/>
               <a:t>Fourth level</a:t>
             </a:r>
           </a:p>
           <a:p>
             <a:pPr lvl="4"/>
             <a:r>
-              <a:rPr lang="en-US" smtClean="0"/>
+              <a:rPr lang="en-US"/>
               <a:t>Fifth level</a:t>
             </a:r>
             <a:endParaRPr lang="en-US" dirty="0"/>
@@ -5490,7 +5496,7 @@
           <a:p>
             <a:pPr lvl="0"/>
             <a:r>
-              <a:rPr lang="en-US" smtClean="0"/>
+              <a:rPr lang="en-US"/>
               <a:t>Click to edit Master text styles</a:t>
             </a:r>
           </a:p>
@@ -5518,35 +5524,35 @@
           <a:p>
             <a:pPr lvl="0"/>
             <a:r>
-              <a:rPr lang="en-US" smtClean="0"/>
+              <a:rPr lang="en-US"/>
               <a:t>Click to edit Master text styles</a:t>
             </a:r>
           </a:p>
           <a:p>
             <a:pPr lvl="1"/>
             <a:r>
-              <a:rPr lang="en-US" smtClean="0"/>
+              <a:rPr lang="en-US"/>
               <a:t>Second level</a:t>
             </a:r>
           </a:p>
           <a:p>
             <a:pPr lvl="2"/>
             <a:r>
-              <a:rPr lang="en-US" smtClean="0"/>
+              <a:rPr lang="en-US"/>
               <a:t>Third level</a:t>
             </a:r>
           </a:p>
           <a:p>
             <a:pPr lvl="3"/>
             <a:r>
-              <a:rPr lang="en-US" smtClean="0"/>
+              <a:rPr lang="en-US"/>
               <a:t>Fourth level</a:t>
             </a:r>
           </a:p>
           <a:p>
             <a:pPr lvl="4"/>
             <a:r>
-              <a:rPr lang="en-US" smtClean="0"/>
+              <a:rPr lang="en-US"/>
               <a:t>Fifth level</a:t>
             </a:r>
             <a:endParaRPr lang="en-US" dirty="0"/>
@@ -5580,7 +5586,7 @@
               <a:pPr>
                 <a:defRPr/>
               </a:pPr>
-              <a:t>10/20/2017</a:t>
+              <a:t>10/23/2017</a:t>
             </a:fld>
             <a:endParaRPr lang="en-US" dirty="0"/>
           </a:p>
@@ -5686,7 +5692,7 @@
           <a:lstStyle/>
           <a:p>
             <a:r>
-              <a:rPr lang="en-US" smtClean="0"/>
+              <a:rPr lang="en-US"/>
               <a:t>Click to edit Master title style</a:t>
             </a:r>
             <a:endParaRPr lang="en-US" dirty="0"/>
@@ -5720,7 +5726,7 @@
               <a:pPr>
                 <a:defRPr/>
               </a:pPr>
-              <a:t>10/20/2017</a:t>
+              <a:t>10/23/2017</a:t>
             </a:fld>
             <a:endParaRPr lang="en-US" dirty="0"/>
           </a:p>
@@ -5837,7 +5843,7 @@
               <a:pPr>
                 <a:defRPr/>
               </a:pPr>
-              <a:t>10/20/2017</a:t>
+              <a:t>10/23/2017</a:t>
             </a:fld>
             <a:endParaRPr lang="en-US" dirty="0"/>
           </a:p>
@@ -5952,7 +5958,7 @@
           </a:lstStyle>
           <a:p>
             <a:r>
-              <a:rPr lang="en-US" smtClean="0"/>
+              <a:rPr lang="en-US"/>
               <a:t>Click to edit Master title style</a:t>
             </a:r>
             <a:endParaRPr lang="en-US" dirty="0"/>
@@ -5981,35 +5987,35 @@
           <a:p>
             <a:pPr lvl="0"/>
             <a:r>
-              <a:rPr lang="en-US" smtClean="0"/>
+              <a:rPr lang="en-US"/>
               <a:t>Click to edit Master text styles</a:t>
             </a:r>
           </a:p>
           <a:p>
             <a:pPr lvl="1"/>
             <a:r>
-              <a:rPr lang="en-US" smtClean="0"/>
+              <a:rPr lang="en-US"/>
               <a:t>Second level</a:t>
             </a:r>
           </a:p>
           <a:p>
             <a:pPr lvl="2"/>
             <a:r>
-              <a:rPr lang="en-US" smtClean="0"/>
+              <a:rPr lang="en-US"/>
               <a:t>Third level</a:t>
             </a:r>
           </a:p>
           <a:p>
             <a:pPr lvl="3"/>
             <a:r>
-              <a:rPr lang="en-US" smtClean="0"/>
+              <a:rPr lang="en-US"/>
               <a:t>Fourth level</a:t>
             </a:r>
           </a:p>
           <a:p>
             <a:pPr lvl="4"/>
             <a:r>
-              <a:rPr lang="en-US" smtClean="0"/>
+              <a:rPr lang="en-US"/>
               <a:t>Fifth level</a:t>
             </a:r>
             <a:endParaRPr lang="en-US" dirty="0"/>
@@ -6101,7 +6107,7 @@
           <a:p>
             <a:pPr lvl="0"/>
             <a:r>
-              <a:rPr lang="en-US" smtClean="0"/>
+              <a:rPr lang="en-US"/>
               <a:t>Click to edit Master text styles</a:t>
             </a:r>
           </a:p>
@@ -6134,7 +6140,7 @@
               <a:pPr>
                 <a:defRPr/>
               </a:pPr>
-              <a:t>10/20/2017</a:t>
+              <a:t>10/23/2017</a:t>
             </a:fld>
             <a:endParaRPr lang="en-US" dirty="0"/>
           </a:p>
@@ -6249,7 +6255,7 @@
           </a:lstStyle>
           <a:p>
             <a:r>
-              <a:rPr lang="en-US" smtClean="0"/>
+              <a:rPr lang="en-US"/>
               <a:t>Click to edit Master title style</a:t>
             </a:r>
             <a:endParaRPr lang="en-US" dirty="0"/>
@@ -6317,7 +6323,7 @@
           <a:p>
             <a:pPr lvl="0"/>
             <a:r>
-              <a:rPr lang="en-US" noProof="0" smtClean="0"/>
+              <a:rPr lang="en-US" noProof="0"/>
               <a:t>Click icon to add picture</a:t>
             </a:r>
             <a:endParaRPr lang="en-US" noProof="0" dirty="0"/>
@@ -6409,7 +6415,7 @@
           <a:p>
             <a:pPr lvl="0"/>
             <a:r>
-              <a:rPr lang="en-US" smtClean="0"/>
+              <a:rPr lang="en-US"/>
               <a:t>Click to edit Master text styles</a:t>
             </a:r>
           </a:p>
@@ -6442,7 +6448,7 @@
               <a:pPr>
                 <a:defRPr/>
               </a:pPr>
-              <a:t>10/20/2017</a:t>
+              <a:t>10/23/2017</a:t>
             </a:fld>
             <a:endParaRPr lang="en-US" dirty="0"/>
           </a:p>
@@ -6592,7 +6598,7 @@
           <a:p>
             <a:pPr lvl="0"/>
             <a:r>
-              <a:rPr lang="en-US" altLang="en-US" smtClean="0"/>
+              <a:rPr lang="en-US" altLang="en-US"/>
               <a:t>Click to edit Master title style</a:t>
             </a:r>
           </a:p>
@@ -6650,35 +6656,35 @@
           <a:p>
             <a:pPr lvl="0"/>
             <a:r>
-              <a:rPr lang="en-US" altLang="en-US" smtClean="0"/>
+              <a:rPr lang="en-US" altLang="en-US"/>
               <a:t>Click to edit Master text styles</a:t>
             </a:r>
           </a:p>
           <a:p>
             <a:pPr lvl="1"/>
             <a:r>
-              <a:rPr lang="en-US" altLang="en-US" smtClean="0"/>
+              <a:rPr lang="en-US" altLang="en-US"/>
               <a:t>Second level</a:t>
             </a:r>
           </a:p>
           <a:p>
             <a:pPr lvl="2"/>
             <a:r>
-              <a:rPr lang="en-US" altLang="en-US" smtClean="0"/>
+              <a:rPr lang="en-US" altLang="en-US"/>
               <a:t>Third level</a:t>
             </a:r>
           </a:p>
           <a:p>
             <a:pPr lvl="3"/>
             <a:r>
-              <a:rPr lang="en-US" altLang="en-US" smtClean="0"/>
+              <a:rPr lang="en-US" altLang="en-US"/>
               <a:t>Fourth level</a:t>
             </a:r>
           </a:p>
           <a:p>
             <a:pPr lvl="4"/>
             <a:r>
-              <a:rPr lang="en-US" altLang="en-US" smtClean="0"/>
+              <a:rPr lang="en-US" altLang="en-US"/>
               <a:t>Fifth level</a:t>
             </a:r>
           </a:p>
@@ -6751,7 +6757,7 @@
               <a:pPr>
                 <a:defRPr/>
               </a:pPr>
-              <a:t>10/20/2017</a:t>
+              <a:t>10/23/2017</a:t>
             </a:fld>
             <a:endParaRPr lang="en-US" dirty="0"/>
           </a:p>
@@ -7917,34 +7923,13 @@
               <a:buNone/>
             </a:pPr>
             <a:r>
-              <a:rPr lang="en-US" altLang="en-US" dirty="0" smtClean="0">
+              <a:rPr lang="en-US" altLang="en-US" dirty="0">
                 <a:solidFill>
                   <a:srgbClr val="FFC000"/>
                 </a:solidFill>
               </a:rPr>
-              <a:t>Custom </a:t>
-            </a:r>
-            <a:r>
-              <a:rPr lang="en-US" altLang="en-US" dirty="0" smtClean="0">
-                <a:solidFill>
-                  <a:srgbClr val="FFC000"/>
-                </a:solidFill>
-              </a:rPr>
-              <a:t>input control </a:t>
-            </a:r>
-            <a:r>
-              <a:rPr lang="en-US" altLang="en-US" dirty="0" smtClean="0">
-                <a:solidFill>
-                  <a:srgbClr val="FFC000"/>
-                </a:solidFill>
-              </a:rPr>
-              <a:t>MPs</a:t>
-            </a:r>
-            <a:endParaRPr lang="en-US" altLang="en-US" dirty="0">
-              <a:solidFill>
-                <a:srgbClr val="FFC000"/>
-              </a:solidFill>
-            </a:endParaRPr>
+              <a:t>Custom input control MPs</a:t>
+            </a:r>
           </a:p>
         </p:txBody>
       </p:sp>
@@ -8162,15 +8147,15 @@
                   <a:srgbClr val="FFC000"/>
                 </a:solidFill>
               </a:rPr>
-              <a:t>Lecture </a:t>
-            </a:r>
-            <a:r>
-              <a:rPr lang="en-US" altLang="en-US" sz="1800" dirty="0" smtClean="0">
+              <a:t>Lecture 4c,  Nov 22</a:t>
+            </a:r>
+            <a:r>
+              <a:rPr lang="en-US" altLang="en-US" sz="1800" baseline="30000" dirty="0">
                 <a:solidFill>
                   <a:srgbClr val="FFC000"/>
                 </a:solidFill>
               </a:rPr>
-              <a:t>4c,  </a:t>
+              <a:t>nd</a:t>
             </a:r>
             <a:r>
               <a:rPr lang="en-US" altLang="en-US" sz="1800" dirty="0">
@@ -8178,39 +8163,7 @@
                   <a:srgbClr val="FFC000"/>
                 </a:solidFill>
               </a:rPr>
-              <a:t>Nov </a:t>
-            </a:r>
-            <a:r>
-              <a:rPr lang="en-US" altLang="en-US" sz="1800" dirty="0" smtClean="0">
-                <a:solidFill>
-                  <a:srgbClr val="FFC000"/>
-                </a:solidFill>
-              </a:rPr>
-              <a:t>22</a:t>
-            </a:r>
-            <a:r>
-              <a:rPr lang="en-US" altLang="en-US" sz="1800" baseline="30000" dirty="0" smtClean="0">
-                <a:solidFill>
-                  <a:srgbClr val="FFC000"/>
-                </a:solidFill>
-              </a:rPr>
-              <a:t>nd</a:t>
-            </a:r>
-            <a:r>
-              <a:rPr lang="en-US" altLang="en-US" sz="1800" dirty="0" smtClean="0">
-                <a:solidFill>
-                  <a:srgbClr val="FFC000"/>
-                </a:solidFill>
-              </a:rPr>
-              <a:t> </a:t>
-            </a:r>
-            <a:r>
-              <a:rPr lang="en-US" altLang="en-US" sz="1800" dirty="0">
-                <a:solidFill>
-                  <a:srgbClr val="FFC000"/>
-                </a:solidFill>
-              </a:rPr>
-              <a:t>2017</a:t>
+              <a:t> 2017</a:t>
             </a:r>
           </a:p>
         </p:txBody>
@@ -8471,7 +8424,7 @@
           <p:cNvPr id="4" name="Picture 3">
             <a:extLst>
               <a:ext uri="{FF2B5EF4-FFF2-40B4-BE49-F238E27FC236}">
-                <a16:creationId xmlns="" xmlns:a16="http://schemas.microsoft.com/office/drawing/2014/main" id="{C65DC03F-AEEF-4777-8132-3DBBB17CD723}"/>
+                <a16:creationId xmlns:a16="http://schemas.microsoft.com/office/drawing/2014/main" id="{C65DC03F-AEEF-4777-8132-3DBBB17CD723}"/>
               </a:ext>
             </a:extLst>
           </p:cNvPr>
@@ -8506,13 +8459,6 @@
   <p:clrMapOvr>
     <a:masterClrMapping/>
   </p:clrMapOvr>
-  <p:timing>
-    <p:tnLst>
-      <p:par>
-        <p:cTn id="1" dur="indefinite" restart="never" nodeType="tmRoot"/>
-      </p:par>
-    </p:tnLst>
-  </p:timing>
 </p:sld>
 </file>
 
@@ -8554,10 +8500,9 @@
           <a:lstStyle/>
           <a:p>
             <a:r>
-              <a:rPr lang="en-CA" dirty="0" smtClean="0"/>
+              <a:rPr lang="en-CA" dirty="0"/>
               <a:t>An effort control MP using mean length data</a:t>
             </a:r>
-            <a:endParaRPr lang="en-CA" dirty="0"/>
           </a:p>
         </p:txBody>
       </p:sp>
@@ -8585,7 +8530,7 @@
               <a:buNone/>
             </a:pPr>
             <a:r>
-              <a:rPr lang="en-CA" dirty="0" err="1" smtClean="0">
+              <a:rPr lang="en-CA" dirty="0" err="1">
                 <a:solidFill>
                   <a:srgbClr val="00B050"/>
                 </a:solidFill>
@@ -8593,7 +8538,7 @@
               <a:t>MLTarg</a:t>
             </a:r>
             <a:r>
-              <a:rPr lang="en-CA" dirty="0" smtClean="0">
+              <a:rPr lang="en-CA" dirty="0">
                 <a:solidFill>
                   <a:srgbClr val="00B050"/>
                 </a:solidFill>
@@ -8611,15 +8556,15 @@
                   <a:srgbClr val="00B050"/>
                 </a:solidFill>
               </a:rPr>
-              <a:t> </a:t>
-            </a:r>
-            <a:r>
-              <a:rPr lang="en-CA" dirty="0" smtClean="0">
-                <a:solidFill>
-                  <a:srgbClr val="00B050"/>
-                </a:solidFill>
-              </a:rPr>
-              <a:t>    </a:t>
+              <a:t>     rec = new(‘</a:t>
+            </a:r>
+            <a:r>
+              <a:rPr lang="en-CA" dirty="0" err="1">
+                <a:solidFill>
+                  <a:srgbClr val="00B050"/>
+                </a:solidFill>
+              </a:rPr>
+              <a:t>InputRec</a:t>
             </a:r>
             <a:r>
               <a:rPr lang="en-CA" dirty="0">
@@ -8627,7 +8572,20 @@
                   <a:srgbClr val="00B050"/>
                 </a:solidFill>
               </a:rPr>
-              <a:t>rec = new(‘</a:t>
+              <a:t>’)</a:t>
+            </a:r>
+          </a:p>
+          <a:p>
+            <a:pPr marL="0" indent="0">
+              <a:buNone/>
+            </a:pPr>
+            <a:r>
+              <a:rPr lang="en-CA" dirty="0">
+                <a:solidFill>
+                  <a:srgbClr val="00B050"/>
+                </a:solidFill>
+              </a:rPr>
+              <a:t>     </a:t>
             </a:r>
             <a:r>
               <a:rPr lang="en-CA" dirty="0" err="1">
@@ -8635,7 +8593,7 @@
                   <a:srgbClr val="00B050"/>
                 </a:solidFill>
               </a:rPr>
-              <a:t>InputRec</a:t>
+              <a:t>currentYR</a:t>
             </a:r>
             <a:r>
               <a:rPr lang="en-CA" dirty="0">
@@ -8643,7 +8601,23 @@
                   <a:srgbClr val="00B050"/>
                 </a:solidFill>
               </a:rPr>
-              <a:t>’)</a:t>
+              <a:t> = length(</a:t>
+            </a:r>
+            <a:r>
+              <a:rPr lang="en-CA" dirty="0" err="1">
+                <a:solidFill>
+                  <a:srgbClr val="00B050"/>
+                </a:solidFill>
+              </a:rPr>
+              <a:t>Data@Year</a:t>
+            </a:r>
+            <a:r>
+              <a:rPr lang="en-CA" dirty="0">
+                <a:solidFill>
+                  <a:srgbClr val="00B050"/>
+                </a:solidFill>
+              </a:rPr>
+              <a:t>)</a:t>
             </a:r>
           </a:p>
           <a:p>
@@ -8651,7 +8625,7 @@
               <a:buNone/>
             </a:pPr>
             <a:r>
-              <a:rPr lang="en-CA" dirty="0" smtClean="0">
+              <a:rPr lang="en-CA" dirty="0">
                 <a:solidFill>
                   <a:srgbClr val="00B050"/>
                 </a:solidFill>
@@ -8659,7 +8633,39 @@
               <a:t>     </a:t>
             </a:r>
             <a:r>
-              <a:rPr lang="en-CA" dirty="0" err="1" smtClean="0">
+              <a:rPr lang="en-CA" dirty="0" err="1">
+                <a:solidFill>
+                  <a:srgbClr val="00B050"/>
+                </a:solidFill>
+              </a:rPr>
+              <a:t>rec@Effort</a:t>
+            </a:r>
+            <a:r>
+              <a:rPr lang="en-CA" dirty="0">
+                <a:solidFill>
+                  <a:srgbClr val="00B050"/>
+                </a:solidFill>
+              </a:rPr>
+              <a:t> = </a:t>
+            </a:r>
+            <a:r>
+              <a:rPr lang="en-CA" dirty="0" err="1">
+                <a:solidFill>
+                  <a:srgbClr val="00B050"/>
+                </a:solidFill>
+              </a:rPr>
+              <a:t>Data@ML</a:t>
+            </a:r>
+            <a:r>
+              <a:rPr lang="en-CA" dirty="0">
+                <a:solidFill>
+                  <a:srgbClr val="00B050"/>
+                </a:solidFill>
+              </a:rPr>
+              <a:t>[x, </a:t>
+            </a:r>
+            <a:r>
+              <a:rPr lang="en-CA" dirty="0" err="1">
                 <a:solidFill>
                   <a:srgbClr val="00B050"/>
                 </a:solidFill>
@@ -8667,36 +8673,12 @@
               <a:t>currentYR</a:t>
             </a:r>
             <a:r>
-              <a:rPr lang="en-CA" dirty="0" smtClean="0">
-                <a:solidFill>
-                  <a:srgbClr val="00B050"/>
-                </a:solidFill>
-              </a:rPr>
-              <a:t> </a:t>
-            </a:r>
-            <a:r>
-              <a:rPr lang="en-CA" dirty="0" smtClean="0">
-                <a:solidFill>
-                  <a:srgbClr val="00B050"/>
-                </a:solidFill>
-              </a:rPr>
-              <a:t>= length(</a:t>
-            </a:r>
-            <a:r>
-              <a:rPr lang="en-CA" dirty="0" err="1" smtClean="0">
-                <a:solidFill>
-                  <a:srgbClr val="00B050"/>
-                </a:solidFill>
-              </a:rPr>
-              <a:t>Data@Year</a:t>
-            </a:r>
-            <a:r>
-              <a:rPr lang="en-CA" dirty="0" smtClean="0">
-                <a:solidFill>
-                  <a:srgbClr val="00B050"/>
-                </a:solidFill>
-              </a:rPr>
-              <a:t>)</a:t>
+              <a:rPr lang="en-CA" dirty="0">
+                <a:solidFill>
+                  <a:srgbClr val="00B050"/>
+                </a:solidFill>
+              </a:rPr>
+              <a:t>] / Data@L50[x]</a:t>
             </a:r>
           </a:p>
           <a:p>
@@ -8709,71 +8691,7 @@
                   <a:srgbClr val="00B050"/>
                 </a:solidFill>
               </a:rPr>
-              <a:t> </a:t>
-            </a:r>
-            <a:r>
-              <a:rPr lang="en-CA" dirty="0" smtClean="0">
-                <a:solidFill>
-                  <a:srgbClr val="00B050"/>
-                </a:solidFill>
-              </a:rPr>
-              <a:t>    </a:t>
-            </a:r>
-            <a:r>
-              <a:rPr lang="en-CA" dirty="0" err="1" smtClean="0">
-                <a:solidFill>
-                  <a:srgbClr val="00B050"/>
-                </a:solidFill>
-              </a:rPr>
-              <a:t>rec@Effort</a:t>
-            </a:r>
-            <a:r>
-              <a:rPr lang="en-CA" dirty="0" smtClean="0">
-                <a:solidFill>
-                  <a:srgbClr val="00B050"/>
-                </a:solidFill>
-              </a:rPr>
-              <a:t> = </a:t>
-            </a:r>
-            <a:r>
-              <a:rPr lang="en-CA" dirty="0" err="1" smtClean="0">
-                <a:solidFill>
-                  <a:srgbClr val="00B050"/>
-                </a:solidFill>
-              </a:rPr>
-              <a:t>Data@ML</a:t>
-            </a:r>
-            <a:r>
-              <a:rPr lang="en-CA" dirty="0" smtClean="0">
-                <a:solidFill>
-                  <a:srgbClr val="00B050"/>
-                </a:solidFill>
-              </a:rPr>
-              <a:t>[x</a:t>
-            </a:r>
-            <a:r>
-              <a:rPr lang="en-CA" dirty="0" smtClean="0">
-                <a:solidFill>
-                  <a:srgbClr val="00B050"/>
-                </a:solidFill>
-              </a:rPr>
-              <a:t>, </a:t>
-            </a:r>
-            <a:r>
-              <a:rPr lang="en-CA" dirty="0" err="1" smtClean="0">
-                <a:solidFill>
-                  <a:srgbClr val="00B050"/>
-                </a:solidFill>
-              </a:rPr>
-              <a:t>currentYR</a:t>
-            </a:r>
-            <a:r>
-              <a:rPr lang="en-CA" dirty="0" smtClean="0">
-                <a:solidFill>
-                  <a:srgbClr val="00B050"/>
-                </a:solidFill>
-              </a:rPr>
-              <a:t>] / Data@L50[x]</a:t>
+              <a:t>     rec</a:t>
             </a:r>
           </a:p>
           <a:p>
@@ -8781,44 +8699,13 @@
               <a:buNone/>
             </a:pPr>
             <a:r>
-              <a:rPr lang="en-CA" dirty="0" smtClean="0">
-                <a:solidFill>
-                  <a:srgbClr val="00B050"/>
-                </a:solidFill>
-              </a:rPr>
-              <a:t>     </a:t>
-            </a:r>
-            <a:r>
-              <a:rPr lang="en-CA" dirty="0" smtClean="0">
-                <a:solidFill>
-                  <a:srgbClr val="00B050"/>
-                </a:solidFill>
-              </a:rPr>
-              <a:t>rec</a:t>
-            </a:r>
-            <a:endParaRPr lang="en-CA" dirty="0" smtClean="0">
-              <a:solidFill>
-                <a:srgbClr val="00B050"/>
-              </a:solidFill>
-            </a:endParaRPr>
-          </a:p>
-          <a:p>
-            <a:pPr marL="0" indent="0">
-              <a:buNone/>
-            </a:pPr>
-            <a:r>
-              <a:rPr lang="en-CA" dirty="0" smtClean="0">
+              <a:rPr lang="en-CA" dirty="0">
                 <a:solidFill>
                   <a:srgbClr val="00B050"/>
                 </a:solidFill>
               </a:rPr>
               <a:t>}</a:t>
             </a:r>
-            <a:endParaRPr lang="en-CA" dirty="0">
-              <a:solidFill>
-                <a:srgbClr val="00B050"/>
-              </a:solidFill>
-            </a:endParaRPr>
           </a:p>
         </p:txBody>
       </p:sp>
@@ -8845,18 +8732,13 @@
           <a:lstStyle/>
           <a:p>
             <a:r>
-              <a:rPr lang="en-CA" sz="2200" dirty="0" smtClean="0">
+              <a:rPr lang="en-CA" sz="2200" dirty="0">
                 <a:solidFill>
                   <a:srgbClr val="126D96"/>
                 </a:solidFill>
               </a:rPr>
               <a:t>No spatial reallocation </a:t>
             </a:r>
-            <a:endParaRPr lang="en-CA" sz="2200" dirty="0">
-              <a:solidFill>
-                <a:srgbClr val="126D96"/>
-              </a:solidFill>
-            </a:endParaRPr>
           </a:p>
         </p:txBody>
       </p:sp>
@@ -8883,18 +8765,13 @@
           <a:lstStyle/>
           <a:p>
             <a:r>
-              <a:rPr lang="en-CA" sz="2400" dirty="0" smtClean="0">
+              <a:rPr lang="en-CA" sz="2400" dirty="0">
                 <a:solidFill>
                   <a:srgbClr val="126D96"/>
                 </a:solidFill>
               </a:rPr>
               <a:t>Effort is current Effort multiplied by the ratio of mean length in the catch (ML) to length at 50% maturity (L50)</a:t>
             </a:r>
-            <a:endParaRPr lang="en-CA" sz="2400" dirty="0">
-              <a:solidFill>
-                <a:srgbClr val="126D96"/>
-              </a:solidFill>
-            </a:endParaRPr>
           </a:p>
         </p:txBody>
       </p:sp>
@@ -8921,18 +8798,13 @@
           <a:lstStyle/>
           <a:p>
             <a:r>
-              <a:rPr lang="en-CA" sz="2200" dirty="0" smtClean="0">
+              <a:rPr lang="en-CA" sz="2200" dirty="0">
                 <a:solidFill>
                   <a:srgbClr val="126D96"/>
                 </a:solidFill>
               </a:rPr>
               <a:t>No spatial closure</a:t>
             </a:r>
-            <a:endParaRPr lang="en-CA" sz="2200" dirty="0">
-              <a:solidFill>
-                <a:srgbClr val="126D96"/>
-              </a:solidFill>
-            </a:endParaRPr>
           </a:p>
         </p:txBody>
       </p:sp>
@@ -8959,18 +8831,13 @@
           <a:lstStyle/>
           <a:p>
             <a:r>
-              <a:rPr lang="en-CA" sz="2200" dirty="0" smtClean="0">
+              <a:rPr lang="en-CA" sz="2200" dirty="0">
                 <a:solidFill>
                   <a:srgbClr val="126D96"/>
                 </a:solidFill>
               </a:rPr>
               <a:t>Size limit is not specified</a:t>
             </a:r>
-            <a:endParaRPr lang="en-CA" sz="2200" dirty="0">
-              <a:solidFill>
-                <a:srgbClr val="126D96"/>
-              </a:solidFill>
-            </a:endParaRPr>
           </a:p>
         </p:txBody>
       </p:sp>
@@ -9310,10 +9177,9 @@
           <a:lstStyle/>
           <a:p>
             <a:r>
-              <a:rPr lang="en-CA" dirty="0" smtClean="0"/>
+              <a:rPr lang="en-CA" dirty="0"/>
               <a:t>A fixed spatial control MP</a:t>
             </a:r>
-            <a:endParaRPr lang="en-CA" dirty="0"/>
           </a:p>
         </p:txBody>
       </p:sp>
@@ -9341,7 +9207,7 @@
               <a:buNone/>
             </a:pPr>
             <a:r>
-              <a:rPr lang="en-CA" dirty="0" smtClean="0">
+              <a:rPr lang="en-CA" dirty="0">
                 <a:solidFill>
                   <a:srgbClr val="00B050"/>
                 </a:solidFill>
@@ -9354,20 +9220,12 @@
               <a:buNone/>
             </a:pPr>
             <a:r>
-              <a:rPr lang="en-CA" dirty="0" smtClean="0">
-                <a:solidFill>
-                  <a:srgbClr val="00B050"/>
-                </a:solidFill>
-              </a:rPr>
-              <a:t>    rec </a:t>
-            </a:r>
-            <a:r>
               <a:rPr lang="en-CA" dirty="0">
                 <a:solidFill>
                   <a:srgbClr val="00B050"/>
                 </a:solidFill>
               </a:rPr>
-              <a:t>= new(‘</a:t>
+              <a:t>    rec = new(‘</a:t>
             </a:r>
             <a:r>
               <a:rPr lang="en-CA" dirty="0" err="1">
@@ -9391,7 +9249,7 @@
               <a:buNone/>
             </a:pPr>
             <a:r>
-              <a:rPr lang="en-CA" dirty="0" smtClean="0">
+              <a:rPr lang="en-CA" dirty="0">
                 <a:solidFill>
                   <a:srgbClr val="00B050"/>
                 </a:solidFill>
@@ -9399,7 +9257,7 @@
               <a:t>    </a:t>
             </a:r>
             <a:r>
-              <a:rPr lang="en-CA" dirty="0" err="1" smtClean="0">
+              <a:rPr lang="en-CA" dirty="0" err="1">
                 <a:solidFill>
                   <a:srgbClr val="00B050"/>
                 </a:solidFill>
@@ -9407,7 +9265,7 @@
               <a:t>rec@Spatial</a:t>
             </a:r>
             <a:r>
-              <a:rPr lang="en-CA" dirty="0" smtClean="0">
+              <a:rPr lang="en-CA" dirty="0">
                 <a:solidFill>
                   <a:srgbClr val="00B050"/>
                 </a:solidFill>
@@ -9420,36 +9278,26 @@
               <a:buNone/>
             </a:pPr>
             <a:r>
-              <a:rPr lang="en-CA" dirty="0" smtClean="0">
+              <a:rPr lang="en-CA" dirty="0">
                 <a:solidFill>
                   <a:srgbClr val="00B050"/>
                 </a:solidFill>
               </a:rPr>
               <a:t>    rec</a:t>
             </a:r>
-            <a:endParaRPr lang="en-CA" dirty="0" smtClean="0">
-              <a:solidFill>
-                <a:srgbClr val="00B050"/>
-              </a:solidFill>
-            </a:endParaRPr>
           </a:p>
           <a:p>
             <a:pPr marL="0" indent="0">
               <a:buNone/>
             </a:pPr>
             <a:r>
-              <a:rPr lang="en-CA" dirty="0" smtClean="0">
+              <a:rPr lang="en-CA" dirty="0">
                 <a:solidFill>
                   <a:srgbClr val="00B050"/>
                 </a:solidFill>
               </a:rPr>
               <a:t>}</a:t>
             </a:r>
-            <a:endParaRPr lang="en-CA" dirty="0">
-              <a:solidFill>
-                <a:srgbClr val="00B050"/>
-              </a:solidFill>
-            </a:endParaRPr>
           </a:p>
         </p:txBody>
       </p:sp>
@@ -9476,18 +9324,13 @@
           <a:lstStyle/>
           <a:p>
             <a:r>
-              <a:rPr lang="en-CA" sz="2200" dirty="0" smtClean="0">
+              <a:rPr lang="en-CA" sz="2200" dirty="0">
                 <a:solidFill>
                   <a:srgbClr val="126D96"/>
                 </a:solidFill>
               </a:rPr>
               <a:t>No spatial reallocation </a:t>
             </a:r>
-            <a:endParaRPr lang="en-CA" sz="2200" dirty="0">
-              <a:solidFill>
-                <a:srgbClr val="126D96"/>
-              </a:solidFill>
-            </a:endParaRPr>
           </a:p>
         </p:txBody>
       </p:sp>
@@ -9514,18 +9357,13 @@
           <a:lstStyle/>
           <a:p>
             <a:r>
-              <a:rPr lang="en-CA" sz="2400" dirty="0" smtClean="0">
+              <a:rPr lang="en-CA" sz="2400" dirty="0">
                 <a:solidFill>
                   <a:srgbClr val="126D96"/>
                 </a:solidFill>
               </a:rPr>
               <a:t>Effort is current effort</a:t>
             </a:r>
-            <a:endParaRPr lang="en-CA" sz="2400" dirty="0">
-              <a:solidFill>
-                <a:srgbClr val="126D96"/>
-              </a:solidFill>
-            </a:endParaRPr>
           </a:p>
         </p:txBody>
       </p:sp>
@@ -9552,18 +9390,13 @@
           <a:lstStyle/>
           <a:p>
             <a:r>
-              <a:rPr lang="en-CA" sz="2200" dirty="0" smtClean="0">
+              <a:rPr lang="en-CA" sz="2200" dirty="0">
                 <a:solidFill>
                   <a:srgbClr val="126D96"/>
                 </a:solidFill>
               </a:rPr>
               <a:t>Area 1 is shut</a:t>
             </a:r>
-            <a:endParaRPr lang="en-CA" sz="2200" dirty="0">
-              <a:solidFill>
-                <a:srgbClr val="126D96"/>
-              </a:solidFill>
-            </a:endParaRPr>
           </a:p>
         </p:txBody>
       </p:sp>
@@ -9590,18 +9423,13 @@
           <a:lstStyle/>
           <a:p>
             <a:r>
-              <a:rPr lang="en-CA" sz="2200" dirty="0" smtClean="0">
+              <a:rPr lang="en-CA" sz="2200" dirty="0">
                 <a:solidFill>
                   <a:srgbClr val="126D96"/>
                 </a:solidFill>
               </a:rPr>
               <a:t>Size limit is not specified</a:t>
             </a:r>
-            <a:endParaRPr lang="en-CA" sz="2200" dirty="0">
-              <a:solidFill>
-                <a:srgbClr val="126D96"/>
-              </a:solidFill>
-            </a:endParaRPr>
           </a:p>
         </p:txBody>
       </p:sp>
@@ -9941,10 +9769,9 @@
           <a:lstStyle/>
           <a:p>
             <a:r>
-              <a:rPr lang="en-CA" dirty="0" smtClean="0"/>
+              <a:rPr lang="en-CA" dirty="0"/>
               <a:t>A fixed size limit</a:t>
             </a:r>
-            <a:endParaRPr lang="en-CA" dirty="0"/>
           </a:p>
         </p:txBody>
       </p:sp>
@@ -9972,7 +9799,7 @@
               <a:buNone/>
             </a:pPr>
             <a:r>
-              <a:rPr lang="en-CA" dirty="0" smtClean="0">
+              <a:rPr lang="en-CA" dirty="0">
                 <a:solidFill>
                   <a:srgbClr val="00B050"/>
                 </a:solidFill>
@@ -9990,15 +9817,15 @@
                   <a:srgbClr val="00B050"/>
                 </a:solidFill>
               </a:rPr>
-              <a:t> </a:t>
-            </a:r>
-            <a:r>
-              <a:rPr lang="en-CA" dirty="0" smtClean="0">
-                <a:solidFill>
-                  <a:srgbClr val="00B050"/>
-                </a:solidFill>
-              </a:rPr>
-              <a:t>     </a:t>
+              <a:t>      rec = new(‘</a:t>
+            </a:r>
+            <a:r>
+              <a:rPr lang="en-CA" dirty="0" err="1">
+                <a:solidFill>
+                  <a:srgbClr val="00B050"/>
+                </a:solidFill>
+              </a:rPr>
+              <a:t>InputRec</a:t>
             </a:r>
             <a:r>
               <a:rPr lang="en-CA" dirty="0">
@@ -10006,7 +9833,33 @@
                   <a:srgbClr val="00B050"/>
                 </a:solidFill>
               </a:rPr>
-              <a:t>rec = new(‘</a:t>
+              <a:t>’)</a:t>
+            </a:r>
+          </a:p>
+          <a:p>
+            <a:pPr marL="0" indent="0">
+              <a:buNone/>
+            </a:pPr>
+            <a:r>
+              <a:rPr lang="en-CA" dirty="0">
+                <a:solidFill>
+                  <a:srgbClr val="00B050"/>
+                </a:solidFill>
+              </a:rPr>
+              <a:t>      rec@LR5 = 90</a:t>
+            </a:r>
+          </a:p>
+          <a:p>
+            <a:pPr marL="0" indent="0">
+              <a:buNone/>
+            </a:pPr>
+            <a:r>
+              <a:rPr lang="en-CA" dirty="0">
+                <a:solidFill>
+                  <a:srgbClr val="00B050"/>
+                </a:solidFill>
+              </a:rPr>
+              <a:t>      </a:t>
             </a:r>
             <a:r>
               <a:rPr lang="en-CA" dirty="0" err="1">
@@ -10014,7 +9867,7 @@
                   <a:srgbClr val="00B050"/>
                 </a:solidFill>
               </a:rPr>
-              <a:t>InputRec</a:t>
+              <a:t>rec@LFS</a:t>
             </a:r>
             <a:r>
               <a:rPr lang="en-CA" dirty="0">
@@ -10022,7 +9875,7 @@
                   <a:srgbClr val="00B050"/>
                 </a:solidFill>
               </a:rPr>
-              <a:t>’)</a:t>
+              <a:t> = 100</a:t>
             </a:r>
           </a:p>
           <a:p>
@@ -10035,15 +9888,7 @@
                   <a:srgbClr val="00B050"/>
                 </a:solidFill>
               </a:rPr>
-              <a:t> </a:t>
-            </a:r>
-            <a:r>
-              <a:rPr lang="en-CA" dirty="0" smtClean="0">
-                <a:solidFill>
-                  <a:srgbClr val="00B050"/>
-                </a:solidFill>
-              </a:rPr>
-              <a:t>     rec@LR5 = 90</a:t>
+              <a:t>      rec</a:t>
             </a:r>
           </a:p>
           <a:p>
@@ -10056,68 +9901,8 @@
                   <a:srgbClr val="00B050"/>
                 </a:solidFill>
               </a:rPr>
-              <a:t> </a:t>
-            </a:r>
-            <a:r>
-              <a:rPr lang="en-CA" dirty="0" smtClean="0">
-                <a:solidFill>
-                  <a:srgbClr val="00B050"/>
-                </a:solidFill>
-              </a:rPr>
-              <a:t>     </a:t>
-            </a:r>
-            <a:r>
-              <a:rPr lang="en-CA" dirty="0" err="1" smtClean="0">
-                <a:solidFill>
-                  <a:srgbClr val="00B050"/>
-                </a:solidFill>
-              </a:rPr>
-              <a:t>rec@LFS</a:t>
-            </a:r>
-            <a:r>
-              <a:rPr lang="en-CA" dirty="0" smtClean="0">
-                <a:solidFill>
-                  <a:srgbClr val="00B050"/>
-                </a:solidFill>
-              </a:rPr>
-              <a:t> = 100</a:t>
-            </a:r>
-          </a:p>
-          <a:p>
-            <a:pPr marL="0" indent="0">
-              <a:buNone/>
-            </a:pPr>
-            <a:r>
-              <a:rPr lang="en-CA" dirty="0" smtClean="0">
-                <a:solidFill>
-                  <a:srgbClr val="00B050"/>
-                </a:solidFill>
-              </a:rPr>
-              <a:t>      rec</a:t>
-            </a:r>
-            <a:endParaRPr lang="en-CA" dirty="0" smtClean="0">
-              <a:solidFill>
-                <a:srgbClr val="00B050"/>
-              </a:solidFill>
-            </a:endParaRPr>
-          </a:p>
-          <a:p>
-            <a:pPr marL="0" indent="0">
-              <a:buNone/>
-            </a:pPr>
-            <a:r>
-              <a:rPr lang="en-CA" dirty="0" smtClean="0">
-                <a:solidFill>
-                  <a:srgbClr val="00B050"/>
-                </a:solidFill>
-              </a:rPr>
               <a:t>}</a:t>
             </a:r>
-            <a:endParaRPr lang="en-CA" dirty="0">
-              <a:solidFill>
-                <a:srgbClr val="00B050"/>
-              </a:solidFill>
-            </a:endParaRPr>
           </a:p>
         </p:txBody>
       </p:sp>
@@ -10144,18 +9929,13 @@
           <a:lstStyle/>
           <a:p>
             <a:r>
-              <a:rPr lang="en-CA" sz="2200" dirty="0" smtClean="0">
+              <a:rPr lang="en-CA" sz="2200" dirty="0">
                 <a:solidFill>
                   <a:srgbClr val="126D96"/>
                 </a:solidFill>
               </a:rPr>
               <a:t>No spatial reallocation </a:t>
             </a:r>
-            <a:endParaRPr lang="en-CA" sz="2200" dirty="0">
-              <a:solidFill>
-                <a:srgbClr val="126D96"/>
-              </a:solidFill>
-            </a:endParaRPr>
           </a:p>
         </p:txBody>
       </p:sp>
@@ -10182,18 +9962,13 @@
           <a:lstStyle/>
           <a:p>
             <a:r>
-              <a:rPr lang="en-CA" sz="2400" dirty="0" smtClean="0">
+              <a:rPr lang="en-CA" sz="2400" dirty="0">
                 <a:solidFill>
                   <a:srgbClr val="126D96"/>
                 </a:solidFill>
               </a:rPr>
               <a:t>Effort is current effort</a:t>
             </a:r>
-            <a:endParaRPr lang="en-CA" sz="2400" dirty="0">
-              <a:solidFill>
-                <a:srgbClr val="126D96"/>
-              </a:solidFill>
-            </a:endParaRPr>
           </a:p>
         </p:txBody>
       </p:sp>
@@ -10220,18 +9995,13 @@
           <a:lstStyle/>
           <a:p>
             <a:r>
-              <a:rPr lang="en-CA" sz="2200" dirty="0" smtClean="0">
+              <a:rPr lang="en-CA" sz="2200" dirty="0">
                 <a:solidFill>
                   <a:srgbClr val="126D96"/>
                 </a:solidFill>
               </a:rPr>
               <a:t>No spatial closure</a:t>
             </a:r>
-            <a:endParaRPr lang="en-CA" sz="2200" dirty="0">
-              <a:solidFill>
-                <a:srgbClr val="126D96"/>
-              </a:solidFill>
-            </a:endParaRPr>
           </a:p>
         </p:txBody>
       </p:sp>
@@ -10258,7 +10028,7 @@
           <a:lstStyle/>
           <a:p>
             <a:r>
-              <a:rPr lang="en-CA" sz="2200" dirty="0" smtClean="0">
+              <a:rPr lang="en-CA" sz="2200" dirty="0">
                 <a:solidFill>
                   <a:srgbClr val="126D96"/>
                 </a:solidFill>
@@ -10268,18 +10038,13 @@
           </a:p>
           <a:p>
             <a:r>
-              <a:rPr lang="en-CA" sz="2200" dirty="0" smtClean="0">
+              <a:rPr lang="en-CA" sz="2200" dirty="0">
                 <a:solidFill>
                   <a:srgbClr val="126D96"/>
                 </a:solidFill>
               </a:rPr>
               <a:t>In this case length at 5% vulnerability is 90cm, length at full vulnerability is 100cm</a:t>
             </a:r>
-            <a:endParaRPr lang="en-CA" sz="2200" dirty="0">
-              <a:solidFill>
-                <a:srgbClr val="126D96"/>
-              </a:solidFill>
-            </a:endParaRPr>
           </a:p>
         </p:txBody>
       </p:sp>
@@ -10606,16 +10371,22 @@
             <p:ph type="title"/>
           </p:nvPr>
         </p:nvSpPr>
-        <p:spPr/>
-        <p:txBody>
-          <a:bodyPr/>
+        <p:spPr>
+          <a:xfrm>
+            <a:off x="619738" y="512783"/>
+            <a:ext cx="7886700" cy="864096"/>
+          </a:xfrm>
+        </p:spPr>
+        <p:txBody>
+          <a:bodyPr>
+            <a:normAutofit/>
+          </a:bodyPr>
           <a:lstStyle/>
           <a:p>
             <a:r>
-              <a:rPr lang="en-CA" dirty="0" smtClean="0"/>
-              <a:t>Remember the 3 more things?</a:t>
-            </a:r>
-            <a:endParaRPr lang="en-CA" dirty="0"/>
+              <a:rPr lang="en-CA" dirty="0"/>
+              <a:t>A fixed size limit</a:t>
+            </a:r>
           </a:p>
         </p:txBody>
       </p:sp>
@@ -10631,8 +10402,8 @@
         </p:nvSpPr>
         <p:spPr>
           <a:xfrm>
-            <a:off x="899592" y="1844824"/>
-            <a:ext cx="7675562" cy="4351338"/>
+            <a:off x="724283" y="1484784"/>
+            <a:ext cx="7675562" cy="2376264"/>
           </a:xfrm>
         </p:spPr>
         <p:txBody>
@@ -10640,130 +10411,90 @@
           <a:lstStyle/>
           <a:p>
             <a:pPr marL="0" indent="0">
-              <a:spcAft>
-                <a:spcPts val="600"/>
-              </a:spcAft>
-              <a:buNone/>
-            </a:pPr>
-            <a:r>
-              <a:rPr lang="en-CA" dirty="0"/>
-              <a:t>We have to assign the right class to our new </a:t>
-            </a:r>
-            <a:r>
-              <a:rPr lang="en-CA" dirty="0" smtClean="0"/>
-              <a:t>MPs:</a:t>
+              <a:buNone/>
+            </a:pPr>
+            <a:r>
+              <a:rPr lang="en-CA" dirty="0">
+                <a:solidFill>
+                  <a:srgbClr val="00B050"/>
+                </a:solidFill>
+              </a:rPr>
+              <a:t>SL95 = function(x, Data, …){</a:t>
             </a:r>
           </a:p>
           <a:p>
             <a:pPr marL="0" indent="0">
-              <a:spcAft>
-                <a:spcPts val="1800"/>
-              </a:spcAft>
-              <a:buNone/>
-            </a:pPr>
-            <a:r>
-              <a:rPr lang="en-CA" dirty="0" smtClean="0">
-                <a:solidFill>
-                  <a:srgbClr val="00B050"/>
-                </a:solidFill>
-              </a:rPr>
-              <a:t>   class(</a:t>
-            </a:r>
-            <a:r>
-              <a:rPr lang="en-CA" dirty="0" err="1" smtClean="0">
-                <a:solidFill>
-                  <a:srgbClr val="00B050"/>
-                </a:solidFill>
-              </a:rPr>
-              <a:t>MLTarg</a:t>
-            </a:r>
-            <a:r>
-              <a:rPr lang="en-CA" dirty="0" smtClean="0">
-                <a:solidFill>
-                  <a:srgbClr val="00B050"/>
-                </a:solidFill>
-              </a:rPr>
-              <a:t>) = class(Close1) = class(SL95) = “Input”</a:t>
+              <a:buNone/>
+            </a:pPr>
+            <a:r>
+              <a:rPr lang="en-CA" dirty="0">
+                <a:solidFill>
+                  <a:srgbClr val="00B050"/>
+                </a:solidFill>
+              </a:rPr>
+              <a:t>      rec = new(‘</a:t>
+            </a:r>
+            <a:r>
+              <a:rPr lang="en-CA" dirty="0" err="1">
+                <a:solidFill>
+                  <a:srgbClr val="00B050"/>
+                </a:solidFill>
+              </a:rPr>
+              <a:t>InputRec</a:t>
+            </a:r>
+            <a:r>
+              <a:rPr lang="en-CA" dirty="0">
+                <a:solidFill>
+                  <a:srgbClr val="00B050"/>
+                </a:solidFill>
+              </a:rPr>
+              <a:t>’)</a:t>
             </a:r>
           </a:p>
           <a:p>
             <a:pPr marL="0" indent="0">
-              <a:spcAft>
-                <a:spcPts val="0"/>
-              </a:spcAft>
-              <a:buNone/>
-            </a:pPr>
-            <a:r>
-              <a:rPr lang="en-CA" dirty="0" smtClean="0"/>
-              <a:t>They have to </a:t>
-            </a:r>
-            <a:r>
-              <a:rPr lang="en-CA" dirty="0"/>
-              <a:t>be visible to </a:t>
-            </a:r>
-            <a:r>
-              <a:rPr lang="en-CA" dirty="0" smtClean="0"/>
-              <a:t>DLMtool:</a:t>
-            </a:r>
-            <a:endParaRPr lang="en-CA" dirty="0" smtClean="0">
-              <a:solidFill>
-                <a:srgbClr val="00B050"/>
-              </a:solidFill>
-            </a:endParaRPr>
+              <a:buNone/>
+            </a:pPr>
+            <a:r>
+              <a:rPr lang="en-CA" dirty="0">
+                <a:solidFill>
+                  <a:srgbClr val="00B050"/>
+                </a:solidFill>
+              </a:rPr>
+              <a:t>      rec@LR5 = 90</a:t>
+            </a:r>
           </a:p>
           <a:p>
             <a:pPr marL="0" indent="0">
-              <a:spcAft>
-                <a:spcPts val="0"/>
-              </a:spcAft>
-              <a:buNone/>
-            </a:pPr>
-            <a:r>
-              <a:rPr lang="en-CA" dirty="0" smtClean="0">
-                <a:solidFill>
-                  <a:srgbClr val="00B050"/>
-                </a:solidFill>
-              </a:rPr>
-              <a:t>   environment(</a:t>
-            </a:r>
-            <a:r>
-              <a:rPr lang="en-CA" dirty="0" err="1" smtClean="0">
-                <a:solidFill>
-                  <a:srgbClr val="00B050"/>
-                </a:solidFill>
-              </a:rPr>
-              <a:t>MLTarg</a:t>
-            </a:r>
-            <a:r>
-              <a:rPr lang="en-CA" dirty="0" smtClean="0">
-                <a:solidFill>
-                  <a:srgbClr val="00B050"/>
-                </a:solidFill>
-              </a:rPr>
-              <a:t>) =  environment(</a:t>
-            </a:r>
-            <a:r>
-              <a:rPr lang="en-CA" dirty="0" err="1" smtClean="0">
-                <a:solidFill>
-                  <a:srgbClr val="00B050"/>
-                </a:solidFill>
-              </a:rPr>
-              <a:t>MLTarg</a:t>
-            </a:r>
-            <a:r>
-              <a:rPr lang="en-CA" dirty="0" smtClean="0">
-                <a:solidFill>
-                  <a:srgbClr val="00B050"/>
-                </a:solidFill>
-              </a:rPr>
-              <a:t>) =</a:t>
+              <a:buNone/>
+            </a:pPr>
+            <a:r>
+              <a:rPr lang="en-CA" dirty="0">
+                <a:solidFill>
+                  <a:srgbClr val="00B050"/>
+                </a:solidFill>
+              </a:rPr>
+              <a:t>      </a:t>
+            </a:r>
+            <a:r>
+              <a:rPr lang="en-CA" dirty="0" err="1">
+                <a:solidFill>
+                  <a:srgbClr val="00B050"/>
+                </a:solidFill>
+              </a:rPr>
+              <a:t>rec@LFS</a:t>
+            </a:r>
+            <a:r>
+              <a:rPr lang="en-CA" dirty="0">
+                <a:solidFill>
+                  <a:srgbClr val="00B050"/>
+                </a:solidFill>
+              </a:rPr>
+              <a:t> = 100</a:t>
             </a:r>
           </a:p>
           <a:p>
             <a:pPr marL="0" indent="0">
-              <a:spcAft>
-                <a:spcPts val="2400"/>
-              </a:spcAft>
               <a:buNone/>
             </a:pPr>
             <a:r>
@@ -10772,114 +10503,64 @@
                   <a:srgbClr val="00B050"/>
                 </a:solidFill>
               </a:rPr>
-              <a:t> </a:t>
-            </a:r>
-            <a:r>
-              <a:rPr lang="en-CA" dirty="0" smtClean="0">
-                <a:solidFill>
-                  <a:srgbClr val="00B050"/>
-                </a:solidFill>
-              </a:rPr>
-              <a:t>                                                 environment(SL95) = “DLMtool”</a:t>
+              <a:t>      rec</a:t>
             </a:r>
           </a:p>
           <a:p>
             <a:pPr marL="0" indent="0">
-              <a:spcAft>
-                <a:spcPts val="1800"/>
-              </a:spcAft>
-              <a:buNone/>
-            </a:pPr>
-            <a:r>
-              <a:rPr lang="en-CA" dirty="0"/>
-              <a:t>And </a:t>
-            </a:r>
-            <a:r>
-              <a:rPr lang="en-CA" dirty="0" smtClean="0"/>
-              <a:t>they should </a:t>
-            </a:r>
-            <a:r>
-              <a:rPr lang="en-CA" dirty="0"/>
-              <a:t>be compatible with parallel processing:</a:t>
-            </a:r>
-            <a:endParaRPr lang="en-CA" dirty="0" smtClean="0">
-              <a:solidFill>
-                <a:srgbClr val="00B050"/>
-              </a:solidFill>
-            </a:endParaRPr>
-          </a:p>
-          <a:p>
-            <a:pPr marL="0" indent="0">
-              <a:spcAft>
-                <a:spcPts val="1800"/>
-              </a:spcAft>
-              <a:buNone/>
-            </a:pPr>
-            <a:r>
-              <a:rPr lang="en-CA" dirty="0" smtClean="0">
-                <a:solidFill>
-                  <a:srgbClr val="00B050"/>
-                </a:solidFill>
-              </a:rPr>
-              <a:t>   </a:t>
-            </a:r>
-            <a:r>
-              <a:rPr lang="en-CA" dirty="0" err="1" smtClean="0">
-                <a:solidFill>
-                  <a:srgbClr val="00B050"/>
-                </a:solidFill>
-              </a:rPr>
-              <a:t>sfExport</a:t>
-            </a:r>
-            <a:r>
-              <a:rPr lang="en-CA" dirty="0" smtClean="0">
-                <a:solidFill>
-                  <a:srgbClr val="00B050"/>
-                </a:solidFill>
-              </a:rPr>
-              <a:t>(list=c(“</a:t>
-            </a:r>
-            <a:r>
-              <a:rPr lang="en-CA" dirty="0" err="1" smtClean="0">
-                <a:solidFill>
-                  <a:srgbClr val="00B050"/>
-                </a:solidFill>
-              </a:rPr>
-              <a:t>MLTarg</a:t>
-            </a:r>
-            <a:r>
-              <a:rPr lang="en-CA" dirty="0" smtClean="0">
-                <a:solidFill>
-                  <a:srgbClr val="00B050"/>
-                </a:solidFill>
-              </a:rPr>
-              <a:t>”, ”Close1”, ”SL95”))</a:t>
-            </a:r>
-            <a:endParaRPr lang="en-CA" dirty="0">
-              <a:solidFill>
-                <a:srgbClr val="00B050"/>
-              </a:solidFill>
-            </a:endParaRPr>
-          </a:p>
-        </p:txBody>
-      </p:sp>
+              <a:buNone/>
+            </a:pPr>
+            <a:r>
+              <a:rPr lang="en-CA" dirty="0">
+                <a:solidFill>
+                  <a:srgbClr val="00B050"/>
+                </a:solidFill>
+              </a:rPr>
+              <a:t>}</a:t>
+            </a:r>
+          </a:p>
+        </p:txBody>
+      </p:sp>
+      <p:pic>
+        <p:nvPicPr>
+          <p:cNvPr id="10" name="Picture 9">
+            <a:extLst>
+              <a:ext uri="{FF2B5EF4-FFF2-40B4-BE49-F238E27FC236}">
+                <a16:creationId xmlns:a16="http://schemas.microsoft.com/office/drawing/2014/main" id="{89D9DAA0-E9AF-4DBA-A34F-5DDEE92E4B98}"/>
+              </a:ext>
+            </a:extLst>
+          </p:cNvPr>
+          <p:cNvPicPr>
+            <a:picLocks noChangeAspect="1"/>
+          </p:cNvPicPr>
+          <p:nvPr/>
+        </p:nvPicPr>
+        <p:blipFill>
+          <a:blip r:embed="rId2"/>
+          <a:stretch>
+            <a:fillRect/>
+          </a:stretch>
+        </p:blipFill>
+        <p:spPr>
+          <a:xfrm>
+            <a:off x="3923928" y="1988840"/>
+            <a:ext cx="4761905" cy="4761905"/>
+          </a:xfrm>
+          <a:prstGeom prst="rect">
+            <a:avLst/>
+          </a:prstGeom>
+        </p:spPr>
+      </p:pic>
     </p:spTree>
     <p:extLst>
       <p:ext uri="{BB962C8B-B14F-4D97-AF65-F5344CB8AC3E}">
-        <p14:creationId xmlns:p14="http://schemas.microsoft.com/office/powerpoint/2010/main" val="2380365963"/>
+        <p14:creationId xmlns:p14="http://schemas.microsoft.com/office/powerpoint/2010/main" val="2965720933"/>
       </p:ext>
     </p:extLst>
   </p:cSld>
   <p:clrMapOvr>
     <a:masterClrMapping/>
   </p:clrMapOvr>
-  <p:timing>
-    <p:tnLst>
-      <p:par>
-        <p:cTn id="1" dur="indefinite" restart="never" nodeType="tmRoot"/>
-      </p:par>
-    </p:tnLst>
-  </p:timing>
 </p:sld>
 </file>
 
@@ -10912,6 +10593,1290 @@
         </p:nvSpPr>
         <p:spPr>
           <a:xfrm>
+            <a:off x="619738" y="512783"/>
+            <a:ext cx="7886700" cy="864096"/>
+          </a:xfrm>
+        </p:spPr>
+        <p:txBody>
+          <a:bodyPr>
+            <a:normAutofit fontScale="90000"/>
+          </a:bodyPr>
+          <a:lstStyle/>
+          <a:p>
+            <a:r>
+              <a:rPr lang="en-CA" dirty="0"/>
+              <a:t>Another example: fixed size limit with a harvest slot</a:t>
+            </a:r>
+          </a:p>
+        </p:txBody>
+      </p:sp>
+      <p:sp>
+        <p:nvSpPr>
+          <p:cNvPr id="3" name="Content Placeholder 2"/>
+          <p:cNvSpPr>
+            <a:spLocks noGrp="1"/>
+          </p:cNvSpPr>
+          <p:nvPr>
+            <p:ph idx="1"/>
+          </p:nvPr>
+        </p:nvSpPr>
+        <p:spPr>
+          <a:xfrm>
+            <a:off x="724283" y="1484784"/>
+            <a:ext cx="7675562" cy="2376264"/>
+          </a:xfrm>
+        </p:spPr>
+        <p:txBody>
+          <a:bodyPr/>
+          <a:lstStyle/>
+          <a:p>
+            <a:pPr marL="0" indent="0">
+              <a:buNone/>
+            </a:pPr>
+            <a:r>
+              <a:rPr lang="en-CA" dirty="0">
+                <a:solidFill>
+                  <a:srgbClr val="00B050"/>
+                </a:solidFill>
+              </a:rPr>
+              <a:t>SL95_HS = function(x, Data, …){</a:t>
+            </a:r>
+          </a:p>
+          <a:p>
+            <a:pPr marL="0" indent="0">
+              <a:buNone/>
+            </a:pPr>
+            <a:r>
+              <a:rPr lang="en-CA" dirty="0">
+                <a:solidFill>
+                  <a:srgbClr val="00B050"/>
+                </a:solidFill>
+              </a:rPr>
+              <a:t>      rec = new(‘</a:t>
+            </a:r>
+            <a:r>
+              <a:rPr lang="en-CA" dirty="0" err="1">
+                <a:solidFill>
+                  <a:srgbClr val="00B050"/>
+                </a:solidFill>
+              </a:rPr>
+              <a:t>InputRec</a:t>
+            </a:r>
+            <a:r>
+              <a:rPr lang="en-CA" dirty="0">
+                <a:solidFill>
+                  <a:srgbClr val="00B050"/>
+                </a:solidFill>
+              </a:rPr>
+              <a:t>’)</a:t>
+            </a:r>
+          </a:p>
+          <a:p>
+            <a:pPr marL="0" indent="0">
+              <a:buNone/>
+            </a:pPr>
+            <a:r>
+              <a:rPr lang="en-CA" dirty="0">
+                <a:solidFill>
+                  <a:srgbClr val="00B050"/>
+                </a:solidFill>
+              </a:rPr>
+              <a:t>      rec@LR5 = 90</a:t>
+            </a:r>
+          </a:p>
+          <a:p>
+            <a:pPr marL="0" indent="0">
+              <a:buNone/>
+            </a:pPr>
+            <a:r>
+              <a:rPr lang="en-CA" dirty="0">
+                <a:solidFill>
+                  <a:srgbClr val="00B050"/>
+                </a:solidFill>
+              </a:rPr>
+              <a:t>      </a:t>
+            </a:r>
+            <a:r>
+              <a:rPr lang="en-CA" dirty="0" err="1">
+                <a:solidFill>
+                  <a:srgbClr val="00B050"/>
+                </a:solidFill>
+              </a:rPr>
+              <a:t>rec@LFS</a:t>
+            </a:r>
+            <a:r>
+              <a:rPr lang="en-CA" dirty="0">
+                <a:solidFill>
+                  <a:srgbClr val="00B050"/>
+                </a:solidFill>
+              </a:rPr>
+              <a:t> = 100</a:t>
+            </a:r>
+          </a:p>
+          <a:p>
+            <a:pPr marL="0" indent="0">
+              <a:buNone/>
+            </a:pPr>
+            <a:r>
+              <a:rPr lang="en-CA" dirty="0">
+                <a:solidFill>
+                  <a:srgbClr val="00B050"/>
+                </a:solidFill>
+              </a:rPr>
+              <a:t>      </a:t>
+            </a:r>
+            <a:r>
+              <a:rPr lang="en-CA" dirty="0" err="1">
+                <a:solidFill>
+                  <a:srgbClr val="00B050"/>
+                </a:solidFill>
+              </a:rPr>
+              <a:t>rec@HS</a:t>
+            </a:r>
+            <a:r>
+              <a:rPr lang="en-CA" dirty="0">
+                <a:solidFill>
+                  <a:srgbClr val="00B050"/>
+                </a:solidFill>
+              </a:rPr>
+              <a:t> = 120</a:t>
+            </a:r>
+          </a:p>
+          <a:p>
+            <a:pPr marL="0" indent="0">
+              <a:buNone/>
+            </a:pPr>
+            <a:r>
+              <a:rPr lang="en-CA" dirty="0">
+                <a:solidFill>
+                  <a:srgbClr val="00B050"/>
+                </a:solidFill>
+              </a:rPr>
+              <a:t>      rec</a:t>
+            </a:r>
+          </a:p>
+          <a:p>
+            <a:pPr marL="0" indent="0">
+              <a:buNone/>
+            </a:pPr>
+            <a:r>
+              <a:rPr lang="en-CA" dirty="0">
+                <a:solidFill>
+                  <a:srgbClr val="00B050"/>
+                </a:solidFill>
+              </a:rPr>
+              <a:t>}</a:t>
+            </a:r>
+          </a:p>
+        </p:txBody>
+      </p:sp>
+      <p:pic>
+        <p:nvPicPr>
+          <p:cNvPr id="4" name="Picture 3">
+            <a:extLst>
+              <a:ext uri="{FF2B5EF4-FFF2-40B4-BE49-F238E27FC236}">
+                <a16:creationId xmlns:a16="http://schemas.microsoft.com/office/drawing/2014/main" id="{12E1202D-D81E-4B35-B4E8-112EE1526A13}"/>
+              </a:ext>
+            </a:extLst>
+          </p:cNvPr>
+          <p:cNvPicPr>
+            <a:picLocks noChangeAspect="1"/>
+          </p:cNvPicPr>
+          <p:nvPr/>
+        </p:nvPicPr>
+        <p:blipFill>
+          <a:blip r:embed="rId2"/>
+          <a:stretch>
+            <a:fillRect/>
+          </a:stretch>
+        </p:blipFill>
+        <p:spPr>
+          <a:xfrm>
+            <a:off x="3923928" y="1979463"/>
+            <a:ext cx="4761905" cy="4761905"/>
+          </a:xfrm>
+          <a:prstGeom prst="rect">
+            <a:avLst/>
+          </a:prstGeom>
+        </p:spPr>
+      </p:pic>
+      <p:sp>
+        <p:nvSpPr>
+          <p:cNvPr id="6" name="TextBox 5">
+            <a:extLst>
+              <a:ext uri="{FF2B5EF4-FFF2-40B4-BE49-F238E27FC236}">
+                <a16:creationId xmlns:a16="http://schemas.microsoft.com/office/drawing/2014/main" id="{D6071CEE-78C6-43DB-8CDA-99F0FDB0B79F}"/>
+              </a:ext>
+            </a:extLst>
+          </p:cNvPr>
+          <p:cNvSpPr txBox="1"/>
+          <p:nvPr/>
+        </p:nvSpPr>
+        <p:spPr>
+          <a:xfrm>
+            <a:off x="2555776" y="4248188"/>
+            <a:ext cx="1440160" cy="769441"/>
+          </a:xfrm>
+          <a:prstGeom prst="rect">
+            <a:avLst/>
+          </a:prstGeom>
+          <a:noFill/>
+        </p:spPr>
+        <p:txBody>
+          <a:bodyPr wrap="square" rtlCol="0">
+            <a:spAutoFit/>
+          </a:bodyPr>
+          <a:lstStyle/>
+          <a:p>
+            <a:r>
+              <a:rPr lang="en-CA" sz="2200" dirty="0">
+                <a:solidFill>
+                  <a:srgbClr val="126D96"/>
+                </a:solidFill>
+              </a:rPr>
+              <a:t>Upper slot limit</a:t>
+            </a:r>
+          </a:p>
+        </p:txBody>
+      </p:sp>
+      <p:cxnSp>
+        <p:nvCxnSpPr>
+          <p:cNvPr id="7" name="Straight Arrow Connector 6">
+            <a:extLst>
+              <a:ext uri="{FF2B5EF4-FFF2-40B4-BE49-F238E27FC236}">
+                <a16:creationId xmlns:a16="http://schemas.microsoft.com/office/drawing/2014/main" id="{0C490BF3-EB1B-4799-B318-C135D5C1B7C7}"/>
+              </a:ext>
+            </a:extLst>
+          </p:cNvPr>
+          <p:cNvCxnSpPr/>
+          <p:nvPr/>
+        </p:nvCxnSpPr>
+        <p:spPr>
+          <a:xfrm flipH="1" flipV="1">
+            <a:off x="2749277" y="3797810"/>
+            <a:ext cx="144016" cy="545999"/>
+          </a:xfrm>
+          <a:prstGeom prst="straightConnector1">
+            <a:avLst/>
+          </a:prstGeom>
+          <a:ln w="28575">
+            <a:solidFill>
+              <a:srgbClr val="126D96"/>
+            </a:solidFill>
+            <a:tailEnd type="arrow"/>
+          </a:ln>
+        </p:spPr>
+        <p:style>
+          <a:lnRef idx="1">
+            <a:schemeClr val="accent1"/>
+          </a:lnRef>
+          <a:fillRef idx="0">
+            <a:schemeClr val="accent1"/>
+          </a:fillRef>
+          <a:effectRef idx="0">
+            <a:schemeClr val="accent1"/>
+          </a:effectRef>
+          <a:fontRef idx="minor">
+            <a:schemeClr val="tx1"/>
+          </a:fontRef>
+        </p:style>
+      </p:cxnSp>
+    </p:spTree>
+    <p:extLst>
+      <p:ext uri="{BB962C8B-B14F-4D97-AF65-F5344CB8AC3E}">
+        <p14:creationId xmlns:p14="http://schemas.microsoft.com/office/powerpoint/2010/main" val="3166708539"/>
+      </p:ext>
+    </p:extLst>
+  </p:cSld>
+  <p:clrMapOvr>
+    <a:masterClrMapping/>
+  </p:clrMapOvr>
+  <p:timing>
+    <p:tnLst>
+      <p:par>
+        <p:cTn id="1" dur="indefinite" restart="never" nodeType="tmRoot">
+          <p:childTnLst>
+            <p:seq concurrent="1" nextAc="seek">
+              <p:cTn id="2" dur="indefinite" nodeType="mainSeq">
+                <p:childTnLst>
+                  <p:par>
+                    <p:cTn id="3" fill="hold">
+                      <p:stCondLst>
+                        <p:cond delay="indefinite"/>
+                      </p:stCondLst>
+                      <p:childTnLst>
+                        <p:par>
+                          <p:cTn id="4" fill="hold">
+                            <p:stCondLst>
+                              <p:cond delay="0"/>
+                            </p:stCondLst>
+                            <p:childTnLst>
+                              <p:par>
+                                <p:cTn id="5" presetID="10" presetClass="entr" presetSubtype="0" fill="hold" nodeType="clickEffect">
+                                  <p:stCondLst>
+                                    <p:cond delay="0"/>
+                                  </p:stCondLst>
+                                  <p:childTnLst>
+                                    <p:set>
+                                      <p:cBhvr>
+                                        <p:cTn id="6" dur="1" fill="hold">
+                                          <p:stCondLst>
+                                            <p:cond delay="0"/>
+                                          </p:stCondLst>
+                                        </p:cTn>
+                                        <p:tgtEl>
+                                          <p:spTgt spid="7"/>
+                                        </p:tgtEl>
+                                        <p:attrNameLst>
+                                          <p:attrName>style.visibility</p:attrName>
+                                        </p:attrNameLst>
+                                      </p:cBhvr>
+                                      <p:to>
+                                        <p:strVal val="visible"/>
+                                      </p:to>
+                                    </p:set>
+                                    <p:animEffect transition="in" filter="fade">
+                                      <p:cBhvr>
+                                        <p:cTn id="7" dur="500"/>
+                                        <p:tgtEl>
+                                          <p:spTgt spid="7"/>
+                                        </p:tgtEl>
+                                      </p:cBhvr>
+                                    </p:animEffect>
+                                  </p:childTnLst>
+                                </p:cTn>
+                              </p:par>
+                              <p:par>
+                                <p:cTn id="8" presetID="10" presetClass="entr" presetSubtype="0" fill="hold" grpId="0" nodeType="withEffect">
+                                  <p:stCondLst>
+                                    <p:cond delay="0"/>
+                                  </p:stCondLst>
+                                  <p:childTnLst>
+                                    <p:set>
+                                      <p:cBhvr>
+                                        <p:cTn id="9" dur="1" fill="hold">
+                                          <p:stCondLst>
+                                            <p:cond delay="0"/>
+                                          </p:stCondLst>
+                                        </p:cTn>
+                                        <p:tgtEl>
+                                          <p:spTgt spid="6"/>
+                                        </p:tgtEl>
+                                        <p:attrNameLst>
+                                          <p:attrName>style.visibility</p:attrName>
+                                        </p:attrNameLst>
+                                      </p:cBhvr>
+                                      <p:to>
+                                        <p:strVal val="visible"/>
+                                      </p:to>
+                                    </p:set>
+                                    <p:animEffect transition="in" filter="fade">
+                                      <p:cBhvr>
+                                        <p:cTn id="10" dur="500"/>
+                                        <p:tgtEl>
+                                          <p:spTgt spid="6"/>
+                                        </p:tgtEl>
+                                      </p:cBhvr>
+                                    </p:animEffect>
+                                  </p:childTnLst>
+                                </p:cTn>
+                              </p:par>
+                            </p:childTnLst>
+                          </p:cTn>
+                        </p:par>
+                      </p:childTnLst>
+                    </p:cTn>
+                  </p:par>
+                </p:childTnLst>
+              </p:cTn>
+              <p:prevCondLst>
+                <p:cond evt="onPrev" delay="0">
+                  <p:tgtEl>
+                    <p:sldTgt/>
+                  </p:tgtEl>
+                </p:cond>
+              </p:prevCondLst>
+              <p:nextCondLst>
+                <p:cond evt="onNext" delay="0">
+                  <p:tgtEl>
+                    <p:sldTgt/>
+                  </p:tgtEl>
+                </p:cond>
+              </p:nextCondLst>
+            </p:seq>
+          </p:childTnLst>
+        </p:cTn>
+      </p:par>
+    </p:tnLst>
+    <p:bldLst>
+      <p:bldP spid="6" grpId="0"/>
+    </p:bldLst>
+  </p:timing>
+</p:sld>
+</file>
+
+<file path=ppt/slides/slide15.xml><?xml version="1.0" encoding="utf-8"?>
+<p:sld xmlns:a="http://schemas.openxmlformats.org/drawingml/2006/main" xmlns:r="http://schemas.openxmlformats.org/officeDocument/2006/relationships" xmlns:p="http://schemas.openxmlformats.org/presentationml/2006/main">
+  <p:cSld>
+    <p:spTree>
+      <p:nvGrpSpPr>
+        <p:cNvPr id="1" name=""/>
+        <p:cNvGrpSpPr/>
+        <p:nvPr/>
+      </p:nvGrpSpPr>
+      <p:grpSpPr>
+        <a:xfrm>
+          <a:off x="0" y="0"/>
+          <a:ext cx="0" cy="0"/>
+          <a:chOff x="0" y="0"/>
+          <a:chExt cx="0" cy="0"/>
+        </a:xfrm>
+      </p:grpSpPr>
+      <p:sp>
+        <p:nvSpPr>
+          <p:cNvPr id="2" name="Title 1"/>
+          <p:cNvSpPr>
+            <a:spLocks noGrp="1"/>
+          </p:cNvSpPr>
+          <p:nvPr>
+            <p:ph type="title"/>
+          </p:nvPr>
+        </p:nvSpPr>
+        <p:spPr>
+          <a:xfrm>
+            <a:off x="619738" y="512783"/>
+            <a:ext cx="7886700" cy="864096"/>
+          </a:xfrm>
+        </p:spPr>
+        <p:txBody>
+          <a:bodyPr>
+            <a:normAutofit fontScale="90000"/>
+          </a:bodyPr>
+          <a:lstStyle/>
+          <a:p>
+            <a:r>
+              <a:rPr lang="en-CA" dirty="0"/>
+              <a:t>One more example: fixed size limit decreasing retention</a:t>
+            </a:r>
+          </a:p>
+        </p:txBody>
+      </p:sp>
+      <p:sp>
+        <p:nvSpPr>
+          <p:cNvPr id="3" name="Content Placeholder 2"/>
+          <p:cNvSpPr>
+            <a:spLocks noGrp="1"/>
+          </p:cNvSpPr>
+          <p:nvPr>
+            <p:ph idx="1"/>
+          </p:nvPr>
+        </p:nvSpPr>
+        <p:spPr>
+          <a:xfrm>
+            <a:off x="724283" y="1484784"/>
+            <a:ext cx="7675562" cy="2376264"/>
+          </a:xfrm>
+        </p:spPr>
+        <p:txBody>
+          <a:bodyPr/>
+          <a:lstStyle/>
+          <a:p>
+            <a:pPr marL="0" indent="0">
+              <a:buNone/>
+            </a:pPr>
+            <a:r>
+              <a:rPr lang="en-CA" dirty="0">
+                <a:solidFill>
+                  <a:srgbClr val="00B050"/>
+                </a:solidFill>
+              </a:rPr>
+              <a:t>SL95_dec = function(x, Data, …){</a:t>
+            </a:r>
+          </a:p>
+          <a:p>
+            <a:pPr marL="0" indent="0">
+              <a:buNone/>
+            </a:pPr>
+            <a:r>
+              <a:rPr lang="en-CA" dirty="0">
+                <a:solidFill>
+                  <a:srgbClr val="00B050"/>
+                </a:solidFill>
+              </a:rPr>
+              <a:t>      rec = new(‘</a:t>
+            </a:r>
+            <a:r>
+              <a:rPr lang="en-CA" dirty="0" err="1">
+                <a:solidFill>
+                  <a:srgbClr val="00B050"/>
+                </a:solidFill>
+              </a:rPr>
+              <a:t>InputRec</a:t>
+            </a:r>
+            <a:r>
+              <a:rPr lang="en-CA" dirty="0">
+                <a:solidFill>
+                  <a:srgbClr val="00B050"/>
+                </a:solidFill>
+              </a:rPr>
+              <a:t>’)</a:t>
+            </a:r>
+          </a:p>
+          <a:p>
+            <a:pPr marL="0" indent="0">
+              <a:buNone/>
+            </a:pPr>
+            <a:r>
+              <a:rPr lang="en-CA" dirty="0">
+                <a:solidFill>
+                  <a:srgbClr val="00B050"/>
+                </a:solidFill>
+              </a:rPr>
+              <a:t>      rec@LR5 = 90</a:t>
+            </a:r>
+          </a:p>
+          <a:p>
+            <a:pPr marL="0" indent="0">
+              <a:buNone/>
+            </a:pPr>
+            <a:r>
+              <a:rPr lang="en-CA" dirty="0">
+                <a:solidFill>
+                  <a:srgbClr val="00B050"/>
+                </a:solidFill>
+              </a:rPr>
+              <a:t>      </a:t>
+            </a:r>
+            <a:r>
+              <a:rPr lang="en-CA" dirty="0" err="1">
+                <a:solidFill>
+                  <a:srgbClr val="00B050"/>
+                </a:solidFill>
+              </a:rPr>
+              <a:t>rec@LFS</a:t>
+            </a:r>
+            <a:r>
+              <a:rPr lang="en-CA" dirty="0">
+                <a:solidFill>
+                  <a:srgbClr val="00B050"/>
+                </a:solidFill>
+              </a:rPr>
+              <a:t> = 100</a:t>
+            </a:r>
+          </a:p>
+          <a:p>
+            <a:pPr marL="0" indent="0">
+              <a:buNone/>
+            </a:pPr>
+            <a:r>
+              <a:rPr lang="en-CA" dirty="0">
+                <a:solidFill>
+                  <a:srgbClr val="00B050"/>
+                </a:solidFill>
+              </a:rPr>
+              <a:t>      </a:t>
+            </a:r>
+            <a:r>
+              <a:rPr lang="en-CA" dirty="0" err="1">
+                <a:solidFill>
+                  <a:srgbClr val="00B050"/>
+                </a:solidFill>
+              </a:rPr>
+              <a:t>rec@Rmaxlen</a:t>
+            </a:r>
+            <a:r>
+              <a:rPr lang="en-CA" dirty="0">
+                <a:solidFill>
+                  <a:srgbClr val="00B050"/>
+                </a:solidFill>
+              </a:rPr>
+              <a:t> = 0.5</a:t>
+            </a:r>
+          </a:p>
+          <a:p>
+            <a:pPr marL="0" indent="0">
+              <a:buNone/>
+            </a:pPr>
+            <a:r>
+              <a:rPr lang="en-CA" dirty="0">
+                <a:solidFill>
+                  <a:srgbClr val="00B050"/>
+                </a:solidFill>
+              </a:rPr>
+              <a:t>      rec</a:t>
+            </a:r>
+          </a:p>
+          <a:p>
+            <a:pPr marL="0" indent="0">
+              <a:buNone/>
+            </a:pPr>
+            <a:r>
+              <a:rPr lang="en-CA" dirty="0">
+                <a:solidFill>
+                  <a:srgbClr val="00B050"/>
+                </a:solidFill>
+              </a:rPr>
+              <a:t>}</a:t>
+            </a:r>
+          </a:p>
+        </p:txBody>
+      </p:sp>
+      <p:pic>
+        <p:nvPicPr>
+          <p:cNvPr id="5" name="Picture 4">
+            <a:extLst>
+              <a:ext uri="{FF2B5EF4-FFF2-40B4-BE49-F238E27FC236}">
+                <a16:creationId xmlns:a16="http://schemas.microsoft.com/office/drawing/2014/main" id="{E1F5A664-1A4A-443B-B876-20A190A105DB}"/>
+              </a:ext>
+            </a:extLst>
+          </p:cNvPr>
+          <p:cNvPicPr>
+            <a:picLocks noChangeAspect="1"/>
+          </p:cNvPicPr>
+          <p:nvPr/>
+        </p:nvPicPr>
+        <p:blipFill>
+          <a:blip r:embed="rId2"/>
+          <a:stretch>
+            <a:fillRect/>
+          </a:stretch>
+        </p:blipFill>
+        <p:spPr>
+          <a:xfrm>
+            <a:off x="3923928" y="1979463"/>
+            <a:ext cx="4761905" cy="4761905"/>
+          </a:xfrm>
+          <a:prstGeom prst="rect">
+            <a:avLst/>
+          </a:prstGeom>
+        </p:spPr>
+      </p:pic>
+      <p:sp>
+        <p:nvSpPr>
+          <p:cNvPr id="6" name="TextBox 5">
+            <a:extLst>
+              <a:ext uri="{FF2B5EF4-FFF2-40B4-BE49-F238E27FC236}">
+                <a16:creationId xmlns:a16="http://schemas.microsoft.com/office/drawing/2014/main" id="{0B162F32-59F4-415E-A935-98574807346A}"/>
+              </a:ext>
+            </a:extLst>
+          </p:cNvPr>
+          <p:cNvSpPr txBox="1"/>
+          <p:nvPr/>
+        </p:nvSpPr>
+        <p:spPr>
+          <a:xfrm>
+            <a:off x="2046044" y="4355727"/>
+            <a:ext cx="1877884" cy="769441"/>
+          </a:xfrm>
+          <a:prstGeom prst="rect">
+            <a:avLst/>
+          </a:prstGeom>
+          <a:noFill/>
+        </p:spPr>
+        <p:txBody>
+          <a:bodyPr wrap="square" rtlCol="0">
+            <a:spAutoFit/>
+          </a:bodyPr>
+          <a:lstStyle/>
+          <a:p>
+            <a:r>
+              <a:rPr lang="en-CA" sz="2200" dirty="0">
+                <a:solidFill>
+                  <a:srgbClr val="126D96"/>
+                </a:solidFill>
+              </a:rPr>
+              <a:t>Retention of maximum size</a:t>
+            </a:r>
+          </a:p>
+        </p:txBody>
+      </p:sp>
+      <p:cxnSp>
+        <p:nvCxnSpPr>
+          <p:cNvPr id="7" name="Straight Arrow Connector 6">
+            <a:extLst>
+              <a:ext uri="{FF2B5EF4-FFF2-40B4-BE49-F238E27FC236}">
+                <a16:creationId xmlns:a16="http://schemas.microsoft.com/office/drawing/2014/main" id="{5CCD03EE-CCDE-4368-B8A5-E06C03DF4DF8}"/>
+              </a:ext>
+            </a:extLst>
+          </p:cNvPr>
+          <p:cNvCxnSpPr>
+            <a:cxnSpLocks/>
+          </p:cNvCxnSpPr>
+          <p:nvPr/>
+        </p:nvCxnSpPr>
+        <p:spPr>
+          <a:xfrm flipV="1">
+            <a:off x="3203848" y="3809219"/>
+            <a:ext cx="144016" cy="586930"/>
+          </a:xfrm>
+          <a:prstGeom prst="straightConnector1">
+            <a:avLst/>
+          </a:prstGeom>
+          <a:ln w="28575">
+            <a:solidFill>
+              <a:srgbClr val="126D96"/>
+            </a:solidFill>
+            <a:tailEnd type="arrow"/>
+          </a:ln>
+        </p:spPr>
+        <p:style>
+          <a:lnRef idx="1">
+            <a:schemeClr val="accent1"/>
+          </a:lnRef>
+          <a:fillRef idx="0">
+            <a:schemeClr val="accent1"/>
+          </a:fillRef>
+          <a:effectRef idx="0">
+            <a:schemeClr val="accent1"/>
+          </a:effectRef>
+          <a:fontRef idx="minor">
+            <a:schemeClr val="tx1"/>
+          </a:fontRef>
+        </p:style>
+      </p:cxnSp>
+    </p:spTree>
+    <p:extLst>
+      <p:ext uri="{BB962C8B-B14F-4D97-AF65-F5344CB8AC3E}">
+        <p14:creationId xmlns:p14="http://schemas.microsoft.com/office/powerpoint/2010/main" val="419480998"/>
+      </p:ext>
+    </p:extLst>
+  </p:cSld>
+  <p:clrMapOvr>
+    <a:masterClrMapping/>
+  </p:clrMapOvr>
+  <p:timing>
+    <p:tnLst>
+      <p:par>
+        <p:cTn id="1" dur="indefinite" restart="never" nodeType="tmRoot">
+          <p:childTnLst>
+            <p:seq concurrent="1" nextAc="seek">
+              <p:cTn id="2" dur="indefinite" nodeType="mainSeq">
+                <p:childTnLst>
+                  <p:par>
+                    <p:cTn id="3" fill="hold">
+                      <p:stCondLst>
+                        <p:cond delay="indefinite"/>
+                      </p:stCondLst>
+                      <p:childTnLst>
+                        <p:par>
+                          <p:cTn id="4" fill="hold">
+                            <p:stCondLst>
+                              <p:cond delay="0"/>
+                            </p:stCondLst>
+                            <p:childTnLst>
+                              <p:par>
+                                <p:cTn id="5" presetID="10" presetClass="entr" presetSubtype="0" fill="hold" nodeType="clickEffect">
+                                  <p:stCondLst>
+                                    <p:cond delay="0"/>
+                                  </p:stCondLst>
+                                  <p:childTnLst>
+                                    <p:set>
+                                      <p:cBhvr>
+                                        <p:cTn id="6" dur="1" fill="hold">
+                                          <p:stCondLst>
+                                            <p:cond delay="0"/>
+                                          </p:stCondLst>
+                                        </p:cTn>
+                                        <p:tgtEl>
+                                          <p:spTgt spid="7"/>
+                                        </p:tgtEl>
+                                        <p:attrNameLst>
+                                          <p:attrName>style.visibility</p:attrName>
+                                        </p:attrNameLst>
+                                      </p:cBhvr>
+                                      <p:to>
+                                        <p:strVal val="visible"/>
+                                      </p:to>
+                                    </p:set>
+                                    <p:animEffect transition="in" filter="fade">
+                                      <p:cBhvr>
+                                        <p:cTn id="7" dur="500"/>
+                                        <p:tgtEl>
+                                          <p:spTgt spid="7"/>
+                                        </p:tgtEl>
+                                      </p:cBhvr>
+                                    </p:animEffect>
+                                  </p:childTnLst>
+                                </p:cTn>
+                              </p:par>
+                              <p:par>
+                                <p:cTn id="8" presetID="10" presetClass="entr" presetSubtype="0" fill="hold" grpId="0" nodeType="withEffect">
+                                  <p:stCondLst>
+                                    <p:cond delay="0"/>
+                                  </p:stCondLst>
+                                  <p:childTnLst>
+                                    <p:set>
+                                      <p:cBhvr>
+                                        <p:cTn id="9" dur="1" fill="hold">
+                                          <p:stCondLst>
+                                            <p:cond delay="0"/>
+                                          </p:stCondLst>
+                                        </p:cTn>
+                                        <p:tgtEl>
+                                          <p:spTgt spid="6"/>
+                                        </p:tgtEl>
+                                        <p:attrNameLst>
+                                          <p:attrName>style.visibility</p:attrName>
+                                        </p:attrNameLst>
+                                      </p:cBhvr>
+                                      <p:to>
+                                        <p:strVal val="visible"/>
+                                      </p:to>
+                                    </p:set>
+                                    <p:animEffect transition="in" filter="fade">
+                                      <p:cBhvr>
+                                        <p:cTn id="10" dur="500"/>
+                                        <p:tgtEl>
+                                          <p:spTgt spid="6"/>
+                                        </p:tgtEl>
+                                      </p:cBhvr>
+                                    </p:animEffect>
+                                  </p:childTnLst>
+                                </p:cTn>
+                              </p:par>
+                            </p:childTnLst>
+                          </p:cTn>
+                        </p:par>
+                      </p:childTnLst>
+                    </p:cTn>
+                  </p:par>
+                </p:childTnLst>
+              </p:cTn>
+              <p:prevCondLst>
+                <p:cond evt="onPrev" delay="0">
+                  <p:tgtEl>
+                    <p:sldTgt/>
+                  </p:tgtEl>
+                </p:cond>
+              </p:prevCondLst>
+              <p:nextCondLst>
+                <p:cond evt="onNext" delay="0">
+                  <p:tgtEl>
+                    <p:sldTgt/>
+                  </p:tgtEl>
+                </p:cond>
+              </p:nextCondLst>
+            </p:seq>
+          </p:childTnLst>
+        </p:cTn>
+      </p:par>
+    </p:tnLst>
+    <p:bldLst>
+      <p:bldP spid="6" grpId="0"/>
+    </p:bldLst>
+  </p:timing>
+</p:sld>
+</file>
+
+<file path=ppt/slides/slide16.xml><?xml version="1.0" encoding="utf-8"?>
+<p:sld xmlns:a="http://schemas.openxmlformats.org/drawingml/2006/main" xmlns:r="http://schemas.openxmlformats.org/officeDocument/2006/relationships" xmlns:p="http://schemas.openxmlformats.org/presentationml/2006/main">
+  <p:cSld>
+    <p:spTree>
+      <p:nvGrpSpPr>
+        <p:cNvPr id="1" name=""/>
+        <p:cNvGrpSpPr/>
+        <p:nvPr/>
+      </p:nvGrpSpPr>
+      <p:grpSpPr>
+        <a:xfrm>
+          <a:off x="0" y="0"/>
+          <a:ext cx="0" cy="0"/>
+          <a:chOff x="0" y="0"/>
+          <a:chExt cx="0" cy="0"/>
+        </a:xfrm>
+      </p:grpSpPr>
+      <p:sp>
+        <p:nvSpPr>
+          <p:cNvPr id="2" name="Title 1"/>
+          <p:cNvSpPr>
+            <a:spLocks noGrp="1"/>
+          </p:cNvSpPr>
+          <p:nvPr>
+            <p:ph type="title"/>
+          </p:nvPr>
+        </p:nvSpPr>
+        <p:spPr/>
+        <p:txBody>
+          <a:bodyPr/>
+          <a:lstStyle/>
+          <a:p>
+            <a:r>
+              <a:rPr lang="en-CA" dirty="0"/>
+              <a:t>Remember the last thing?</a:t>
+            </a:r>
+          </a:p>
+        </p:txBody>
+      </p:sp>
+      <p:sp>
+        <p:nvSpPr>
+          <p:cNvPr id="3" name="Content Placeholder 2"/>
+          <p:cNvSpPr>
+            <a:spLocks noGrp="1"/>
+          </p:cNvSpPr>
+          <p:nvPr>
+            <p:ph idx="1"/>
+          </p:nvPr>
+        </p:nvSpPr>
+        <p:spPr>
+          <a:xfrm>
+            <a:off x="899592" y="1844824"/>
+            <a:ext cx="7675562" cy="4351338"/>
+          </a:xfrm>
+        </p:spPr>
+        <p:txBody>
+          <a:bodyPr/>
+          <a:lstStyle/>
+          <a:p>
+            <a:pPr marL="0" indent="0">
+              <a:spcAft>
+                <a:spcPts val="600"/>
+              </a:spcAft>
+              <a:buNone/>
+            </a:pPr>
+            <a:r>
+              <a:rPr lang="en-CA" dirty="0"/>
+              <a:t>We have to assign the right class to our new MPs:</a:t>
+            </a:r>
+          </a:p>
+          <a:p>
+            <a:pPr marL="0" indent="0">
+              <a:spcAft>
+                <a:spcPts val="1800"/>
+              </a:spcAft>
+              <a:buNone/>
+            </a:pPr>
+            <a:r>
+              <a:rPr lang="en-CA" dirty="0">
+                <a:solidFill>
+                  <a:srgbClr val="00B050"/>
+                </a:solidFill>
+              </a:rPr>
+              <a:t>   class(</a:t>
+            </a:r>
+            <a:r>
+              <a:rPr lang="en-CA" dirty="0" err="1">
+                <a:solidFill>
+                  <a:srgbClr val="00B050"/>
+                </a:solidFill>
+              </a:rPr>
+              <a:t>MLTarg</a:t>
+            </a:r>
+            <a:r>
+              <a:rPr lang="en-CA" dirty="0">
+                <a:solidFill>
+                  <a:srgbClr val="00B050"/>
+                </a:solidFill>
+              </a:rPr>
+              <a:t>) = class(Close1) = class(SL95) = “Input”</a:t>
+            </a:r>
+          </a:p>
+        </p:txBody>
+      </p:sp>
+    </p:spTree>
+    <p:extLst>
+      <p:ext uri="{BB962C8B-B14F-4D97-AF65-F5344CB8AC3E}">
+        <p14:creationId xmlns:p14="http://schemas.microsoft.com/office/powerpoint/2010/main" val="2380365963"/>
+      </p:ext>
+    </p:extLst>
+  </p:cSld>
+  <p:clrMapOvr>
+    <a:masterClrMapping/>
+  </p:clrMapOvr>
+</p:sld>
+</file>
+
+<file path=ppt/slides/slide17.xml><?xml version="1.0" encoding="utf-8"?>
+<p:sld xmlns:a="http://schemas.openxmlformats.org/drawingml/2006/main" xmlns:r="http://schemas.openxmlformats.org/officeDocument/2006/relationships" xmlns:p="http://schemas.openxmlformats.org/presentationml/2006/main" show="0">
+  <p:cSld>
+    <p:spTree>
+      <p:nvGrpSpPr>
+        <p:cNvPr id="1" name=""/>
+        <p:cNvGrpSpPr/>
+        <p:nvPr/>
+      </p:nvGrpSpPr>
+      <p:grpSpPr>
+        <a:xfrm>
+          <a:off x="0" y="0"/>
+          <a:ext cx="0" cy="0"/>
+          <a:chOff x="0" y="0"/>
+          <a:chExt cx="0" cy="0"/>
+        </a:xfrm>
+      </p:grpSpPr>
+      <p:sp>
+        <p:nvSpPr>
+          <p:cNvPr id="2" name="Title 1"/>
+          <p:cNvSpPr>
+            <a:spLocks noGrp="1"/>
+          </p:cNvSpPr>
+          <p:nvPr>
+            <p:ph type="title"/>
+          </p:nvPr>
+        </p:nvSpPr>
+        <p:spPr/>
+        <p:txBody>
+          <a:bodyPr/>
+          <a:lstStyle/>
+          <a:p>
+            <a:r>
+              <a:rPr lang="en-CA" dirty="0"/>
+              <a:t>Remember the 3 more things?</a:t>
+            </a:r>
+          </a:p>
+        </p:txBody>
+      </p:sp>
+      <p:sp>
+        <p:nvSpPr>
+          <p:cNvPr id="3" name="Content Placeholder 2"/>
+          <p:cNvSpPr>
+            <a:spLocks noGrp="1"/>
+          </p:cNvSpPr>
+          <p:nvPr>
+            <p:ph idx="1"/>
+          </p:nvPr>
+        </p:nvSpPr>
+        <p:spPr>
+          <a:xfrm>
+            <a:off x="899592" y="1844824"/>
+            <a:ext cx="7675562" cy="4351338"/>
+          </a:xfrm>
+        </p:spPr>
+        <p:txBody>
+          <a:bodyPr/>
+          <a:lstStyle/>
+          <a:p>
+            <a:pPr marL="0" indent="0">
+              <a:spcAft>
+                <a:spcPts val="600"/>
+              </a:spcAft>
+              <a:buNone/>
+            </a:pPr>
+            <a:r>
+              <a:rPr lang="en-CA" dirty="0"/>
+              <a:t>We have to assign the right class to our new MPs:</a:t>
+            </a:r>
+          </a:p>
+          <a:p>
+            <a:pPr marL="0" indent="0">
+              <a:spcAft>
+                <a:spcPts val="1800"/>
+              </a:spcAft>
+              <a:buNone/>
+            </a:pPr>
+            <a:r>
+              <a:rPr lang="en-CA" dirty="0">
+                <a:solidFill>
+                  <a:srgbClr val="00B050"/>
+                </a:solidFill>
+              </a:rPr>
+              <a:t>   class(</a:t>
+            </a:r>
+            <a:r>
+              <a:rPr lang="en-CA" dirty="0" err="1">
+                <a:solidFill>
+                  <a:srgbClr val="00B050"/>
+                </a:solidFill>
+              </a:rPr>
+              <a:t>MLTarg</a:t>
+            </a:r>
+            <a:r>
+              <a:rPr lang="en-CA" dirty="0">
+                <a:solidFill>
+                  <a:srgbClr val="00B050"/>
+                </a:solidFill>
+              </a:rPr>
+              <a:t>) = class(Close1) = class(SL95) = “Input”</a:t>
+            </a:r>
+          </a:p>
+          <a:p>
+            <a:pPr marL="0" indent="0">
+              <a:spcAft>
+                <a:spcPts val="0"/>
+              </a:spcAft>
+              <a:buNone/>
+            </a:pPr>
+            <a:r>
+              <a:rPr lang="en-CA" dirty="0"/>
+              <a:t>They have to be visible to DLMtool:</a:t>
+            </a:r>
+            <a:endParaRPr lang="en-CA" dirty="0">
+              <a:solidFill>
+                <a:srgbClr val="00B050"/>
+              </a:solidFill>
+            </a:endParaRPr>
+          </a:p>
+          <a:p>
+            <a:pPr marL="0" indent="0">
+              <a:spcAft>
+                <a:spcPts val="0"/>
+              </a:spcAft>
+              <a:buNone/>
+            </a:pPr>
+            <a:r>
+              <a:rPr lang="en-CA" dirty="0">
+                <a:solidFill>
+                  <a:srgbClr val="00B050"/>
+                </a:solidFill>
+              </a:rPr>
+              <a:t>   environment(</a:t>
+            </a:r>
+            <a:r>
+              <a:rPr lang="en-CA" dirty="0" err="1">
+                <a:solidFill>
+                  <a:srgbClr val="00B050"/>
+                </a:solidFill>
+              </a:rPr>
+              <a:t>MLTarg</a:t>
+            </a:r>
+            <a:r>
+              <a:rPr lang="en-CA" dirty="0">
+                <a:solidFill>
+                  <a:srgbClr val="00B050"/>
+                </a:solidFill>
+              </a:rPr>
+              <a:t>) =  environment(</a:t>
+            </a:r>
+            <a:r>
+              <a:rPr lang="en-CA" dirty="0" err="1">
+                <a:solidFill>
+                  <a:srgbClr val="00B050"/>
+                </a:solidFill>
+              </a:rPr>
+              <a:t>MLTarg</a:t>
+            </a:r>
+            <a:r>
+              <a:rPr lang="en-CA" dirty="0">
+                <a:solidFill>
+                  <a:srgbClr val="00B050"/>
+                </a:solidFill>
+              </a:rPr>
+              <a:t>) =</a:t>
+            </a:r>
+          </a:p>
+          <a:p>
+            <a:pPr marL="0" indent="0">
+              <a:spcAft>
+                <a:spcPts val="2400"/>
+              </a:spcAft>
+              <a:buNone/>
+            </a:pPr>
+            <a:r>
+              <a:rPr lang="en-CA" dirty="0">
+                <a:solidFill>
+                  <a:srgbClr val="00B050"/>
+                </a:solidFill>
+              </a:rPr>
+              <a:t>                                                  environment(SL95) = “DLMtool”</a:t>
+            </a:r>
+          </a:p>
+          <a:p>
+            <a:pPr marL="0" indent="0">
+              <a:spcAft>
+                <a:spcPts val="1800"/>
+              </a:spcAft>
+              <a:buNone/>
+            </a:pPr>
+            <a:r>
+              <a:rPr lang="en-CA" dirty="0"/>
+              <a:t>And they should be compatible with parallel processing:</a:t>
+            </a:r>
+            <a:endParaRPr lang="en-CA" dirty="0">
+              <a:solidFill>
+                <a:srgbClr val="00B050"/>
+              </a:solidFill>
+            </a:endParaRPr>
+          </a:p>
+          <a:p>
+            <a:pPr marL="0" indent="0">
+              <a:spcAft>
+                <a:spcPts val="1800"/>
+              </a:spcAft>
+              <a:buNone/>
+            </a:pPr>
+            <a:r>
+              <a:rPr lang="en-CA" dirty="0">
+                <a:solidFill>
+                  <a:srgbClr val="00B050"/>
+                </a:solidFill>
+              </a:rPr>
+              <a:t>   </a:t>
+            </a:r>
+            <a:r>
+              <a:rPr lang="en-CA" dirty="0" err="1">
+                <a:solidFill>
+                  <a:srgbClr val="00B050"/>
+                </a:solidFill>
+              </a:rPr>
+              <a:t>sfExport</a:t>
+            </a:r>
+            <a:r>
+              <a:rPr lang="en-CA" dirty="0">
+                <a:solidFill>
+                  <a:srgbClr val="00B050"/>
+                </a:solidFill>
+              </a:rPr>
+              <a:t>(list=c(“</a:t>
+            </a:r>
+            <a:r>
+              <a:rPr lang="en-CA" dirty="0" err="1">
+                <a:solidFill>
+                  <a:srgbClr val="00B050"/>
+                </a:solidFill>
+              </a:rPr>
+              <a:t>MLTarg</a:t>
+            </a:r>
+            <a:r>
+              <a:rPr lang="en-CA" dirty="0">
+                <a:solidFill>
+                  <a:srgbClr val="00B050"/>
+                </a:solidFill>
+              </a:rPr>
+              <a:t>”, ”Close1”, ”SL95”))</a:t>
+            </a:r>
+          </a:p>
+        </p:txBody>
+      </p:sp>
+    </p:spTree>
+    <p:extLst>
+      <p:ext uri="{BB962C8B-B14F-4D97-AF65-F5344CB8AC3E}">
+        <p14:creationId xmlns:p14="http://schemas.microsoft.com/office/powerpoint/2010/main" val="3377367511"/>
+      </p:ext>
+    </p:extLst>
+  </p:cSld>
+  <p:clrMapOvr>
+    <a:masterClrMapping/>
+  </p:clrMapOvr>
+</p:sld>
+</file>
+
+<file path=ppt/slides/slide18.xml><?xml version="1.0" encoding="utf-8"?>
+<p:sld xmlns:a="http://schemas.openxmlformats.org/drawingml/2006/main" xmlns:r="http://schemas.openxmlformats.org/officeDocument/2006/relationships" xmlns:p="http://schemas.openxmlformats.org/presentationml/2006/main">
+  <p:cSld>
+    <p:spTree>
+      <p:nvGrpSpPr>
+        <p:cNvPr id="1" name=""/>
+        <p:cNvGrpSpPr/>
+        <p:nvPr/>
+      </p:nvGrpSpPr>
+      <p:grpSpPr>
+        <a:xfrm>
+          <a:off x="0" y="0"/>
+          <a:ext cx="0" cy="0"/>
+          <a:chOff x="0" y="0"/>
+          <a:chExt cx="0" cy="0"/>
+        </a:xfrm>
+      </p:grpSpPr>
+      <p:sp>
+        <p:nvSpPr>
+          <p:cNvPr id="2" name="Title 1"/>
+          <p:cNvSpPr>
+            <a:spLocks noGrp="1"/>
+          </p:cNvSpPr>
+          <p:nvPr>
+            <p:ph type="title"/>
+          </p:nvPr>
+        </p:nvSpPr>
+        <p:spPr>
+          <a:xfrm>
             <a:off x="628650" y="365125"/>
             <a:ext cx="7886700" cy="903635"/>
           </a:xfrm>
@@ -10921,10 +11886,9 @@
           <a:lstStyle/>
           <a:p>
             <a:r>
-              <a:rPr lang="en-CA" dirty="0" smtClean="0"/>
+              <a:rPr lang="en-CA" dirty="0"/>
               <a:t>How did they do for an Albacore OM?</a:t>
             </a:r>
-            <a:endParaRPr lang="en-CA" dirty="0"/>
           </a:p>
         </p:txBody>
       </p:sp>
@@ -11252,7 +12216,7 @@
           <a:p>
             <a:pPr eaLnBrk="1" hangingPunct="1"/>
             <a:r>
-              <a:rPr lang="en-CA" altLang="en-US" dirty="0" smtClean="0">
+              <a:rPr lang="en-CA" altLang="en-US" dirty="0">
                 <a:solidFill>
                   <a:srgbClr val="F6BB00"/>
                 </a:solidFill>
@@ -11290,7 +12254,7 @@
               <a:buAutoNum type="arabicPeriod"/>
             </a:pPr>
             <a:r>
-              <a:rPr lang="en-CA" altLang="en-US" sz="2800" dirty="0" smtClean="0">
+              <a:rPr lang="en-CA" altLang="en-US" sz="2800" dirty="0">
                 <a:solidFill>
                   <a:srgbClr val="27AFE5"/>
                 </a:solidFill>
@@ -11307,7 +12271,7 @@
               <a:buAutoNum type="arabicPeriod"/>
             </a:pPr>
             <a:r>
-              <a:rPr lang="en-CA" altLang="en-US" sz="2800" dirty="0" smtClean="0">
+              <a:rPr lang="en-CA" altLang="en-US" sz="2800" dirty="0">
                 <a:solidFill>
                   <a:srgbClr val="27AFE5"/>
                 </a:solidFill>
@@ -11324,7 +12288,7 @@
               <a:buAutoNum type="arabicPeriod"/>
             </a:pPr>
             <a:r>
-              <a:rPr lang="en-CA" altLang="en-US" sz="2800" dirty="0" smtClean="0">
+              <a:rPr lang="en-CA" altLang="en-US" sz="2800" dirty="0">
                 <a:solidFill>
                   <a:srgbClr val="27AFE5"/>
                 </a:solidFill>
@@ -11341,7 +12305,7 @@
               <a:buAutoNum type="arabicPeriod"/>
             </a:pPr>
             <a:r>
-              <a:rPr lang="en-CA" altLang="en-US" sz="2800" dirty="0" smtClean="0">
+              <a:rPr lang="en-CA" altLang="en-US" sz="2800" dirty="0">
                 <a:solidFill>
                   <a:srgbClr val="27AFE5"/>
                 </a:solidFill>
@@ -11356,13 +12320,6 @@
   <p:clrMapOvr>
     <a:masterClrMapping/>
   </p:clrMapOvr>
-  <p:timing>
-    <p:tnLst>
-      <p:par>
-        <p:cTn id="1" dur="indefinite" restart="never" nodeType="tmRoot"/>
-      </p:par>
-    </p:tnLst>
-  </p:timing>
 </p:sld>
 </file>
 
@@ -11404,10 +12361,9 @@
           <a:lstStyle/>
           <a:p>
             <a:r>
-              <a:rPr lang="en-CA" dirty="0" smtClean="0"/>
+              <a:rPr lang="en-CA" dirty="0"/>
               <a:t>Design of input control MPs (class ‘Input’)</a:t>
             </a:r>
-            <a:endParaRPr lang="en-CA" dirty="0"/>
           </a:p>
         </p:txBody>
       </p:sp>
@@ -11435,7 +12391,7 @@
               <a:buNone/>
             </a:pPr>
             <a:r>
-              <a:rPr lang="en-CA" dirty="0" smtClean="0"/>
+              <a:rPr lang="en-CA" dirty="0"/>
               <a:t>Very similar to output control MPs but rather than returning a vector of TACs that is reps long, input control MPs return a vector of input regulations:</a:t>
             </a:r>
           </a:p>
@@ -11443,14 +12399,14 @@
             <a:pPr marL="0" indent="0">
               <a:buNone/>
             </a:pPr>
-            <a:endParaRPr lang="en-CA" sz="1600" dirty="0" smtClean="0"/>
+            <a:endParaRPr lang="en-CA" sz="1600" dirty="0"/>
           </a:p>
           <a:p>
             <a:pPr marL="0" indent="0">
               <a:buNone/>
             </a:pPr>
             <a:r>
-              <a:rPr lang="en-CA" sz="2000" b="1" dirty="0" err="1" smtClean="0">
+              <a:rPr lang="en-CA" sz="2000" b="1" dirty="0" err="1">
                 <a:solidFill>
                   <a:srgbClr val="00B050"/>
                 </a:solidFill>
@@ -11458,20 +12414,12 @@
               <a:t>AnInputMP</a:t>
             </a:r>
             <a:r>
-              <a:rPr lang="en-CA" sz="2000" b="1" dirty="0" smtClean="0">
-                <a:solidFill>
-                  <a:srgbClr val="00B050"/>
-                </a:solidFill>
-              </a:rPr>
-              <a:t> = </a:t>
-            </a:r>
-            <a:r>
               <a:rPr lang="en-CA" sz="2000" b="1" dirty="0">
                 <a:solidFill>
                   <a:srgbClr val="00B050"/>
                 </a:solidFill>
               </a:rPr>
-              <a:t>function(x, Data, ...) {</a:t>
+              <a:t> = function(x, Data, ...) {</a:t>
             </a:r>
           </a:p>
           <a:p>
@@ -11479,23 +12427,15 @@
               <a:buNone/>
             </a:pPr>
             <a:r>
-              <a:rPr lang="en-CA" sz="2000" b="1" dirty="0" smtClean="0">
-                <a:solidFill>
-                  <a:srgbClr val="00B050"/>
-                </a:solidFill>
-              </a:rPr>
-              <a:t>   </a:t>
-            </a:r>
-            <a:r>
-              <a:rPr lang="en-CA" sz="2000" b="1" dirty="0" smtClean="0">
-                <a:solidFill>
-                  <a:srgbClr val="00B050"/>
-                </a:solidFill>
-              </a:rPr>
-              <a:t>rec = new(‘</a:t>
-            </a:r>
-            <a:r>
-              <a:rPr lang="en-CA" sz="2000" b="1" dirty="0" err="1" smtClean="0">
+              <a:rPr lang="en-CA" sz="2000" b="1" dirty="0">
+                <a:solidFill>
+                  <a:srgbClr val="00B050"/>
+                </a:solidFill>
+              </a:rPr>
+              <a:t>   rec = new(‘</a:t>
+            </a:r>
+            <a:r>
+              <a:rPr lang="en-CA" sz="2000" b="1" dirty="0" err="1">
                 <a:solidFill>
                   <a:srgbClr val="00B050"/>
                 </a:solidFill>
@@ -11503,7 +12443,7 @@
               <a:t>InputRec</a:t>
             </a:r>
             <a:r>
-              <a:rPr lang="en-CA" sz="2000" b="1" dirty="0" smtClean="0">
+              <a:rPr lang="en-CA" sz="2000" b="1" dirty="0">
                 <a:solidFill>
                   <a:srgbClr val="00B050"/>
                 </a:solidFill>
@@ -11516,31 +12456,15 @@
               <a:buNone/>
             </a:pPr>
             <a:r>
-              <a:rPr lang="en-CA" sz="2000" b="1" dirty="0" smtClean="0">
-                <a:solidFill>
-                  <a:srgbClr val="00B050"/>
-                </a:solidFill>
-              </a:rPr>
-              <a:t>  &lt; </a:t>
-            </a:r>
-            <a:r>
-              <a:rPr lang="en-CA" sz="2000" b="1" dirty="0" smtClean="0">
-                <a:solidFill>
-                  <a:srgbClr val="00B050"/>
-                </a:solidFill>
-              </a:rPr>
-              <a:t>code for calculating </a:t>
-            </a:r>
-            <a:r>
-              <a:rPr lang="en-CA" sz="2000" b="1" dirty="0" smtClean="0">
-                <a:solidFill>
-                  <a:srgbClr val="00B050"/>
-                </a:solidFill>
-              </a:rPr>
-              <a:t>Effort, Spatial, Allocate LR5, LFR, HS, </a:t>
-            </a:r>
-            <a:r>
-              <a:rPr lang="en-CA" sz="2000" b="1" dirty="0" err="1" smtClean="0">
+              <a:rPr lang="en-CA" sz="2000" b="1" dirty="0">
+                <a:solidFill>
+                  <a:srgbClr val="00B050"/>
+                </a:solidFill>
+              </a:rPr>
+              <a:t>  &lt; code for calculating Effort, Spatial, Allocate LR5, LFR, HS, </a:t>
+            </a:r>
+            <a:r>
+              <a:rPr lang="en-CA" sz="2000" b="1" dirty="0" err="1">
                 <a:solidFill>
                   <a:srgbClr val="00B050"/>
                 </a:solidFill>
@@ -11548,20 +12472,12 @@
               <a:t>Rmaxlen</a:t>
             </a:r>
             <a:r>
-              <a:rPr lang="en-CA" sz="2000" b="1" dirty="0" smtClean="0">
-                <a:solidFill>
-                  <a:srgbClr val="00B050"/>
-                </a:solidFill>
-              </a:rPr>
-              <a:t>,        	based </a:t>
-            </a:r>
-            <a:r>
-              <a:rPr lang="en-CA" sz="2000" b="1" dirty="0" smtClean="0">
-                <a:solidFill>
-                  <a:srgbClr val="00B050"/>
-                </a:solidFill>
-              </a:rPr>
-              <a:t>on simulation x of Data &gt;</a:t>
+              <a:rPr lang="en-CA" sz="2000" b="1" dirty="0">
+                <a:solidFill>
+                  <a:srgbClr val="00B050"/>
+                </a:solidFill>
+              </a:rPr>
+              <a:t>,        	based on simulation x of Data &gt;</a:t>
             </a:r>
           </a:p>
           <a:p>
@@ -11574,29 +12490,8 @@
                   <a:srgbClr val="00B050"/>
                 </a:solidFill>
               </a:rPr>
-              <a:t> </a:t>
-            </a:r>
-            <a:r>
-              <a:rPr lang="en-CA" sz="2000" b="1" dirty="0" smtClean="0">
-                <a:solidFill>
-                  <a:srgbClr val="00B050"/>
-                </a:solidFill>
-              </a:rPr>
-              <a:t>  </a:t>
-            </a:r>
-            <a:r>
-              <a:rPr lang="en-CA" sz="2000" b="1" dirty="0" smtClean="0">
-                <a:solidFill>
-                  <a:srgbClr val="00B050"/>
-                </a:solidFill>
-              </a:rPr>
-              <a:t>rec</a:t>
-            </a:r>
-            <a:endParaRPr lang="en-CA" sz="2000" b="1" dirty="0">
-              <a:solidFill>
-                <a:srgbClr val="00B050"/>
-              </a:solidFill>
-            </a:endParaRPr>
+              <a:t>   rec</a:t>
+            </a:r>
           </a:p>
           <a:p>
             <a:pPr marL="0" indent="0">
@@ -11621,7 +12516,7 @@
             <a:pPr marL="0" indent="0">
               <a:buNone/>
             </a:pPr>
-            <a:endParaRPr lang="en-CA" dirty="0" smtClean="0"/>
+            <a:endParaRPr lang="en-CA" dirty="0"/>
           </a:p>
           <a:p>
             <a:pPr marL="0" indent="0">
@@ -11695,7 +12590,7 @@
               </a:spcAft>
             </a:pPr>
             <a:r>
-              <a:rPr lang="en-CA" sz="2400" dirty="0" smtClean="0">
+              <a:rPr lang="en-CA" sz="2400" dirty="0">
                 <a:solidFill>
                   <a:srgbClr val="126D96"/>
                 </a:solidFill>
@@ -11705,7 +12600,7 @@
           </a:p>
           <a:p>
             <a:r>
-              <a:rPr lang="en-CA" sz="2400" dirty="0" smtClean="0">
+              <a:rPr lang="en-CA" sz="2400" dirty="0">
                 <a:solidFill>
                   <a:srgbClr val="126D96"/>
                 </a:solidFill>
@@ -11713,18 +12608,13 @@
               <a:t>A number: e.g. </a:t>
             </a:r>
             <a:r>
-              <a:rPr lang="en-CA" sz="2400" b="1" dirty="0" smtClean="0">
+              <a:rPr lang="en-CA" sz="2400" b="1" dirty="0">
                 <a:solidFill>
                   <a:srgbClr val="00B050"/>
                 </a:solidFill>
               </a:rPr>
               <a:t>Effort = 0.9</a:t>
             </a:r>
-            <a:endParaRPr lang="en-CA" sz="2400" b="1" dirty="0">
-              <a:solidFill>
-                <a:srgbClr val="00B050"/>
-              </a:solidFill>
-            </a:endParaRPr>
           </a:p>
         </p:txBody>
       </p:sp>
@@ -11900,10 +12790,9 @@
           <a:lstStyle/>
           <a:p>
             <a:r>
-              <a:rPr lang="en-CA" dirty="0" smtClean="0"/>
+              <a:rPr lang="en-CA" dirty="0"/>
               <a:t>Design of input control MPs (class ‘Input’)</a:t>
             </a:r>
-            <a:endParaRPr lang="en-CA" dirty="0"/>
           </a:p>
         </p:txBody>
       </p:sp>
@@ -11931,7 +12820,7 @@
               <a:buNone/>
             </a:pPr>
             <a:r>
-              <a:rPr lang="en-CA" dirty="0" smtClean="0"/>
+              <a:rPr lang="en-CA" dirty="0"/>
               <a:t>Very similar to output control MPs but rather than returning a vector of TACs that is reps long, input control MPs return a vector of input regulations:</a:t>
             </a:r>
           </a:p>
@@ -11939,14 +12828,14 @@
             <a:pPr marL="0" indent="0">
               <a:buNone/>
             </a:pPr>
-            <a:endParaRPr lang="en-CA" sz="1600" dirty="0" smtClean="0"/>
+            <a:endParaRPr lang="en-CA" sz="1600" dirty="0"/>
           </a:p>
           <a:p>
             <a:pPr marL="0" indent="0">
               <a:buNone/>
             </a:pPr>
             <a:r>
-              <a:rPr lang="en-CA" sz="2000" b="1" dirty="0" err="1" smtClean="0">
+              <a:rPr lang="en-CA" sz="2000" b="1" dirty="0" err="1">
                 <a:solidFill>
                   <a:srgbClr val="00B050"/>
                 </a:solidFill>
@@ -11954,20 +12843,12 @@
               <a:t>AnInputMP</a:t>
             </a:r>
             <a:r>
-              <a:rPr lang="en-CA" sz="2000" b="1" dirty="0" smtClean="0">
-                <a:solidFill>
-                  <a:srgbClr val="00B050"/>
-                </a:solidFill>
-              </a:rPr>
-              <a:t> = </a:t>
-            </a:r>
-            <a:r>
               <a:rPr lang="en-CA" sz="2000" b="1" dirty="0">
                 <a:solidFill>
                   <a:srgbClr val="00B050"/>
                 </a:solidFill>
               </a:rPr>
-              <a:t>function(x, Data, ...) {</a:t>
+              <a:t> = function(x, Data, ...) {</a:t>
             </a:r>
           </a:p>
           <a:p>
@@ -11975,23 +12856,15 @@
               <a:buNone/>
             </a:pPr>
             <a:r>
-              <a:rPr lang="en-CA" sz="2000" b="1" dirty="0" smtClean="0">
-                <a:solidFill>
-                  <a:srgbClr val="00B050"/>
-                </a:solidFill>
-              </a:rPr>
-              <a:t>   </a:t>
-            </a:r>
-            <a:r>
-              <a:rPr lang="en-CA" sz="2000" b="1" dirty="0" smtClean="0">
-                <a:solidFill>
-                  <a:srgbClr val="00B050"/>
-                </a:solidFill>
-              </a:rPr>
-              <a:t>rec = new(‘</a:t>
-            </a:r>
-            <a:r>
-              <a:rPr lang="en-CA" sz="2000" b="1" dirty="0" err="1" smtClean="0">
+              <a:rPr lang="en-CA" sz="2000" b="1" dirty="0">
+                <a:solidFill>
+                  <a:srgbClr val="00B050"/>
+                </a:solidFill>
+              </a:rPr>
+              <a:t>   rec = new(‘</a:t>
+            </a:r>
+            <a:r>
+              <a:rPr lang="en-CA" sz="2000" b="1" dirty="0" err="1">
                 <a:solidFill>
                   <a:srgbClr val="00B050"/>
                 </a:solidFill>
@@ -11999,7 +12872,7 @@
               <a:t>InputRec</a:t>
             </a:r>
             <a:r>
-              <a:rPr lang="en-CA" sz="2000" b="1" dirty="0" smtClean="0">
+              <a:rPr lang="en-CA" sz="2000" b="1" dirty="0">
                 <a:solidFill>
                   <a:srgbClr val="00B050"/>
                 </a:solidFill>
@@ -12012,31 +12885,15 @@
               <a:buNone/>
             </a:pPr>
             <a:r>
-              <a:rPr lang="en-CA" sz="2000" b="1" dirty="0" smtClean="0">
-                <a:solidFill>
-                  <a:srgbClr val="00B050"/>
-                </a:solidFill>
-              </a:rPr>
-              <a:t>  &lt; </a:t>
-            </a:r>
-            <a:r>
-              <a:rPr lang="en-CA" sz="2000" b="1" dirty="0" smtClean="0">
-                <a:solidFill>
-                  <a:srgbClr val="00B050"/>
-                </a:solidFill>
-              </a:rPr>
-              <a:t>code for calculating </a:t>
-            </a:r>
-            <a:r>
-              <a:rPr lang="en-CA" sz="2000" b="1" dirty="0" smtClean="0">
-                <a:solidFill>
-                  <a:srgbClr val="00B050"/>
-                </a:solidFill>
-              </a:rPr>
-              <a:t>Effort, Spatial, Allocate LR5, LFR, HS, </a:t>
-            </a:r>
-            <a:r>
-              <a:rPr lang="en-CA" sz="2000" b="1" dirty="0" err="1" smtClean="0">
+              <a:rPr lang="en-CA" sz="2000" b="1" dirty="0">
+                <a:solidFill>
+                  <a:srgbClr val="00B050"/>
+                </a:solidFill>
+              </a:rPr>
+              <a:t>  &lt; code for calculating Effort, Spatial, Allocate LR5, LFR, HS, </a:t>
+            </a:r>
+            <a:r>
+              <a:rPr lang="en-CA" sz="2000" b="1" dirty="0" err="1">
                 <a:solidFill>
                   <a:srgbClr val="00B050"/>
                 </a:solidFill>
@@ -12044,20 +12901,12 @@
               <a:t>Rmaxlen</a:t>
             </a:r>
             <a:r>
-              <a:rPr lang="en-CA" sz="2000" b="1" dirty="0" smtClean="0">
-                <a:solidFill>
-                  <a:srgbClr val="00B050"/>
-                </a:solidFill>
-              </a:rPr>
-              <a:t>,        	based </a:t>
-            </a:r>
-            <a:r>
-              <a:rPr lang="en-CA" sz="2000" b="1" dirty="0" smtClean="0">
-                <a:solidFill>
-                  <a:srgbClr val="00B050"/>
-                </a:solidFill>
-              </a:rPr>
-              <a:t>on simulation x of Data &gt;</a:t>
+              <a:rPr lang="en-CA" sz="2000" b="1" dirty="0">
+                <a:solidFill>
+                  <a:srgbClr val="00B050"/>
+                </a:solidFill>
+              </a:rPr>
+              <a:t>,        	based on simulation x of Data &gt;</a:t>
             </a:r>
           </a:p>
           <a:p>
@@ -12070,29 +12919,8 @@
                   <a:srgbClr val="00B050"/>
                 </a:solidFill>
               </a:rPr>
-              <a:t> </a:t>
-            </a:r>
-            <a:r>
-              <a:rPr lang="en-CA" sz="2000" b="1" dirty="0" smtClean="0">
-                <a:solidFill>
-                  <a:srgbClr val="00B050"/>
-                </a:solidFill>
-              </a:rPr>
-              <a:t>  </a:t>
-            </a:r>
-            <a:r>
-              <a:rPr lang="en-CA" sz="2000" b="1" dirty="0" smtClean="0">
-                <a:solidFill>
-                  <a:srgbClr val="00B050"/>
-                </a:solidFill>
-              </a:rPr>
-              <a:t>rec</a:t>
-            </a:r>
-            <a:endParaRPr lang="en-CA" sz="2000" b="1" dirty="0">
-              <a:solidFill>
-                <a:srgbClr val="00B050"/>
-              </a:solidFill>
-            </a:endParaRPr>
+              <a:t>   rec</a:t>
+            </a:r>
           </a:p>
           <a:p>
             <a:pPr marL="0" indent="0">
@@ -12117,7 +12945,7 @@
             <a:pPr marL="0" indent="0">
               <a:buNone/>
             </a:pPr>
-            <a:endParaRPr lang="en-CA" dirty="0" smtClean="0"/>
+            <a:endParaRPr lang="en-CA" dirty="0"/>
           </a:p>
           <a:p>
             <a:pPr marL="0" indent="0">
@@ -12191,7 +13019,7 @@
               </a:spcAft>
             </a:pPr>
             <a:r>
-              <a:rPr lang="en-CA" sz="2400" dirty="0" smtClean="0">
+              <a:rPr lang="en-CA" sz="2400" dirty="0">
                 <a:solidFill>
                   <a:srgbClr val="126D96"/>
                 </a:solidFill>
@@ -12201,7 +13029,7 @@
           </a:p>
           <a:p>
             <a:r>
-              <a:rPr lang="en-CA" sz="2400" dirty="0" smtClean="0">
+              <a:rPr lang="en-CA" sz="2400" dirty="0">
                 <a:solidFill>
                   <a:srgbClr val="126D96"/>
                 </a:solidFill>
@@ -12209,18 +13037,13 @@
               <a:t>A vector 2-long: e.g. </a:t>
             </a:r>
             <a:r>
-              <a:rPr lang="en-CA" sz="2400" b="1" dirty="0" smtClean="0">
+              <a:rPr lang="en-CA" sz="2400" b="1" dirty="0">
                 <a:solidFill>
                   <a:srgbClr val="00B050"/>
                 </a:solidFill>
               </a:rPr>
               <a:t>Spatial = c(0.5, 1)</a:t>
             </a:r>
-            <a:endParaRPr lang="en-CA" sz="2400" b="1" dirty="0">
-              <a:solidFill>
-                <a:srgbClr val="00B050"/>
-              </a:solidFill>
-            </a:endParaRPr>
           </a:p>
         </p:txBody>
       </p:sp>
@@ -12234,13 +13057,6 @@
   <p:clrMapOvr>
     <a:masterClrMapping/>
   </p:clrMapOvr>
-  <p:timing>
-    <p:tnLst>
-      <p:par>
-        <p:cTn id="1" dur="indefinite" restart="never" nodeType="tmRoot"/>
-      </p:par>
-    </p:tnLst>
-  </p:timing>
 </p:sld>
 </file>
 
@@ -12282,10 +13098,9 @@
           <a:lstStyle/>
           <a:p>
             <a:r>
-              <a:rPr lang="en-CA" dirty="0" smtClean="0"/>
+              <a:rPr lang="en-CA" dirty="0"/>
               <a:t>Design of input control MPs (class ‘Input’)</a:t>
             </a:r>
-            <a:endParaRPr lang="en-CA" dirty="0"/>
           </a:p>
         </p:txBody>
       </p:sp>
@@ -12313,7 +13128,7 @@
               <a:buNone/>
             </a:pPr>
             <a:r>
-              <a:rPr lang="en-CA" dirty="0" smtClean="0"/>
+              <a:rPr lang="en-CA" dirty="0"/>
               <a:t>Very similar to output control MPs but rather than returning a vector of TACs that is reps long, input control MPs return a vector of input regulations:</a:t>
             </a:r>
           </a:p>
@@ -12321,14 +13136,14 @@
             <a:pPr marL="0" indent="0">
               <a:buNone/>
             </a:pPr>
-            <a:endParaRPr lang="en-CA" sz="1600" dirty="0" smtClean="0"/>
+            <a:endParaRPr lang="en-CA" sz="1600" dirty="0"/>
           </a:p>
           <a:p>
             <a:pPr marL="0" indent="0">
               <a:buNone/>
             </a:pPr>
             <a:r>
-              <a:rPr lang="en-CA" sz="2000" b="1" dirty="0" err="1" smtClean="0">
+              <a:rPr lang="en-CA" sz="2000" b="1" dirty="0" err="1">
                 <a:solidFill>
                   <a:srgbClr val="00B050"/>
                 </a:solidFill>
@@ -12336,20 +13151,12 @@
               <a:t>AnInputMP</a:t>
             </a:r>
             <a:r>
-              <a:rPr lang="en-CA" sz="2000" b="1" dirty="0" smtClean="0">
-                <a:solidFill>
-                  <a:srgbClr val="00B050"/>
-                </a:solidFill>
-              </a:rPr>
-              <a:t> = </a:t>
-            </a:r>
-            <a:r>
               <a:rPr lang="en-CA" sz="2000" b="1" dirty="0">
                 <a:solidFill>
                   <a:srgbClr val="00B050"/>
                 </a:solidFill>
               </a:rPr>
-              <a:t>function(x, Data, ...) {</a:t>
+              <a:t> = function(x, Data, ...) {</a:t>
             </a:r>
           </a:p>
           <a:p>
@@ -12357,23 +13164,15 @@
               <a:buNone/>
             </a:pPr>
             <a:r>
-              <a:rPr lang="en-CA" sz="2000" b="1" dirty="0" smtClean="0">
-                <a:solidFill>
-                  <a:srgbClr val="00B050"/>
-                </a:solidFill>
-              </a:rPr>
-              <a:t>   </a:t>
-            </a:r>
-            <a:r>
-              <a:rPr lang="en-CA" sz="2000" b="1" dirty="0" smtClean="0">
-                <a:solidFill>
-                  <a:srgbClr val="00B050"/>
-                </a:solidFill>
-              </a:rPr>
-              <a:t>rec = new(‘</a:t>
-            </a:r>
-            <a:r>
-              <a:rPr lang="en-CA" sz="2000" b="1" dirty="0" err="1" smtClean="0">
+              <a:rPr lang="en-CA" sz="2000" b="1" dirty="0">
+                <a:solidFill>
+                  <a:srgbClr val="00B050"/>
+                </a:solidFill>
+              </a:rPr>
+              <a:t>   rec = new(‘</a:t>
+            </a:r>
+            <a:r>
+              <a:rPr lang="en-CA" sz="2000" b="1" dirty="0" err="1">
                 <a:solidFill>
                   <a:srgbClr val="00B050"/>
                 </a:solidFill>
@@ -12381,7 +13180,7 @@
               <a:t>InputRec</a:t>
             </a:r>
             <a:r>
-              <a:rPr lang="en-CA" sz="2000" b="1" dirty="0" smtClean="0">
+              <a:rPr lang="en-CA" sz="2000" b="1" dirty="0">
                 <a:solidFill>
                   <a:srgbClr val="00B050"/>
                 </a:solidFill>
@@ -12394,31 +13193,15 @@
               <a:buNone/>
             </a:pPr>
             <a:r>
-              <a:rPr lang="en-CA" sz="2000" b="1" dirty="0" smtClean="0">
-                <a:solidFill>
-                  <a:srgbClr val="00B050"/>
-                </a:solidFill>
-              </a:rPr>
-              <a:t>  &lt; </a:t>
-            </a:r>
-            <a:r>
-              <a:rPr lang="en-CA" sz="2000" b="1" dirty="0" smtClean="0">
-                <a:solidFill>
-                  <a:srgbClr val="00B050"/>
-                </a:solidFill>
-              </a:rPr>
-              <a:t>code for calculating </a:t>
-            </a:r>
-            <a:r>
-              <a:rPr lang="en-CA" sz="2000" b="1" dirty="0" smtClean="0">
-                <a:solidFill>
-                  <a:srgbClr val="00B050"/>
-                </a:solidFill>
-              </a:rPr>
-              <a:t>Effort, Spatial, Allocate LR5, LFR, HS, </a:t>
-            </a:r>
-            <a:r>
-              <a:rPr lang="en-CA" sz="2000" b="1" dirty="0" err="1" smtClean="0">
+              <a:rPr lang="en-CA" sz="2000" b="1" dirty="0">
+                <a:solidFill>
+                  <a:srgbClr val="00B050"/>
+                </a:solidFill>
+              </a:rPr>
+              <a:t>  &lt; code for calculating Effort, Spatial, Allocate LR5, LFR, HS, </a:t>
+            </a:r>
+            <a:r>
+              <a:rPr lang="en-CA" sz="2000" b="1" dirty="0" err="1">
                 <a:solidFill>
                   <a:srgbClr val="00B050"/>
                 </a:solidFill>
@@ -12426,20 +13209,12 @@
               <a:t>Rmaxlen</a:t>
             </a:r>
             <a:r>
-              <a:rPr lang="en-CA" sz="2000" b="1" dirty="0" smtClean="0">
-                <a:solidFill>
-                  <a:srgbClr val="00B050"/>
-                </a:solidFill>
-              </a:rPr>
-              <a:t>,        	based </a:t>
-            </a:r>
-            <a:r>
-              <a:rPr lang="en-CA" sz="2000" b="1" dirty="0" smtClean="0">
-                <a:solidFill>
-                  <a:srgbClr val="00B050"/>
-                </a:solidFill>
-              </a:rPr>
-              <a:t>on simulation x of Data &gt;</a:t>
+              <a:rPr lang="en-CA" sz="2000" b="1" dirty="0">
+                <a:solidFill>
+                  <a:srgbClr val="00B050"/>
+                </a:solidFill>
+              </a:rPr>
+              <a:t>,        	based on simulation x of Data &gt;</a:t>
             </a:r>
           </a:p>
           <a:p>
@@ -12452,29 +13227,8 @@
                   <a:srgbClr val="00B050"/>
                 </a:solidFill>
               </a:rPr>
-              <a:t> </a:t>
-            </a:r>
-            <a:r>
-              <a:rPr lang="en-CA" sz="2000" b="1" dirty="0" smtClean="0">
-                <a:solidFill>
-                  <a:srgbClr val="00B050"/>
-                </a:solidFill>
-              </a:rPr>
-              <a:t>  </a:t>
-            </a:r>
-            <a:r>
-              <a:rPr lang="en-CA" sz="2000" b="1" dirty="0" smtClean="0">
-                <a:solidFill>
-                  <a:srgbClr val="00B050"/>
-                </a:solidFill>
-              </a:rPr>
-              <a:t>rec</a:t>
-            </a:r>
-            <a:endParaRPr lang="en-CA" sz="2000" b="1" dirty="0">
-              <a:solidFill>
-                <a:srgbClr val="00B050"/>
-              </a:solidFill>
-            </a:endParaRPr>
+              <a:t>   rec</a:t>
+            </a:r>
           </a:p>
           <a:p>
             <a:pPr marL="0" indent="0">
@@ -12499,7 +13253,7 @@
             <a:pPr marL="0" indent="0">
               <a:buNone/>
             </a:pPr>
-            <a:endParaRPr lang="en-CA" dirty="0" smtClean="0"/>
+            <a:endParaRPr lang="en-CA" dirty="0"/>
           </a:p>
           <a:p>
             <a:pPr marL="0" indent="0">
@@ -12573,7 +13327,7 @@
               </a:spcAft>
             </a:pPr>
             <a:r>
-              <a:rPr lang="en-CA" sz="2400" dirty="0" smtClean="0">
+              <a:rPr lang="en-CA" sz="2400" dirty="0">
                 <a:solidFill>
                   <a:srgbClr val="126D96"/>
                 </a:solidFill>
@@ -12583,7 +13337,7 @@
           </a:p>
           <a:p>
             <a:r>
-              <a:rPr lang="en-CA" sz="2400" dirty="0" smtClean="0">
+              <a:rPr lang="en-CA" sz="2400" dirty="0">
                 <a:solidFill>
                   <a:srgbClr val="126D96"/>
                 </a:solidFill>
@@ -12591,18 +13345,13 @@
               <a:t>A number: e.g. </a:t>
             </a:r>
             <a:r>
-              <a:rPr lang="en-CA" sz="2400" b="1" dirty="0" smtClean="0">
+              <a:rPr lang="en-CA" sz="2400" b="1" dirty="0">
                 <a:solidFill>
                   <a:srgbClr val="00B050"/>
                 </a:solidFill>
               </a:rPr>
               <a:t>Allocate = 0.5</a:t>
             </a:r>
-            <a:endParaRPr lang="en-CA" sz="2400" b="1" dirty="0">
-              <a:solidFill>
-                <a:srgbClr val="00B050"/>
-              </a:solidFill>
-            </a:endParaRPr>
           </a:p>
         </p:txBody>
       </p:sp>
@@ -12616,13 +13365,6 @@
   <p:clrMapOvr>
     <a:masterClrMapping/>
   </p:clrMapOvr>
-  <p:timing>
-    <p:tnLst>
-      <p:par>
-        <p:cTn id="1" dur="indefinite" restart="never" nodeType="tmRoot"/>
-      </p:par>
-    </p:tnLst>
-  </p:timing>
 </p:sld>
 </file>
 
@@ -12664,10 +13406,9 @@
           <a:lstStyle/>
           <a:p>
             <a:r>
-              <a:rPr lang="en-CA" dirty="0" smtClean="0"/>
+              <a:rPr lang="en-CA" dirty="0"/>
               <a:t>Design of input control MPs (class ‘Input’)</a:t>
             </a:r>
-            <a:endParaRPr lang="en-CA" dirty="0"/>
           </a:p>
         </p:txBody>
       </p:sp>
@@ -12695,7 +13436,7 @@
               <a:buNone/>
             </a:pPr>
             <a:r>
-              <a:rPr lang="en-CA" dirty="0" smtClean="0"/>
+              <a:rPr lang="en-CA" dirty="0"/>
               <a:t>Very similar to output control MPs but rather than returning a vector of TACs that is reps long, input control MPs return a vector of input regulations:</a:t>
             </a:r>
           </a:p>
@@ -12703,14 +13444,14 @@
             <a:pPr marL="0" indent="0">
               <a:buNone/>
             </a:pPr>
-            <a:endParaRPr lang="en-CA" sz="1600" dirty="0" smtClean="0"/>
+            <a:endParaRPr lang="en-CA" sz="1600" dirty="0"/>
           </a:p>
           <a:p>
             <a:pPr marL="0" indent="0">
               <a:buNone/>
             </a:pPr>
             <a:r>
-              <a:rPr lang="en-CA" sz="2000" b="1" dirty="0" err="1" smtClean="0">
+              <a:rPr lang="en-CA" sz="2000" b="1" dirty="0" err="1">
                 <a:solidFill>
                   <a:srgbClr val="00B050"/>
                 </a:solidFill>
@@ -12718,20 +13459,12 @@
               <a:t>AnInputMP</a:t>
             </a:r>
             <a:r>
-              <a:rPr lang="en-CA" sz="2000" b="1" dirty="0" smtClean="0">
-                <a:solidFill>
-                  <a:srgbClr val="00B050"/>
-                </a:solidFill>
-              </a:rPr>
-              <a:t> = </a:t>
-            </a:r>
-            <a:r>
               <a:rPr lang="en-CA" sz="2000" b="1" dirty="0">
                 <a:solidFill>
                   <a:srgbClr val="00B050"/>
                 </a:solidFill>
               </a:rPr>
-              <a:t>function(x, Data, ...) {</a:t>
+              <a:t> = function(x, Data, ...) {</a:t>
             </a:r>
           </a:p>
           <a:p>
@@ -12739,23 +13472,15 @@
               <a:buNone/>
             </a:pPr>
             <a:r>
-              <a:rPr lang="en-CA" sz="2000" b="1" dirty="0" smtClean="0">
-                <a:solidFill>
-                  <a:srgbClr val="00B050"/>
-                </a:solidFill>
-              </a:rPr>
-              <a:t>   </a:t>
-            </a:r>
-            <a:r>
-              <a:rPr lang="en-CA" sz="2000" b="1" dirty="0" smtClean="0">
-                <a:solidFill>
-                  <a:srgbClr val="00B050"/>
-                </a:solidFill>
-              </a:rPr>
-              <a:t>rec = new(‘</a:t>
-            </a:r>
-            <a:r>
-              <a:rPr lang="en-CA" sz="2000" b="1" dirty="0" err="1" smtClean="0">
+              <a:rPr lang="en-CA" sz="2000" b="1" dirty="0">
+                <a:solidFill>
+                  <a:srgbClr val="00B050"/>
+                </a:solidFill>
+              </a:rPr>
+              <a:t>   rec = new(‘</a:t>
+            </a:r>
+            <a:r>
+              <a:rPr lang="en-CA" sz="2000" b="1" dirty="0" err="1">
                 <a:solidFill>
                   <a:srgbClr val="00B050"/>
                 </a:solidFill>
@@ -12763,7 +13488,7 @@
               <a:t>InputRec</a:t>
             </a:r>
             <a:r>
-              <a:rPr lang="en-CA" sz="2000" b="1" dirty="0" smtClean="0">
+              <a:rPr lang="en-CA" sz="2000" b="1" dirty="0">
                 <a:solidFill>
                   <a:srgbClr val="00B050"/>
                 </a:solidFill>
@@ -12776,31 +13501,15 @@
               <a:buNone/>
             </a:pPr>
             <a:r>
-              <a:rPr lang="en-CA" sz="2000" b="1" dirty="0" smtClean="0">
-                <a:solidFill>
-                  <a:srgbClr val="00B050"/>
-                </a:solidFill>
-              </a:rPr>
-              <a:t>  &lt; </a:t>
-            </a:r>
-            <a:r>
-              <a:rPr lang="en-CA" sz="2000" b="1" dirty="0" smtClean="0">
-                <a:solidFill>
-                  <a:srgbClr val="00B050"/>
-                </a:solidFill>
-              </a:rPr>
-              <a:t>code for calculating </a:t>
-            </a:r>
-            <a:r>
-              <a:rPr lang="en-CA" sz="2000" b="1" dirty="0" smtClean="0">
-                <a:solidFill>
-                  <a:srgbClr val="00B050"/>
-                </a:solidFill>
-              </a:rPr>
-              <a:t>Effort, Spatial, Allocate LR5, LFR, HS, </a:t>
-            </a:r>
-            <a:r>
-              <a:rPr lang="en-CA" sz="2000" b="1" dirty="0" err="1" smtClean="0">
+              <a:rPr lang="en-CA" sz="2000" b="1" dirty="0">
+                <a:solidFill>
+                  <a:srgbClr val="00B050"/>
+                </a:solidFill>
+              </a:rPr>
+              <a:t>  &lt; code for calculating Effort, Spatial, Allocate LR5, LFR, HS, </a:t>
+            </a:r>
+            <a:r>
+              <a:rPr lang="en-CA" sz="2000" b="1" dirty="0" err="1">
                 <a:solidFill>
                   <a:srgbClr val="00B050"/>
                 </a:solidFill>
@@ -12808,20 +13517,12 @@
               <a:t>Rmaxlen</a:t>
             </a:r>
             <a:r>
-              <a:rPr lang="en-CA" sz="2000" b="1" dirty="0" smtClean="0">
-                <a:solidFill>
-                  <a:srgbClr val="00B050"/>
-                </a:solidFill>
-              </a:rPr>
-              <a:t>,        	based </a:t>
-            </a:r>
-            <a:r>
-              <a:rPr lang="en-CA" sz="2000" b="1" dirty="0" smtClean="0">
-                <a:solidFill>
-                  <a:srgbClr val="00B050"/>
-                </a:solidFill>
-              </a:rPr>
-              <a:t>on simulation x of Data &gt;</a:t>
+              <a:rPr lang="en-CA" sz="2000" b="1" dirty="0">
+                <a:solidFill>
+                  <a:srgbClr val="00B050"/>
+                </a:solidFill>
+              </a:rPr>
+              <a:t>,        	based on simulation x of Data &gt;</a:t>
             </a:r>
           </a:p>
           <a:p>
@@ -12834,29 +13535,8 @@
                   <a:srgbClr val="00B050"/>
                 </a:solidFill>
               </a:rPr>
-              <a:t> </a:t>
-            </a:r>
-            <a:r>
-              <a:rPr lang="en-CA" sz="2000" b="1" dirty="0" smtClean="0">
-                <a:solidFill>
-                  <a:srgbClr val="00B050"/>
-                </a:solidFill>
-              </a:rPr>
-              <a:t>  </a:t>
-            </a:r>
-            <a:r>
-              <a:rPr lang="en-CA" sz="2000" b="1" dirty="0" smtClean="0">
-                <a:solidFill>
-                  <a:srgbClr val="00B050"/>
-                </a:solidFill>
-              </a:rPr>
-              <a:t>rec</a:t>
-            </a:r>
-            <a:endParaRPr lang="en-CA" sz="2000" b="1" dirty="0">
-              <a:solidFill>
-                <a:srgbClr val="00B050"/>
-              </a:solidFill>
-            </a:endParaRPr>
+              <a:t>   rec</a:t>
+            </a:r>
           </a:p>
           <a:p>
             <a:pPr marL="0" indent="0">
@@ -12881,7 +13561,7 @@
             <a:pPr marL="0" indent="0">
               <a:buNone/>
             </a:pPr>
-            <a:endParaRPr lang="en-CA" dirty="0" smtClean="0"/>
+            <a:endParaRPr lang="en-CA" dirty="0"/>
           </a:p>
           <a:p>
             <a:pPr marL="0" indent="0">
@@ -12955,49 +13635,31 @@
               </a:spcAft>
             </a:pPr>
             <a:r>
-              <a:rPr lang="en-CA" sz="2400" dirty="0" smtClean="0">
+              <a:rPr lang="en-CA" sz="2400" dirty="0">
                 <a:solidFill>
                   <a:srgbClr val="126D96"/>
                 </a:solidFill>
               </a:rPr>
-              <a:t>The </a:t>
-            </a:r>
-            <a:r>
-              <a:rPr lang="en-CA" sz="2400" dirty="0" smtClean="0">
+              <a:t>The length at 5% retention </a:t>
+            </a:r>
+          </a:p>
+          <a:p>
+            <a:r>
+              <a:rPr lang="en-CA" sz="2400" dirty="0">
                 <a:solidFill>
                   <a:srgbClr val="126D96"/>
                 </a:solidFill>
               </a:rPr>
-              <a:t>length at 5% retention </a:t>
-            </a:r>
-            <a:endParaRPr lang="en-CA" sz="2400" dirty="0" smtClean="0">
-              <a:solidFill>
-                <a:srgbClr val="126D96"/>
-              </a:solidFill>
-            </a:endParaRPr>
-          </a:p>
-          <a:p>
-            <a:r>
-              <a:rPr lang="en-CA" sz="2400" dirty="0" smtClean="0">
-                <a:solidFill>
-                  <a:srgbClr val="126D96"/>
-                </a:solidFill>
-              </a:rPr>
               <a:t>A number: e.g. </a:t>
             </a:r>
             <a:r>
-              <a:rPr lang="en-CA" sz="2400" b="1" dirty="0" smtClean="0">
+              <a:rPr lang="en-CA" sz="2400" b="1" dirty="0">
                 <a:solidFill>
                   <a:srgbClr val="00B050"/>
                 </a:solidFill>
               </a:rPr>
               <a:t>LR5= 57.8</a:t>
             </a:r>
-            <a:endParaRPr lang="en-CA" sz="2400" b="1" dirty="0">
-              <a:solidFill>
-                <a:srgbClr val="00B050"/>
-              </a:solidFill>
-            </a:endParaRPr>
           </a:p>
         </p:txBody>
       </p:sp>
@@ -13011,13 +13673,6 @@
   <p:clrMapOvr>
     <a:masterClrMapping/>
   </p:clrMapOvr>
-  <p:timing>
-    <p:tnLst>
-      <p:par>
-        <p:cTn id="1" dur="indefinite" restart="never" nodeType="tmRoot"/>
-      </p:par>
-    </p:tnLst>
-  </p:timing>
 </p:sld>
 </file>
 
@@ -13059,10 +13714,9 @@
           <a:lstStyle/>
           <a:p>
             <a:r>
-              <a:rPr lang="en-CA" dirty="0" smtClean="0"/>
+              <a:rPr lang="en-CA" dirty="0"/>
               <a:t>Design of input control MPs (class ‘Input’)</a:t>
             </a:r>
-            <a:endParaRPr lang="en-CA" dirty="0"/>
           </a:p>
         </p:txBody>
       </p:sp>
@@ -13090,7 +13744,7 @@
               <a:buNone/>
             </a:pPr>
             <a:r>
-              <a:rPr lang="en-CA" dirty="0" smtClean="0"/>
+              <a:rPr lang="en-CA" dirty="0"/>
               <a:t>Very similar to output control MPs but rather than returning a vector of TACs that is reps long, input control MPs return a vector of input regulations:</a:t>
             </a:r>
           </a:p>
@@ -13098,14 +13752,14 @@
             <a:pPr marL="0" indent="0">
               <a:buNone/>
             </a:pPr>
-            <a:endParaRPr lang="en-CA" sz="1600" dirty="0" smtClean="0"/>
+            <a:endParaRPr lang="en-CA" sz="1600" dirty="0"/>
           </a:p>
           <a:p>
             <a:pPr marL="0" indent="0">
               <a:buNone/>
             </a:pPr>
             <a:r>
-              <a:rPr lang="en-CA" sz="2000" b="1" dirty="0" err="1" smtClean="0">
+              <a:rPr lang="en-CA" sz="2000" b="1" dirty="0" err="1">
                 <a:solidFill>
                   <a:srgbClr val="00B050"/>
                 </a:solidFill>
@@ -13113,20 +13767,12 @@
               <a:t>AnInputMP</a:t>
             </a:r>
             <a:r>
-              <a:rPr lang="en-CA" sz="2000" b="1" dirty="0" smtClean="0">
-                <a:solidFill>
-                  <a:srgbClr val="00B050"/>
-                </a:solidFill>
-              </a:rPr>
-              <a:t> = </a:t>
-            </a:r>
-            <a:r>
               <a:rPr lang="en-CA" sz="2000" b="1" dirty="0">
                 <a:solidFill>
                   <a:srgbClr val="00B050"/>
                 </a:solidFill>
               </a:rPr>
-              <a:t>function(x, Data, ...) {</a:t>
+              <a:t> = function(x, Data, ...) {</a:t>
             </a:r>
           </a:p>
           <a:p>
@@ -13134,23 +13780,15 @@
               <a:buNone/>
             </a:pPr>
             <a:r>
-              <a:rPr lang="en-CA" sz="2000" b="1" dirty="0" smtClean="0">
-                <a:solidFill>
-                  <a:srgbClr val="00B050"/>
-                </a:solidFill>
-              </a:rPr>
-              <a:t>   </a:t>
-            </a:r>
-            <a:r>
-              <a:rPr lang="en-CA" sz="2000" b="1" dirty="0" smtClean="0">
-                <a:solidFill>
-                  <a:srgbClr val="00B050"/>
-                </a:solidFill>
-              </a:rPr>
-              <a:t>rec = new(‘</a:t>
-            </a:r>
-            <a:r>
-              <a:rPr lang="en-CA" sz="2000" b="1" dirty="0" err="1" smtClean="0">
+              <a:rPr lang="en-CA" sz="2000" b="1" dirty="0">
+                <a:solidFill>
+                  <a:srgbClr val="00B050"/>
+                </a:solidFill>
+              </a:rPr>
+              <a:t>   rec = new(‘</a:t>
+            </a:r>
+            <a:r>
+              <a:rPr lang="en-CA" sz="2000" b="1" dirty="0" err="1">
                 <a:solidFill>
                   <a:srgbClr val="00B050"/>
                 </a:solidFill>
@@ -13158,7 +13796,7 @@
               <a:t>InputRec</a:t>
             </a:r>
             <a:r>
-              <a:rPr lang="en-CA" sz="2000" b="1" dirty="0" smtClean="0">
+              <a:rPr lang="en-CA" sz="2000" b="1" dirty="0">
                 <a:solidFill>
                   <a:srgbClr val="00B050"/>
                 </a:solidFill>
@@ -13171,31 +13809,15 @@
               <a:buNone/>
             </a:pPr>
             <a:r>
-              <a:rPr lang="en-CA" sz="2000" b="1" dirty="0" smtClean="0">
-                <a:solidFill>
-                  <a:srgbClr val="00B050"/>
-                </a:solidFill>
-              </a:rPr>
-              <a:t>  &lt; </a:t>
-            </a:r>
-            <a:r>
-              <a:rPr lang="en-CA" sz="2000" b="1" dirty="0" smtClean="0">
-                <a:solidFill>
-                  <a:srgbClr val="00B050"/>
-                </a:solidFill>
-              </a:rPr>
-              <a:t>code for calculating </a:t>
-            </a:r>
-            <a:r>
-              <a:rPr lang="en-CA" sz="2000" b="1" dirty="0" smtClean="0">
-                <a:solidFill>
-                  <a:srgbClr val="00B050"/>
-                </a:solidFill>
-              </a:rPr>
-              <a:t>Effort, Spatial, Allocate LR5, LFR, HS, </a:t>
-            </a:r>
-            <a:r>
-              <a:rPr lang="en-CA" sz="2000" b="1" dirty="0" err="1" smtClean="0">
+              <a:rPr lang="en-CA" sz="2000" b="1" dirty="0">
+                <a:solidFill>
+                  <a:srgbClr val="00B050"/>
+                </a:solidFill>
+              </a:rPr>
+              <a:t>  &lt; code for calculating Effort, Spatial, Allocate LR5, LFR, HS, </a:t>
+            </a:r>
+            <a:r>
+              <a:rPr lang="en-CA" sz="2000" b="1" dirty="0" err="1">
                 <a:solidFill>
                   <a:srgbClr val="00B050"/>
                 </a:solidFill>
@@ -13203,20 +13825,12 @@
               <a:t>Rmaxlen</a:t>
             </a:r>
             <a:r>
-              <a:rPr lang="en-CA" sz="2000" b="1" dirty="0" smtClean="0">
-                <a:solidFill>
-                  <a:srgbClr val="00B050"/>
-                </a:solidFill>
-              </a:rPr>
-              <a:t>,        	based </a:t>
-            </a:r>
-            <a:r>
-              <a:rPr lang="en-CA" sz="2000" b="1" dirty="0" smtClean="0">
-                <a:solidFill>
-                  <a:srgbClr val="00B050"/>
-                </a:solidFill>
-              </a:rPr>
-              <a:t>on simulation x of Data &gt;</a:t>
+              <a:rPr lang="en-CA" sz="2000" b="1" dirty="0">
+                <a:solidFill>
+                  <a:srgbClr val="00B050"/>
+                </a:solidFill>
+              </a:rPr>
+              <a:t>,        	based on simulation x of Data &gt;</a:t>
             </a:r>
           </a:p>
           <a:p>
@@ -13229,29 +13843,8 @@
                   <a:srgbClr val="00B050"/>
                 </a:solidFill>
               </a:rPr>
-              <a:t> </a:t>
-            </a:r>
-            <a:r>
-              <a:rPr lang="en-CA" sz="2000" b="1" dirty="0" smtClean="0">
-                <a:solidFill>
-                  <a:srgbClr val="00B050"/>
-                </a:solidFill>
-              </a:rPr>
-              <a:t>  </a:t>
-            </a:r>
-            <a:r>
-              <a:rPr lang="en-CA" sz="2000" b="1" dirty="0" smtClean="0">
-                <a:solidFill>
-                  <a:srgbClr val="00B050"/>
-                </a:solidFill>
-              </a:rPr>
-              <a:t>rec</a:t>
-            </a:r>
-            <a:endParaRPr lang="en-CA" sz="2000" b="1" dirty="0">
-              <a:solidFill>
-                <a:srgbClr val="00B050"/>
-              </a:solidFill>
-            </a:endParaRPr>
+              <a:t>   rec</a:t>
+            </a:r>
           </a:p>
           <a:p>
             <a:pPr marL="0" indent="0">
@@ -13276,7 +13869,7 @@
             <a:pPr marL="0" indent="0">
               <a:buNone/>
             </a:pPr>
-            <a:endParaRPr lang="en-CA" dirty="0" smtClean="0"/>
+            <a:endParaRPr lang="en-CA" dirty="0"/>
           </a:p>
           <a:p>
             <a:pPr marL="0" indent="0">
@@ -13350,49 +13943,31 @@
               </a:spcAft>
             </a:pPr>
             <a:r>
-              <a:rPr lang="en-CA" sz="2400" dirty="0" smtClean="0">
+              <a:rPr lang="en-CA" sz="2400" dirty="0">
                 <a:solidFill>
                   <a:srgbClr val="126D96"/>
                 </a:solidFill>
               </a:rPr>
-              <a:t>The </a:t>
-            </a:r>
-            <a:r>
-              <a:rPr lang="en-CA" sz="2400" dirty="0" smtClean="0">
+              <a:t>The length at 100% retention </a:t>
+            </a:r>
+          </a:p>
+          <a:p>
+            <a:r>
+              <a:rPr lang="en-CA" sz="2400" dirty="0">
                 <a:solidFill>
                   <a:srgbClr val="126D96"/>
                 </a:solidFill>
               </a:rPr>
-              <a:t>length at 100% retention </a:t>
-            </a:r>
-            <a:endParaRPr lang="en-CA" sz="2400" dirty="0" smtClean="0">
-              <a:solidFill>
-                <a:srgbClr val="126D96"/>
-              </a:solidFill>
-            </a:endParaRPr>
-          </a:p>
-          <a:p>
-            <a:r>
-              <a:rPr lang="en-CA" sz="2400" dirty="0" smtClean="0">
-                <a:solidFill>
-                  <a:srgbClr val="126D96"/>
-                </a:solidFill>
-              </a:rPr>
               <a:t>A number: e.g. </a:t>
             </a:r>
             <a:r>
-              <a:rPr lang="en-CA" sz="2400" b="1" dirty="0" smtClean="0">
+              <a:rPr lang="en-CA" sz="2400" b="1" dirty="0">
                 <a:solidFill>
                   <a:srgbClr val="00B050"/>
                 </a:solidFill>
               </a:rPr>
               <a:t>LFR= 92.1</a:t>
             </a:r>
-            <a:endParaRPr lang="en-CA" sz="2400" b="1" dirty="0">
-              <a:solidFill>
-                <a:srgbClr val="00B050"/>
-              </a:solidFill>
-            </a:endParaRPr>
           </a:p>
         </p:txBody>
       </p:sp>
@@ -13406,13 +13981,6 @@
   <p:clrMapOvr>
     <a:masterClrMapping/>
   </p:clrMapOvr>
-  <p:timing>
-    <p:tnLst>
-      <p:par>
-        <p:cTn id="1" dur="indefinite" restart="never" nodeType="tmRoot"/>
-      </p:par>
-    </p:tnLst>
-  </p:timing>
 </p:sld>
 </file>
 
@@ -13454,10 +14022,9 @@
           <a:lstStyle/>
           <a:p>
             <a:r>
-              <a:rPr lang="en-CA" dirty="0" smtClean="0"/>
+              <a:rPr lang="en-CA" dirty="0"/>
               <a:t>Design of input control MPs (class ‘Input’)</a:t>
             </a:r>
-            <a:endParaRPr lang="en-CA" dirty="0"/>
           </a:p>
         </p:txBody>
       </p:sp>
@@ -13485,7 +14052,7 @@
               <a:buNone/>
             </a:pPr>
             <a:r>
-              <a:rPr lang="en-CA" dirty="0" smtClean="0"/>
+              <a:rPr lang="en-CA" dirty="0"/>
               <a:t>Very similar to output control MPs but rather than returning a vector of TACs that is reps long, input control MPs return a vector of input regulations:</a:t>
             </a:r>
           </a:p>
@@ -13493,14 +14060,14 @@
             <a:pPr marL="0" indent="0">
               <a:buNone/>
             </a:pPr>
-            <a:endParaRPr lang="en-CA" sz="1600" dirty="0" smtClean="0"/>
+            <a:endParaRPr lang="en-CA" sz="1600" dirty="0"/>
           </a:p>
           <a:p>
             <a:pPr marL="0" indent="0">
               <a:buNone/>
             </a:pPr>
             <a:r>
-              <a:rPr lang="en-CA" sz="2000" b="1" dirty="0" err="1" smtClean="0">
+              <a:rPr lang="en-CA" sz="2000" b="1" dirty="0" err="1">
                 <a:solidFill>
                   <a:srgbClr val="00B050"/>
                 </a:solidFill>
@@ -13508,20 +14075,12 @@
               <a:t>AnInputMP</a:t>
             </a:r>
             <a:r>
-              <a:rPr lang="en-CA" sz="2000" b="1" dirty="0" smtClean="0">
-                <a:solidFill>
-                  <a:srgbClr val="00B050"/>
-                </a:solidFill>
-              </a:rPr>
-              <a:t> = </a:t>
-            </a:r>
-            <a:r>
               <a:rPr lang="en-CA" sz="2000" b="1" dirty="0">
                 <a:solidFill>
                   <a:srgbClr val="00B050"/>
                 </a:solidFill>
               </a:rPr>
-              <a:t>function(x, Data, ...) {</a:t>
+              <a:t> = function(x, Data, ...) {</a:t>
             </a:r>
           </a:p>
           <a:p>
@@ -13529,23 +14088,15 @@
               <a:buNone/>
             </a:pPr>
             <a:r>
-              <a:rPr lang="en-CA" sz="2000" b="1" dirty="0" smtClean="0">
-                <a:solidFill>
-                  <a:srgbClr val="00B050"/>
-                </a:solidFill>
-              </a:rPr>
-              <a:t>   </a:t>
-            </a:r>
-            <a:r>
-              <a:rPr lang="en-CA" sz="2000" b="1" dirty="0" smtClean="0">
-                <a:solidFill>
-                  <a:srgbClr val="00B050"/>
-                </a:solidFill>
-              </a:rPr>
-              <a:t>rec = new(‘</a:t>
-            </a:r>
-            <a:r>
-              <a:rPr lang="en-CA" sz="2000" b="1" dirty="0" err="1" smtClean="0">
+              <a:rPr lang="en-CA" sz="2000" b="1" dirty="0">
+                <a:solidFill>
+                  <a:srgbClr val="00B050"/>
+                </a:solidFill>
+              </a:rPr>
+              <a:t>   rec = new(‘</a:t>
+            </a:r>
+            <a:r>
+              <a:rPr lang="en-CA" sz="2000" b="1" dirty="0" err="1">
                 <a:solidFill>
                   <a:srgbClr val="00B050"/>
                 </a:solidFill>
@@ -13553,7 +14104,7 @@
               <a:t>InputRec</a:t>
             </a:r>
             <a:r>
-              <a:rPr lang="en-CA" sz="2000" b="1" dirty="0" smtClean="0">
+              <a:rPr lang="en-CA" sz="2000" b="1" dirty="0">
                 <a:solidFill>
                   <a:srgbClr val="00B050"/>
                 </a:solidFill>
@@ -13566,31 +14117,15 @@
               <a:buNone/>
             </a:pPr>
             <a:r>
-              <a:rPr lang="en-CA" sz="2000" b="1" dirty="0" smtClean="0">
-                <a:solidFill>
-                  <a:srgbClr val="00B050"/>
-                </a:solidFill>
-              </a:rPr>
-              <a:t>  &lt; </a:t>
-            </a:r>
-            <a:r>
-              <a:rPr lang="en-CA" sz="2000" b="1" dirty="0" smtClean="0">
-                <a:solidFill>
-                  <a:srgbClr val="00B050"/>
-                </a:solidFill>
-              </a:rPr>
-              <a:t>code for calculating </a:t>
-            </a:r>
-            <a:r>
-              <a:rPr lang="en-CA" sz="2000" b="1" dirty="0" smtClean="0">
-                <a:solidFill>
-                  <a:srgbClr val="00B050"/>
-                </a:solidFill>
-              </a:rPr>
-              <a:t>Effort, Spatial, Allocate LR5, LFR, HS, </a:t>
-            </a:r>
-            <a:r>
-              <a:rPr lang="en-CA" sz="2000" b="1" dirty="0" err="1" smtClean="0">
+              <a:rPr lang="en-CA" sz="2000" b="1" dirty="0">
+                <a:solidFill>
+                  <a:srgbClr val="00B050"/>
+                </a:solidFill>
+              </a:rPr>
+              <a:t>  &lt; code for calculating Effort, Spatial, Allocate LR5, LFR, HS, </a:t>
+            </a:r>
+            <a:r>
+              <a:rPr lang="en-CA" sz="2000" b="1" dirty="0" err="1">
                 <a:solidFill>
                   <a:srgbClr val="00B050"/>
                 </a:solidFill>
@@ -13598,20 +14133,12 @@
               <a:t>Rmaxlen</a:t>
             </a:r>
             <a:r>
-              <a:rPr lang="en-CA" sz="2000" b="1" dirty="0" smtClean="0">
-                <a:solidFill>
-                  <a:srgbClr val="00B050"/>
-                </a:solidFill>
-              </a:rPr>
-              <a:t>,        	based </a:t>
-            </a:r>
-            <a:r>
-              <a:rPr lang="en-CA" sz="2000" b="1" dirty="0" smtClean="0">
-                <a:solidFill>
-                  <a:srgbClr val="00B050"/>
-                </a:solidFill>
-              </a:rPr>
-              <a:t>on simulation x of Data &gt;</a:t>
+              <a:rPr lang="en-CA" sz="2000" b="1" dirty="0">
+                <a:solidFill>
+                  <a:srgbClr val="00B050"/>
+                </a:solidFill>
+              </a:rPr>
+              <a:t>,        	based on simulation x of Data &gt;</a:t>
             </a:r>
           </a:p>
           <a:p>
@@ -13624,29 +14151,8 @@
                   <a:srgbClr val="00B050"/>
                 </a:solidFill>
               </a:rPr>
-              <a:t> </a:t>
-            </a:r>
-            <a:r>
-              <a:rPr lang="en-CA" sz="2000" b="1" dirty="0" smtClean="0">
-                <a:solidFill>
-                  <a:srgbClr val="00B050"/>
-                </a:solidFill>
-              </a:rPr>
-              <a:t>  </a:t>
-            </a:r>
-            <a:r>
-              <a:rPr lang="en-CA" sz="2000" b="1" dirty="0" smtClean="0">
-                <a:solidFill>
-                  <a:srgbClr val="00B050"/>
-                </a:solidFill>
-              </a:rPr>
-              <a:t>rec</a:t>
-            </a:r>
-            <a:endParaRPr lang="en-CA" sz="2000" b="1" dirty="0">
-              <a:solidFill>
-                <a:srgbClr val="00B050"/>
-              </a:solidFill>
-            </a:endParaRPr>
+              <a:t>   rec</a:t>
+            </a:r>
           </a:p>
           <a:p>
             <a:pPr marL="0" indent="0">
@@ -13671,7 +14177,7 @@
             <a:pPr marL="0" indent="0">
               <a:buNone/>
             </a:pPr>
-            <a:endParaRPr lang="en-CA" dirty="0" smtClean="0"/>
+            <a:endParaRPr lang="en-CA" dirty="0"/>
           </a:p>
           <a:p>
             <a:pPr marL="0" indent="0">
@@ -13745,49 +14251,31 @@
               </a:spcAft>
             </a:pPr>
             <a:r>
-              <a:rPr lang="en-CA" sz="2400" dirty="0" smtClean="0">
+              <a:rPr lang="en-CA" sz="2400" dirty="0">
                 <a:solidFill>
                   <a:srgbClr val="126D96"/>
                 </a:solidFill>
               </a:rPr>
-              <a:t>The </a:t>
-            </a:r>
-            <a:r>
-              <a:rPr lang="en-CA" sz="2400" dirty="0" smtClean="0">
+              <a:t>The upper slot limit, a length above which there is zero retention.</a:t>
+            </a:r>
+          </a:p>
+          <a:p>
+            <a:r>
+              <a:rPr lang="en-CA" sz="2400" dirty="0">
                 <a:solidFill>
                   <a:srgbClr val="126D96"/>
                 </a:solidFill>
               </a:rPr>
-              <a:t>upper slot limit, a length above which there is zero retention.</a:t>
-            </a:r>
-            <a:endParaRPr lang="en-CA" sz="2400" dirty="0" smtClean="0">
-              <a:solidFill>
-                <a:srgbClr val="126D96"/>
-              </a:solidFill>
-            </a:endParaRPr>
-          </a:p>
-          <a:p>
-            <a:r>
-              <a:rPr lang="en-CA" sz="2400" dirty="0" smtClean="0">
-                <a:solidFill>
-                  <a:srgbClr val="126D96"/>
-                </a:solidFill>
-              </a:rPr>
               <a:t>A number: e.g. </a:t>
             </a:r>
             <a:r>
-              <a:rPr lang="en-CA" sz="2400" b="1" dirty="0" smtClean="0">
+              <a:rPr lang="en-CA" sz="2400" b="1" dirty="0">
                 <a:solidFill>
                   <a:srgbClr val="00B050"/>
                 </a:solidFill>
               </a:rPr>
               <a:t>HS = 100</a:t>
             </a:r>
-            <a:endParaRPr lang="en-CA" sz="2400" b="1" dirty="0">
-              <a:solidFill>
-                <a:srgbClr val="00B050"/>
-              </a:solidFill>
-            </a:endParaRPr>
           </a:p>
         </p:txBody>
       </p:sp>
@@ -13801,13 +14289,6 @@
   <p:clrMapOvr>
     <a:masterClrMapping/>
   </p:clrMapOvr>
-  <p:timing>
-    <p:tnLst>
-      <p:par>
-        <p:cTn id="1" dur="indefinite" restart="never" nodeType="tmRoot"/>
-      </p:par>
-    </p:tnLst>
-  </p:timing>
 </p:sld>
 </file>
 
@@ -13849,10 +14330,9 @@
           <a:lstStyle/>
           <a:p>
             <a:r>
-              <a:rPr lang="en-CA" dirty="0" smtClean="0"/>
+              <a:rPr lang="en-CA" dirty="0"/>
               <a:t>Design of input control MPs (class ‘Input’)</a:t>
             </a:r>
-            <a:endParaRPr lang="en-CA" dirty="0"/>
           </a:p>
         </p:txBody>
       </p:sp>
@@ -13880,7 +14360,7 @@
               <a:buNone/>
             </a:pPr>
             <a:r>
-              <a:rPr lang="en-CA" dirty="0" smtClean="0"/>
+              <a:rPr lang="en-CA" dirty="0"/>
               <a:t>Very similar to output control MPs but rather than returning a vector of TACs that is reps long, input control MPs return a vector of input regulations:</a:t>
             </a:r>
           </a:p>
@@ -13888,14 +14368,14 @@
             <a:pPr marL="0" indent="0">
               <a:buNone/>
             </a:pPr>
-            <a:endParaRPr lang="en-CA" sz="1600" dirty="0" smtClean="0"/>
+            <a:endParaRPr lang="en-CA" sz="1600" dirty="0"/>
           </a:p>
           <a:p>
             <a:pPr marL="0" indent="0">
               <a:buNone/>
             </a:pPr>
             <a:r>
-              <a:rPr lang="en-CA" sz="2000" b="1" dirty="0" err="1" smtClean="0">
+              <a:rPr lang="en-CA" sz="2000" b="1" dirty="0" err="1">
                 <a:solidFill>
                   <a:srgbClr val="00B050"/>
                 </a:solidFill>
@@ -13903,20 +14383,12 @@
               <a:t>AnInputMP</a:t>
             </a:r>
             <a:r>
-              <a:rPr lang="en-CA" sz="2000" b="1" dirty="0" smtClean="0">
-                <a:solidFill>
-                  <a:srgbClr val="00B050"/>
-                </a:solidFill>
-              </a:rPr>
-              <a:t> = </a:t>
-            </a:r>
-            <a:r>
               <a:rPr lang="en-CA" sz="2000" b="1" dirty="0">
                 <a:solidFill>
                   <a:srgbClr val="00B050"/>
                 </a:solidFill>
               </a:rPr>
-              <a:t>function(x, Data, ...) {</a:t>
+              <a:t> = function(x, Data, ...) {</a:t>
             </a:r>
           </a:p>
           <a:p>
@@ -13924,23 +14396,15 @@
               <a:buNone/>
             </a:pPr>
             <a:r>
-              <a:rPr lang="en-CA" sz="2000" b="1" dirty="0" smtClean="0">
-                <a:solidFill>
-                  <a:srgbClr val="00B050"/>
-                </a:solidFill>
-              </a:rPr>
-              <a:t>   </a:t>
-            </a:r>
-            <a:r>
-              <a:rPr lang="en-CA" sz="2000" b="1" dirty="0" smtClean="0">
-                <a:solidFill>
-                  <a:srgbClr val="00B050"/>
-                </a:solidFill>
-              </a:rPr>
-              <a:t>rec = new(‘</a:t>
-            </a:r>
-            <a:r>
-              <a:rPr lang="en-CA" sz="2000" b="1" dirty="0" err="1" smtClean="0">
+              <a:rPr lang="en-CA" sz="2000" b="1" dirty="0">
+                <a:solidFill>
+                  <a:srgbClr val="00B050"/>
+                </a:solidFill>
+              </a:rPr>
+              <a:t>   rec = new(‘</a:t>
+            </a:r>
+            <a:r>
+              <a:rPr lang="en-CA" sz="2000" b="1" dirty="0" err="1">
                 <a:solidFill>
                   <a:srgbClr val="00B050"/>
                 </a:solidFill>
@@ -13948,7 +14412,7 @@
               <a:t>InputRec</a:t>
             </a:r>
             <a:r>
-              <a:rPr lang="en-CA" sz="2000" b="1" dirty="0" smtClean="0">
+              <a:rPr lang="en-CA" sz="2000" b="1" dirty="0">
                 <a:solidFill>
                   <a:srgbClr val="00B050"/>
                 </a:solidFill>
@@ -13961,31 +14425,15 @@
               <a:buNone/>
             </a:pPr>
             <a:r>
-              <a:rPr lang="en-CA" sz="2000" b="1" dirty="0" smtClean="0">
-                <a:solidFill>
-                  <a:srgbClr val="00B050"/>
-                </a:solidFill>
-              </a:rPr>
-              <a:t>  &lt; </a:t>
-            </a:r>
-            <a:r>
-              <a:rPr lang="en-CA" sz="2000" b="1" dirty="0" smtClean="0">
-                <a:solidFill>
-                  <a:srgbClr val="00B050"/>
-                </a:solidFill>
-              </a:rPr>
-              <a:t>code for calculating </a:t>
-            </a:r>
-            <a:r>
-              <a:rPr lang="en-CA" sz="2000" b="1" dirty="0" smtClean="0">
-                <a:solidFill>
-                  <a:srgbClr val="00B050"/>
-                </a:solidFill>
-              </a:rPr>
-              <a:t>Effort, Spatial, Allocate LR5, LFR, HS, </a:t>
-            </a:r>
-            <a:r>
-              <a:rPr lang="en-CA" sz="2000" b="1" dirty="0" err="1" smtClean="0">
+              <a:rPr lang="en-CA" sz="2000" b="1" dirty="0">
+                <a:solidFill>
+                  <a:srgbClr val="00B050"/>
+                </a:solidFill>
+              </a:rPr>
+              <a:t>  &lt; code for calculating Effort, Spatial, Allocate LR5, LFR, HS, </a:t>
+            </a:r>
+            <a:r>
+              <a:rPr lang="en-CA" sz="2000" b="1" dirty="0" err="1">
                 <a:solidFill>
                   <a:srgbClr val="00B050"/>
                 </a:solidFill>
@@ -13993,20 +14441,12 @@
               <a:t>Rmaxlen</a:t>
             </a:r>
             <a:r>
-              <a:rPr lang="en-CA" sz="2000" b="1" dirty="0" smtClean="0">
-                <a:solidFill>
-                  <a:srgbClr val="00B050"/>
-                </a:solidFill>
-              </a:rPr>
-              <a:t>,        	based </a:t>
-            </a:r>
-            <a:r>
-              <a:rPr lang="en-CA" sz="2000" b="1" dirty="0" smtClean="0">
-                <a:solidFill>
-                  <a:srgbClr val="00B050"/>
-                </a:solidFill>
-              </a:rPr>
-              <a:t>on simulation x of Data &gt;</a:t>
+              <a:rPr lang="en-CA" sz="2000" b="1" dirty="0">
+                <a:solidFill>
+                  <a:srgbClr val="00B050"/>
+                </a:solidFill>
+              </a:rPr>
+              <a:t>,        	based on simulation x of Data &gt;</a:t>
             </a:r>
           </a:p>
           <a:p>
@@ -14019,29 +14459,8 @@
                   <a:srgbClr val="00B050"/>
                 </a:solidFill>
               </a:rPr>
-              <a:t> </a:t>
-            </a:r>
-            <a:r>
-              <a:rPr lang="en-CA" sz="2000" b="1" dirty="0" smtClean="0">
-                <a:solidFill>
-                  <a:srgbClr val="00B050"/>
-                </a:solidFill>
-              </a:rPr>
-              <a:t>  </a:t>
-            </a:r>
-            <a:r>
-              <a:rPr lang="en-CA" sz="2000" b="1" dirty="0" smtClean="0">
-                <a:solidFill>
-                  <a:srgbClr val="00B050"/>
-                </a:solidFill>
-              </a:rPr>
-              <a:t>rec</a:t>
-            </a:r>
-            <a:endParaRPr lang="en-CA" sz="2000" b="1" dirty="0">
-              <a:solidFill>
-                <a:srgbClr val="00B050"/>
-              </a:solidFill>
-            </a:endParaRPr>
+              <a:t>   rec</a:t>
+            </a:r>
           </a:p>
           <a:p>
             <a:pPr marL="0" indent="0">
@@ -14066,7 +14485,7 @@
             <a:pPr marL="0" indent="0">
               <a:buNone/>
             </a:pPr>
-            <a:endParaRPr lang="en-CA" dirty="0" smtClean="0"/>
+            <a:endParaRPr lang="en-CA" dirty="0"/>
           </a:p>
           <a:p>
             <a:pPr marL="0" indent="0">
@@ -14140,62 +14559,25 @@
               </a:spcAft>
             </a:pPr>
             <a:r>
-              <a:rPr lang="en-CA" sz="2400" dirty="0" err="1" smtClean="0">
+              <a:rPr lang="en-CA" sz="2400" dirty="0">
                 <a:solidFill>
                   <a:srgbClr val="126D96"/>
                 </a:solidFill>
               </a:rPr>
-              <a:t>Th</a:t>
-            </a:r>
-            <a:r>
-              <a:rPr lang="en-CA" sz="2400" dirty="0" smtClean="0">
+              <a:t>The retention of fish of maximum size.</a:t>
+            </a:r>
+          </a:p>
+          <a:p>
+            <a:r>
+              <a:rPr lang="en-CA" sz="2400" dirty="0">
                 <a:solidFill>
                   <a:srgbClr val="126D96"/>
                 </a:solidFill>
               </a:rPr>
-              <a:t>            e retention of fish of maximum size.</a:t>
-            </a:r>
-            <a:endParaRPr lang="en-CA" sz="2400" dirty="0" smtClean="0">
-              <a:solidFill>
-                <a:srgbClr val="126D96"/>
-              </a:solidFill>
-            </a:endParaRPr>
-          </a:p>
-          <a:p>
-            <a:r>
-              <a:rPr lang="en-CA" sz="2400" dirty="0" smtClean="0">
-                <a:solidFill>
-                  <a:srgbClr val="126D96"/>
-                </a:solidFill>
-              </a:rPr>
-              <a:t>A </a:t>
-            </a:r>
-            <a:r>
-              <a:rPr lang="en-CA" sz="2400" dirty="0" smtClean="0">
-                <a:solidFill>
-                  <a:srgbClr val="126D96"/>
-                </a:solidFill>
-              </a:rPr>
-              <a:t>fraction</a:t>
-            </a:r>
-            <a:r>
-              <a:rPr lang="en-CA" sz="2400" dirty="0" smtClean="0">
-                <a:solidFill>
-                  <a:srgbClr val="126D96"/>
-                </a:solidFill>
-              </a:rPr>
-              <a:t>: </a:t>
-            </a:r>
-            <a:r>
-              <a:rPr lang="en-CA" sz="2400" dirty="0" smtClean="0">
-                <a:solidFill>
-                  <a:srgbClr val="126D96"/>
-                </a:solidFill>
-              </a:rPr>
-              <a:t>e.g. </a:t>
-            </a:r>
-            <a:r>
-              <a:rPr lang="en-CA" sz="2400" b="1" dirty="0" err="1" smtClean="0">
+              <a:t>A fraction: e.g. </a:t>
+            </a:r>
+            <a:r>
+              <a:rPr lang="en-CA" sz="2400" b="1" dirty="0" err="1">
                 <a:solidFill>
                   <a:srgbClr val="00B050"/>
                 </a:solidFill>
@@ -14203,18 +14585,13 @@
               <a:t>Rmaxlen</a:t>
             </a:r>
             <a:r>
-              <a:rPr lang="en-CA" sz="2400" b="1" dirty="0" smtClean="0">
+              <a:rPr lang="en-CA" sz="2400" b="1" dirty="0">
                 <a:solidFill>
                   <a:srgbClr val="00B050"/>
                 </a:solidFill>
               </a:rPr>
               <a:t> = 0.213</a:t>
             </a:r>
-            <a:endParaRPr lang="en-CA" sz="2400" b="1" dirty="0">
-              <a:solidFill>
-                <a:srgbClr val="00B050"/>
-              </a:solidFill>
-            </a:endParaRPr>
           </a:p>
         </p:txBody>
       </p:sp>
@@ -14228,89 +14605,6 @@
   <p:clrMapOvr>
     <a:masterClrMapping/>
   </p:clrMapOvr>
-  <p:timing>
-    <p:tnLst>
-      <p:par>
-        <p:cTn id="1" dur="indefinite" restart="never" nodeType="tmRoot">
-          <p:childTnLst>
-            <p:seq concurrent="1" nextAc="seek">
-              <p:cTn id="2" dur="indefinite" nodeType="mainSeq">
-                <p:childTnLst>
-                  <p:par>
-                    <p:cTn id="3" fill="hold">
-                      <p:stCondLst>
-                        <p:cond delay="indefinite"/>
-                      </p:stCondLst>
-                      <p:childTnLst>
-                        <p:par>
-                          <p:cTn id="4" fill="hold">
-                            <p:stCondLst>
-                              <p:cond delay="0"/>
-                            </p:stCondLst>
-                            <p:childTnLst>
-                              <p:par>
-                                <p:cTn id="5" presetID="10" presetClass="entr" presetSubtype="0" fill="hold" nodeType="clickEffect">
-                                  <p:stCondLst>
-                                    <p:cond delay="0"/>
-                                  </p:stCondLst>
-                                  <p:childTnLst>
-                                    <p:set>
-                                      <p:cBhvr>
-                                        <p:cTn id="6" dur="1" fill="hold">
-                                          <p:stCondLst>
-                                            <p:cond delay="0"/>
-                                          </p:stCondLst>
-                                        </p:cTn>
-                                        <p:tgtEl>
-                                          <p:spTgt spid="6"/>
-                                        </p:tgtEl>
-                                        <p:attrNameLst>
-                                          <p:attrName>style.visibility</p:attrName>
-                                        </p:attrNameLst>
-                                      </p:cBhvr>
-                                      <p:to>
-                                        <p:strVal val="visible"/>
-                                      </p:to>
-                                    </p:set>
-                                    <p:animEffect transition="in" filter="fade">
-                                      <p:cBhvr>
-                                        <p:cTn id="7" dur="500"/>
-                                        <p:tgtEl>
-                                          <p:spTgt spid="6"/>
-                                        </p:tgtEl>
-                                      </p:cBhvr>
-                                    </p:animEffect>
-                                  </p:childTnLst>
-                                </p:cTn>
-                              </p:par>
-                            </p:childTnLst>
-                          </p:cTn>
-                        </p:par>
-                      </p:childTnLst>
-                    </p:cTn>
-                  </p:par>
-                </p:childTnLst>
-              </p:cTn>
-              <p:prevCondLst>
-                <p:cond evt="onPrev" delay="0">
-                  <p:tgtEl>
-                    <p:sldTgt/>
-                  </p:tgtEl>
-                </p:cond>
-              </p:prevCondLst>
-              <p:nextCondLst>
-                <p:cond evt="onNext" delay="0">
-                  <p:tgtEl>
-                    <p:sldTgt/>
-                  </p:tgtEl>
-                </p:cond>
-              </p:nextCondLst>
-            </p:seq>
-          </p:childTnLst>
-        </p:cTn>
-      </p:par>
-    </p:tnLst>
-  </p:timing>
 </p:sld>
 </file>
 

--- a/Disused code/Misc/DLM_DFO/Lectures/4 Making recommendations/L4c Custom input control MPs.pptx
+++ b/Disused code/Misc/DLM_DFO/Lectures/4 Making recommendations/L4c Custom input control MPs.pptx
@@ -275,7 +275,7 @@
               <a:pPr>
                 <a:defRPr/>
               </a:pPr>
-              <a:t>2017-10-23</a:t>
+              <a:t>2017-10-31</a:t>
             </a:fld>
             <a:endParaRPr lang="en-CA"/>
           </a:p>
@@ -790,7 +790,7 @@
               <a:pPr>
                 <a:defRPr/>
               </a:pPr>
-              <a:t>10/23/2017</a:t>
+              <a:t>10/31/2017</a:t>
             </a:fld>
             <a:endParaRPr lang="en-US" dirty="0"/>
           </a:p>
@@ -1160,7 +1160,7 @@
               <a:pPr>
                 <a:defRPr/>
               </a:pPr>
-              <a:t>10/23/2017</a:t>
+              <a:t>10/31/2017</a:t>
             </a:fld>
             <a:endParaRPr lang="en-US" dirty="0"/>
           </a:p>
@@ -1438,7 +1438,7 @@
               <a:pPr>
                 <a:defRPr/>
               </a:pPr>
-              <a:t>10/23/2017</a:t>
+              <a:t>10/31/2017</a:t>
             </a:fld>
             <a:endParaRPr lang="en-US" dirty="0"/>
           </a:p>
@@ -2027,7 +2027,7 @@
               <a:pPr>
                 <a:defRPr/>
               </a:pPr>
-              <a:t>10/23/2017</a:t>
+              <a:t>10/31/2017</a:t>
             </a:fld>
             <a:endParaRPr lang="en-US" dirty="0"/>
           </a:p>
@@ -2307,7 +2307,7 @@
               <a:pPr>
                 <a:defRPr/>
               </a:pPr>
-              <a:t>10/23/2017</a:t>
+              <a:t>10/31/2017</a:t>
             </a:fld>
             <a:endParaRPr lang="en-US" dirty="0"/>
           </a:p>
@@ -2935,7 +2935,7 @@
               <a:pPr>
                 <a:defRPr/>
               </a:pPr>
-              <a:t>10/23/2017</a:t>
+              <a:t>10/31/2017</a:t>
             </a:fld>
             <a:endParaRPr lang="en-US" dirty="0"/>
           </a:p>
@@ -3855,7 +3855,7 @@
               <a:pPr>
                 <a:defRPr/>
               </a:pPr>
-              <a:t>10/23/2017</a:t>
+              <a:t>10/31/2017</a:t>
             </a:fld>
             <a:endParaRPr lang="en-US" dirty="0"/>
           </a:p>
@@ -4111,7 +4111,7 @@
               <a:pPr>
                 <a:defRPr/>
               </a:pPr>
-              <a:t>10/23/2017</a:t>
+              <a:t>10/31/2017</a:t>
             </a:fld>
             <a:endParaRPr lang="en-US" dirty="0"/>
           </a:p>
@@ -4377,7 +4377,7 @@
               <a:pPr>
                 <a:defRPr/>
               </a:pPr>
-              <a:t>10/23/2017</a:t>
+              <a:t>10/31/2017</a:t>
             </a:fld>
             <a:endParaRPr lang="en-US" dirty="0"/>
           </a:p>
@@ -4638,7 +4638,7 @@
               <a:pPr>
                 <a:defRPr/>
               </a:pPr>
-              <a:t>10/23/2017</a:t>
+              <a:t>10/31/2017</a:t>
             </a:fld>
             <a:endParaRPr lang="en-US" dirty="0"/>
           </a:p>
@@ -4917,7 +4917,7 @@
               <a:pPr>
                 <a:defRPr/>
               </a:pPr>
-              <a:t>10/23/2017</a:t>
+              <a:t>10/31/2017</a:t>
             </a:fld>
             <a:endParaRPr lang="en-US" dirty="0"/>
           </a:p>
@@ -5171,7 +5171,7 @@
               <a:pPr>
                 <a:defRPr/>
               </a:pPr>
-              <a:t>10/23/2017</a:t>
+              <a:t>10/31/2017</a:t>
             </a:fld>
             <a:endParaRPr lang="en-US" dirty="0"/>
           </a:p>
@@ -5586,7 +5586,7 @@
               <a:pPr>
                 <a:defRPr/>
               </a:pPr>
-              <a:t>10/23/2017</a:t>
+              <a:t>10/31/2017</a:t>
             </a:fld>
             <a:endParaRPr lang="en-US" dirty="0"/>
           </a:p>
@@ -5726,7 +5726,7 @@
               <a:pPr>
                 <a:defRPr/>
               </a:pPr>
-              <a:t>10/23/2017</a:t>
+              <a:t>10/31/2017</a:t>
             </a:fld>
             <a:endParaRPr lang="en-US" dirty="0"/>
           </a:p>
@@ -5843,7 +5843,7 @@
               <a:pPr>
                 <a:defRPr/>
               </a:pPr>
-              <a:t>10/23/2017</a:t>
+              <a:t>10/31/2017</a:t>
             </a:fld>
             <a:endParaRPr lang="en-US" dirty="0"/>
           </a:p>
@@ -6140,7 +6140,7 @@
               <a:pPr>
                 <a:defRPr/>
               </a:pPr>
-              <a:t>10/23/2017</a:t>
+              <a:t>10/31/2017</a:t>
             </a:fld>
             <a:endParaRPr lang="en-US" dirty="0"/>
           </a:p>
@@ -6448,7 +6448,7 @@
               <a:pPr>
                 <a:defRPr/>
               </a:pPr>
-              <a:t>10/23/2017</a:t>
+              <a:t>10/31/2017</a:t>
             </a:fld>
             <a:endParaRPr lang="en-US" dirty="0"/>
           </a:p>
@@ -6757,7 +6757,7 @@
               <a:pPr>
                 <a:defRPr/>
               </a:pPr>
-              <a:t>10/23/2017</a:t>
+              <a:t>10/31/2017</a:t>
             </a:fld>
             <a:endParaRPr lang="en-US" dirty="0"/>
           </a:p>
@@ -7376,12 +7376,20 @@
               <a:defRPr/>
             </a:pPr>
             <a:r>
+              <a:rPr lang="en-US" sz="3600">
+                <a:solidFill>
+                  <a:srgbClr val="27AFE5"/>
+                </a:solidFill>
+              </a:rPr>
+              <a:t>Data-Limited Methods </a:t>
+            </a:r>
+            <a:r>
               <a:rPr lang="en-US" sz="3600" dirty="0">
                 <a:solidFill>
                   <a:srgbClr val="27AFE5"/>
                 </a:solidFill>
               </a:rPr>
-              <a:t>Data-Limited Fisheries Toolkit </a:t>
+              <a:t>Toolkit </a:t>
             </a:r>
           </a:p>
         </p:txBody>
